--- a/picture/ppt/cgroup/cgroup.pptx
+++ b/picture/ppt/cgroup/cgroup.pptx
@@ -3474,7 +3474,7 @@
           </a:bodyPr>
           <a:p>
             <a:r>
-              <a:rPr lang="" altLang="zh-CN" sz="2400" b="1">
+              <a:rPr lang="en-US" altLang="zh-CN" sz="2400" b="1">
                 <a:solidFill>
                   <a:srgbClr val="2C3E50"/>
                 </a:solidFill>
@@ -3482,7 +3482,7 @@
               <a:t>cgroup</a:t>
             </a:r>
             <a:r>
-              <a:rPr lang="zh-CN" altLang="" sz="2400" b="1">
+              <a:rPr lang="zh-CN" altLang="en-US" sz="2400" b="1">
                 <a:solidFill>
                   <a:srgbClr val="2C3E50"/>
                 </a:solidFill>
@@ -3532,7 +3532,7 @@
         <p:spPr>
           <a:xfrm>
             <a:off x="734695" y="448310"/>
-            <a:ext cx="3969385" cy="368300"/>
+            <a:ext cx="2224405" cy="368300"/>
           </a:xfrm>
           <a:prstGeom prst="rect">
             <a:avLst/>
@@ -3546,23 +3546,7 @@
           <a:p>
             <a:pPr algn="l"/>
             <a:r>
-              <a:rPr lang="" altLang="en-US" b="1">
-                <a:solidFill>
-                  <a:srgbClr val="2C3E50"/>
-                </a:solidFill>
-              </a:rPr>
-              <a:t>linux-3.10</a:t>
-            </a:r>
-            <a:r>
-              <a:rPr lang="zh-CN" altLang="" b="1">
-                <a:solidFill>
-                  <a:srgbClr val="2C3E50"/>
-                </a:solidFill>
-              </a:rPr>
-              <a:t>中的</a:t>
-            </a:r>
-            <a:r>
-              <a:rPr lang="" altLang="zh-CN" b="1">
+              <a:rPr lang="en-US" altLang="zh-CN" b="1">
                 <a:solidFill>
                   <a:srgbClr val="2C3E50"/>
                 </a:solidFill>
@@ -3570,14 +3554,14 @@
               <a:t>cgroup</a:t>
             </a:r>
             <a:r>
-              <a:rPr lang="zh-CN" altLang="" b="1">
+              <a:rPr lang="zh-CN" altLang="en-US" b="1">
                 <a:solidFill>
                   <a:srgbClr val="2C3E50"/>
                 </a:solidFill>
               </a:rPr>
               <a:t>结构体关系</a:t>
             </a:r>
-            <a:endParaRPr lang="zh-CN" altLang="" b="1">
+            <a:endParaRPr lang="zh-CN" altLang="en-US" b="1">
               <a:solidFill>
                 <a:srgbClr val="2C3E50"/>
               </a:solidFill>
@@ -3603,6 +3587,1386 @@
         <p:nvPr/>
       </p:nvGrpSpPr>
       <p:grpSpPr/>
+      <p:sp>
+        <p:nvSpPr>
+          <p:cNvPr id="2" name="文本框 1"/>
+          <p:cNvSpPr txBox="true"/>
+          <p:nvPr/>
+        </p:nvSpPr>
+        <p:spPr>
+          <a:xfrm>
+            <a:off x="734695" y="448310"/>
+            <a:ext cx="1585595" cy="368300"/>
+          </a:xfrm>
+          <a:prstGeom prst="rect">
+            <a:avLst/>
+          </a:prstGeom>
+          <a:noFill/>
+        </p:spPr>
+        <p:txBody>
+          <a:bodyPr wrap="none" rtlCol="0">
+            <a:spAutoFit/>
+          </a:bodyPr>
+          <a:p>
+            <a:pPr algn="l"/>
+            <a:r>
+              <a:rPr lang="en-US" altLang="zh-CN" b="1">
+                <a:solidFill>
+                  <a:srgbClr val="2C3E50"/>
+                </a:solidFill>
+              </a:rPr>
+              <a:t>cgroup init</a:t>
+            </a:r>
+            <a:endParaRPr lang="en-US" altLang="zh-CN" b="1">
+              <a:solidFill>
+                <a:srgbClr val="2C3E50"/>
+              </a:solidFill>
+            </a:endParaRPr>
+          </a:p>
+        </p:txBody>
+      </p:sp>
+      <p:sp>
+        <p:nvSpPr>
+          <p:cNvPr id="3" name="矩形 2"/>
+          <p:cNvSpPr/>
+          <p:nvPr/>
+        </p:nvSpPr>
+        <p:spPr>
+          <a:xfrm>
+            <a:off x="1177290" y="1062355"/>
+            <a:ext cx="4584065" cy="2426970"/>
+          </a:xfrm>
+          <a:prstGeom prst="rect">
+            <a:avLst/>
+          </a:prstGeom>
+          <a:noFill/>
+          <a:ln w="38100">
+            <a:solidFill>
+              <a:srgbClr val="2C3E50"/>
+            </a:solidFill>
+          </a:ln>
+          <a:extLst>
+            <a:ext uri="{909E8E84-426E-40DD-AFC4-6F175D3DCCD1}">
+              <a14:hiddenFill xmlns:a14="http://schemas.microsoft.com/office/drawing/2010/main">
+                <a:solidFill>
+                  <a:schemeClr val="accent1"/>
+                </a:solidFill>
+              </a14:hiddenFill>
+            </a:ext>
+          </a:extLst>
+        </p:spPr>
+        <p:style>
+          <a:lnRef idx="2">
+            <a:schemeClr val="accent1">
+              <a:shade val="50000"/>
+            </a:schemeClr>
+          </a:lnRef>
+          <a:fillRef idx="1">
+            <a:schemeClr val="accent1"/>
+          </a:fillRef>
+          <a:effectRef idx="0">
+            <a:schemeClr val="accent1"/>
+          </a:effectRef>
+          <a:fontRef idx="minor">
+            <a:schemeClr val="lt1"/>
+          </a:fontRef>
+        </p:style>
+        <p:txBody>
+          <a:bodyPr rtlCol="0" anchor="t" anchorCtr="false"/>
+          <a:p>
+            <a:pPr algn="ctr"/>
+            <a:r>
+              <a:rPr lang="zh-CN" altLang="en-US" sz="1200" b="1">
+                <a:solidFill>
+                  <a:srgbClr val="2C3E50"/>
+                </a:solidFill>
+              </a:rPr>
+              <a:t>struct cgroup_root cgrp_dfl_root</a:t>
+            </a:r>
+            <a:endParaRPr lang="zh-CN" altLang="en-US" sz="1200" b="1">
+              <a:solidFill>
+                <a:srgbClr val="2C3E50"/>
+              </a:solidFill>
+            </a:endParaRPr>
+          </a:p>
+        </p:txBody>
+      </p:sp>
+      <p:sp>
+        <p:nvSpPr>
+          <p:cNvPr id="6" name="矩形 5"/>
+          <p:cNvSpPr/>
+          <p:nvPr/>
+        </p:nvSpPr>
+        <p:spPr>
+          <a:xfrm>
+            <a:off x="1405255" y="1794510"/>
+            <a:ext cx="4120515" cy="1370965"/>
+          </a:xfrm>
+          <a:prstGeom prst="rect">
+            <a:avLst/>
+          </a:prstGeom>
+          <a:noFill/>
+          <a:ln w="38100">
+            <a:solidFill>
+              <a:srgbClr val="2C3E50"/>
+            </a:solidFill>
+          </a:ln>
+          <a:extLst>
+            <a:ext uri="{909E8E84-426E-40DD-AFC4-6F175D3DCCD1}">
+              <a14:hiddenFill xmlns:a14="http://schemas.microsoft.com/office/drawing/2010/main">
+                <a:solidFill>
+                  <a:schemeClr val="accent1"/>
+                </a:solidFill>
+              </a14:hiddenFill>
+            </a:ext>
+          </a:extLst>
+        </p:spPr>
+        <p:style>
+          <a:lnRef idx="2">
+            <a:schemeClr val="accent1">
+              <a:shade val="50000"/>
+            </a:schemeClr>
+          </a:lnRef>
+          <a:fillRef idx="1">
+            <a:schemeClr val="accent1"/>
+          </a:fillRef>
+          <a:effectRef idx="0">
+            <a:schemeClr val="accent1"/>
+          </a:effectRef>
+          <a:fontRef idx="minor">
+            <a:schemeClr val="lt1"/>
+          </a:fontRef>
+        </p:style>
+        <p:txBody>
+          <a:bodyPr rtlCol="0" anchor="t" anchorCtr="false"/>
+          <a:p>
+            <a:pPr algn="ctr"/>
+            <a:r>
+              <a:rPr lang="zh-CN" altLang="en-US" sz="1200" b="1">
+                <a:solidFill>
+                  <a:srgbClr val="2C3E50"/>
+                </a:solidFill>
+              </a:rPr>
+              <a:t>struct</a:t>
+            </a:r>
+            <a:r>
+              <a:rPr lang="en-US" altLang="zh-CN" sz="1200" b="1">
+                <a:solidFill>
+                  <a:srgbClr val="2C3E50"/>
+                </a:solidFill>
+              </a:rPr>
+              <a:t> </a:t>
+            </a:r>
+            <a:r>
+              <a:rPr lang="zh-CN" altLang="en-US" sz="1200" b="1">
+                <a:solidFill>
+                  <a:srgbClr val="2C3E50"/>
+                </a:solidFill>
+              </a:rPr>
+              <a:t>cgroup </a:t>
+            </a:r>
+            <a:endParaRPr lang="zh-CN" altLang="en-US" sz="1200" b="1">
+              <a:solidFill>
+                <a:srgbClr val="2C3E50"/>
+              </a:solidFill>
+            </a:endParaRPr>
+          </a:p>
+          <a:p>
+            <a:pPr algn="ctr"/>
+            <a:r>
+              <a:rPr lang="zh-CN" altLang="en-US" sz="1200" b="1">
+                <a:solidFill>
+                  <a:srgbClr val="2C3E50"/>
+                </a:solidFill>
+              </a:rPr>
+              <a:t>cgrp;</a:t>
+            </a:r>
+            <a:endParaRPr lang="zh-CN" altLang="en-US" sz="1200" b="1">
+              <a:solidFill>
+                <a:srgbClr val="2C3E50"/>
+              </a:solidFill>
+            </a:endParaRPr>
+          </a:p>
+        </p:txBody>
+      </p:sp>
+      <p:sp>
+        <p:nvSpPr>
+          <p:cNvPr id="7" name="矩形 6"/>
+          <p:cNvSpPr/>
+          <p:nvPr/>
+        </p:nvSpPr>
+        <p:spPr>
+          <a:xfrm>
+            <a:off x="1845310" y="2451100"/>
+            <a:ext cx="3456305" cy="450215"/>
+          </a:xfrm>
+          <a:prstGeom prst="rect">
+            <a:avLst/>
+          </a:prstGeom>
+          <a:noFill/>
+          <a:ln w="38100">
+            <a:solidFill>
+              <a:srgbClr val="2C3E50"/>
+            </a:solidFill>
+          </a:ln>
+          <a:extLst>
+            <a:ext uri="{909E8E84-426E-40DD-AFC4-6F175D3DCCD1}">
+              <a14:hiddenFill xmlns:a14="http://schemas.microsoft.com/office/drawing/2010/main">
+                <a:solidFill>
+                  <a:schemeClr val="accent1"/>
+                </a:solidFill>
+              </a14:hiddenFill>
+            </a:ext>
+          </a:extLst>
+        </p:spPr>
+        <p:style>
+          <a:lnRef idx="2">
+            <a:schemeClr val="accent1">
+              <a:shade val="50000"/>
+            </a:schemeClr>
+          </a:lnRef>
+          <a:fillRef idx="1">
+            <a:schemeClr val="accent1"/>
+          </a:fillRef>
+          <a:effectRef idx="0">
+            <a:schemeClr val="accent1"/>
+          </a:effectRef>
+          <a:fontRef idx="minor">
+            <a:schemeClr val="lt1"/>
+          </a:fontRef>
+        </p:style>
+        <p:txBody>
+          <a:bodyPr rtlCol="0" anchor="t" anchorCtr="false"/>
+          <a:p>
+            <a:pPr algn="ctr"/>
+            <a:r>
+              <a:rPr lang="zh-CN" altLang="en-US" sz="1200" b="1">
+                <a:solidFill>
+                  <a:srgbClr val="2C3E50"/>
+                </a:solidFill>
+              </a:rPr>
+              <a:t>struct list_head e_csets[CGROUP_SUBSYS_COUNT];</a:t>
+            </a:r>
+            <a:endParaRPr lang="zh-CN" altLang="en-US" sz="1200" b="1">
+              <a:solidFill>
+                <a:srgbClr val="2C3E50"/>
+              </a:solidFill>
+            </a:endParaRPr>
+          </a:p>
+        </p:txBody>
+      </p:sp>
+      <p:sp>
+        <p:nvSpPr>
+          <p:cNvPr id="8" name="矩形 7"/>
+          <p:cNvSpPr/>
+          <p:nvPr/>
+        </p:nvSpPr>
+        <p:spPr>
+          <a:xfrm>
+            <a:off x="6413500" y="1062990"/>
+            <a:ext cx="4733290" cy="2426335"/>
+          </a:xfrm>
+          <a:prstGeom prst="rect">
+            <a:avLst/>
+          </a:prstGeom>
+          <a:noFill/>
+          <a:ln w="38100">
+            <a:solidFill>
+              <a:srgbClr val="2C3E50"/>
+            </a:solidFill>
+          </a:ln>
+          <a:extLst>
+            <a:ext uri="{909E8E84-426E-40DD-AFC4-6F175D3DCCD1}">
+              <a14:hiddenFill xmlns:a14="http://schemas.microsoft.com/office/drawing/2010/main">
+                <a:solidFill>
+                  <a:schemeClr val="accent1"/>
+                </a:solidFill>
+              </a14:hiddenFill>
+            </a:ext>
+          </a:extLst>
+        </p:spPr>
+        <p:style>
+          <a:lnRef idx="2">
+            <a:schemeClr val="accent1">
+              <a:shade val="50000"/>
+            </a:schemeClr>
+          </a:lnRef>
+          <a:fillRef idx="1">
+            <a:schemeClr val="accent1"/>
+          </a:fillRef>
+          <a:effectRef idx="0">
+            <a:schemeClr val="accent1"/>
+          </a:effectRef>
+          <a:fontRef idx="minor">
+            <a:schemeClr val="lt1"/>
+          </a:fontRef>
+        </p:style>
+        <p:txBody>
+          <a:bodyPr rtlCol="0" anchor="t" anchorCtr="false"/>
+          <a:p>
+            <a:pPr algn="ctr"/>
+            <a:r>
+              <a:rPr lang="zh-CN" altLang="en-US" sz="1200" b="1">
+                <a:solidFill>
+                  <a:srgbClr val="2C3E50"/>
+                </a:solidFill>
+              </a:rPr>
+              <a:t>struct css_set init_css_set </a:t>
+            </a:r>
+            <a:endParaRPr lang="zh-CN" altLang="en-US" sz="1200" b="1">
+              <a:solidFill>
+                <a:srgbClr val="2C3E50"/>
+              </a:solidFill>
+            </a:endParaRPr>
+          </a:p>
+        </p:txBody>
+      </p:sp>
+      <p:sp>
+        <p:nvSpPr>
+          <p:cNvPr id="12" name="矩形 11"/>
+          <p:cNvSpPr/>
+          <p:nvPr/>
+        </p:nvSpPr>
+        <p:spPr>
+          <a:xfrm>
+            <a:off x="6827520" y="1651635"/>
+            <a:ext cx="3905250" cy="450215"/>
+          </a:xfrm>
+          <a:prstGeom prst="rect">
+            <a:avLst/>
+          </a:prstGeom>
+          <a:noFill/>
+          <a:ln w="38100">
+            <a:solidFill>
+              <a:srgbClr val="2C3E50"/>
+            </a:solidFill>
+          </a:ln>
+          <a:extLst>
+            <a:ext uri="{909E8E84-426E-40DD-AFC4-6F175D3DCCD1}">
+              <a14:hiddenFill xmlns:a14="http://schemas.microsoft.com/office/drawing/2010/main">
+                <a:solidFill>
+                  <a:schemeClr val="accent1"/>
+                </a:solidFill>
+              </a14:hiddenFill>
+            </a:ext>
+          </a:extLst>
+        </p:spPr>
+        <p:style>
+          <a:lnRef idx="2">
+            <a:schemeClr val="accent1">
+              <a:shade val="50000"/>
+            </a:schemeClr>
+          </a:lnRef>
+          <a:fillRef idx="1">
+            <a:schemeClr val="accent1"/>
+          </a:fillRef>
+          <a:effectRef idx="0">
+            <a:schemeClr val="accent1"/>
+          </a:effectRef>
+          <a:fontRef idx="minor">
+            <a:schemeClr val="lt1"/>
+          </a:fontRef>
+        </p:style>
+        <p:txBody>
+          <a:bodyPr rtlCol="0" anchor="t" anchorCtr="false"/>
+          <a:p>
+            <a:pPr algn="ctr"/>
+            <a:r>
+              <a:rPr lang="zh-CN" altLang="en-US" sz="1200" b="1">
+                <a:solidFill>
+                  <a:srgbClr val="2C3E50"/>
+                </a:solidFill>
+              </a:rPr>
+              <a:t>struct list_head e_cset_node[CGROUP_SUBSYS_COUNT];</a:t>
+            </a:r>
+            <a:endParaRPr lang="zh-CN" altLang="en-US" sz="1200" b="1">
+              <a:solidFill>
+                <a:srgbClr val="2C3E50"/>
+              </a:solidFill>
+            </a:endParaRPr>
+          </a:p>
+        </p:txBody>
+      </p:sp>
+      <p:graphicFrame>
+        <p:nvGraphicFramePr>
+          <p:cNvPr id="14" name="表格 13"/>
+          <p:cNvGraphicFramePr/>
+          <p:nvPr/>
+        </p:nvGraphicFramePr>
+        <p:xfrm>
+          <a:off x="2379345" y="3658870"/>
+          <a:ext cx="1931670" cy="2621280"/>
+        </p:xfrm>
+        <a:graphic>
+          <a:graphicData uri="http://schemas.openxmlformats.org/drawingml/2006/table">
+            <a:tbl>
+              <a:tblPr firstRow="true" bandRow="true">
+                <a:tableStyleId>{5940675A-B579-460E-94D1-54222C63F5DA}</a:tableStyleId>
+              </a:tblPr>
+              <a:tblGrid>
+                <a:gridCol w="1931670"/>
+              </a:tblGrid>
+              <a:tr h="327660">
+                <a:tc>
+                  <a:txBody>
+                    <a:bodyPr/>
+                    <a:p>
+                      <a:pPr algn="ctr">
+                        <a:buNone/>
+                      </a:pPr>
+                      <a:r>
+                        <a:rPr lang="en-US" altLang="zh-CN" sz="1200" b="1">
+                          <a:solidFill>
+                            <a:srgbClr val="2C3E50"/>
+                          </a:solidFill>
+                        </a:rPr>
+                        <a:t>list_head 0</a:t>
+                      </a:r>
+                      <a:endParaRPr lang="en-US" altLang="zh-CN" sz="1200" b="1">
+                        <a:solidFill>
+                          <a:srgbClr val="2C3E50"/>
+                        </a:solidFill>
+                      </a:endParaRPr>
+                    </a:p>
+                  </a:txBody>
+                  <a:tcPr anchor="ctr" anchorCtr="false">
+                    <a:lnL w="28575">
+                      <a:solidFill>
+                        <a:schemeClr val="tx1"/>
+                      </a:solidFill>
+                      <a:prstDash val="solid"/>
+                    </a:lnL>
+                    <a:lnR w="28575">
+                      <a:solidFill>
+                        <a:schemeClr val="tx1"/>
+                      </a:solidFill>
+                      <a:prstDash val="solid"/>
+                    </a:lnR>
+                    <a:lnT w="28575">
+                      <a:solidFill>
+                        <a:schemeClr val="tx1"/>
+                      </a:solidFill>
+                      <a:prstDash val="solid"/>
+                    </a:lnT>
+                    <a:lnB w="28575">
+                      <a:solidFill>
+                        <a:schemeClr val="tx1"/>
+                      </a:solidFill>
+                      <a:prstDash val="solid"/>
+                    </a:lnB>
+                    <a:lnTlToBr>
+                      <a:noFill/>
+                    </a:lnTlToBr>
+                    <a:lnBlToTr>
+                      <a:noFill/>
+                    </a:lnBlToTr>
+                  </a:tcPr>
+                </a:tc>
+              </a:tr>
+              <a:tr h="327660">
+                <a:tc>
+                  <a:txBody>
+                    <a:bodyPr/>
+                    <a:p>
+                      <a:pPr algn="ctr">
+                        <a:buNone/>
+                      </a:pPr>
+                      <a:r>
+                        <a:rPr lang="en-US" altLang="zh-CN" sz="1200" b="1">
+                          <a:solidFill>
+                            <a:srgbClr val="2C3E50"/>
+                          </a:solidFill>
+                          <a:sym typeface="+mn-ea"/>
+                        </a:rPr>
+                        <a:t>list_head </a:t>
+                      </a:r>
+                      <a:r>
+                        <a:rPr lang="en-US" altLang="en-US" sz="1200" b="1">
+                          <a:solidFill>
+                            <a:srgbClr val="2C3E50"/>
+                          </a:solidFill>
+                          <a:sym typeface="+mn-ea"/>
+                        </a:rPr>
+                        <a:t>1</a:t>
+                      </a:r>
+                      <a:endParaRPr lang="en-US" altLang="en-US" sz="1200" b="1">
+                        <a:solidFill>
+                          <a:srgbClr val="2C3E50"/>
+                        </a:solidFill>
+                        <a:sym typeface="+mn-ea"/>
+                      </a:endParaRPr>
+                    </a:p>
+                  </a:txBody>
+                  <a:tcPr anchor="ctr" anchorCtr="false">
+                    <a:lnL w="28575">
+                      <a:solidFill>
+                        <a:schemeClr val="tx1"/>
+                      </a:solidFill>
+                      <a:prstDash val="solid"/>
+                    </a:lnL>
+                    <a:lnR w="28575">
+                      <a:solidFill>
+                        <a:schemeClr val="tx1"/>
+                      </a:solidFill>
+                      <a:prstDash val="solid"/>
+                    </a:lnR>
+                    <a:lnT w="28575">
+                      <a:solidFill>
+                        <a:schemeClr val="tx1"/>
+                      </a:solidFill>
+                      <a:prstDash val="solid"/>
+                    </a:lnT>
+                    <a:lnB w="28575">
+                      <a:solidFill>
+                        <a:schemeClr val="tx1"/>
+                      </a:solidFill>
+                      <a:prstDash val="solid"/>
+                    </a:lnB>
+                    <a:lnTlToBr>
+                      <a:noFill/>
+                    </a:lnTlToBr>
+                    <a:lnBlToTr>
+                      <a:noFill/>
+                    </a:lnBlToTr>
+                  </a:tcPr>
+                </a:tc>
+              </a:tr>
+              <a:tr h="327660">
+                <a:tc>
+                  <a:txBody>
+                    <a:bodyPr/>
+                    <a:p>
+                      <a:pPr algn="ctr">
+                        <a:buNone/>
+                      </a:pPr>
+                      <a:r>
+                        <a:rPr lang="en-US" altLang="zh-CN" sz="1200" b="1">
+                          <a:solidFill>
+                            <a:srgbClr val="2C3E50"/>
+                          </a:solidFill>
+                          <a:sym typeface="+mn-ea"/>
+                        </a:rPr>
+                        <a:t>list_head </a:t>
+                      </a:r>
+                      <a:r>
+                        <a:rPr lang="en-US" altLang="en-US" sz="1200" b="1">
+                          <a:solidFill>
+                            <a:srgbClr val="2C3E50"/>
+                          </a:solidFill>
+                          <a:sym typeface="+mn-ea"/>
+                        </a:rPr>
+                        <a:t>2</a:t>
+                      </a:r>
+                      <a:endParaRPr lang="en-US" altLang="en-US" sz="1200" b="1">
+                        <a:solidFill>
+                          <a:srgbClr val="2C3E50"/>
+                        </a:solidFill>
+                        <a:sym typeface="+mn-ea"/>
+                      </a:endParaRPr>
+                    </a:p>
+                  </a:txBody>
+                  <a:tcPr anchor="ctr" anchorCtr="false">
+                    <a:lnL w="28575">
+                      <a:solidFill>
+                        <a:schemeClr val="tx1"/>
+                      </a:solidFill>
+                      <a:prstDash val="solid"/>
+                    </a:lnL>
+                    <a:lnR w="28575">
+                      <a:solidFill>
+                        <a:schemeClr val="tx1"/>
+                      </a:solidFill>
+                      <a:prstDash val="solid"/>
+                    </a:lnR>
+                    <a:lnT w="28575">
+                      <a:solidFill>
+                        <a:schemeClr val="tx1"/>
+                      </a:solidFill>
+                      <a:prstDash val="solid"/>
+                    </a:lnT>
+                    <a:lnB w="28575">
+                      <a:solidFill>
+                        <a:schemeClr val="tx1"/>
+                      </a:solidFill>
+                      <a:prstDash val="solid"/>
+                    </a:lnB>
+                    <a:lnTlToBr>
+                      <a:noFill/>
+                    </a:lnTlToBr>
+                    <a:lnBlToTr>
+                      <a:noFill/>
+                    </a:lnBlToTr>
+                  </a:tcPr>
+                </a:tc>
+              </a:tr>
+              <a:tr h="1310640">
+                <a:tc>
+                  <a:txBody>
+                    <a:bodyPr/>
+                    <a:p>
+                      <a:pPr algn="ctr">
+                        <a:buNone/>
+                      </a:pPr>
+                      <a:r>
+                        <a:rPr lang="en-US" altLang="zh-CN" sz="1200" b="1">
+                          <a:solidFill>
+                            <a:srgbClr val="2C3E50"/>
+                          </a:solidFill>
+                        </a:rPr>
+                        <a:t>.</a:t>
+                      </a:r>
+                      <a:endParaRPr lang="en-US" altLang="zh-CN" sz="1200" b="1">
+                        <a:solidFill>
+                          <a:srgbClr val="2C3E50"/>
+                        </a:solidFill>
+                      </a:endParaRPr>
+                    </a:p>
+                    <a:p>
+                      <a:pPr algn="ctr">
+                        <a:buNone/>
+                      </a:pPr>
+                      <a:r>
+                        <a:rPr lang="en-US" altLang="zh-CN" sz="1200" b="1">
+                          <a:solidFill>
+                            <a:srgbClr val="2C3E50"/>
+                          </a:solidFill>
+                        </a:rPr>
+                        <a:t>.</a:t>
+                      </a:r>
+                      <a:endParaRPr lang="en-US" altLang="zh-CN" sz="1200" b="1">
+                        <a:solidFill>
+                          <a:srgbClr val="2C3E50"/>
+                        </a:solidFill>
+                      </a:endParaRPr>
+                    </a:p>
+                    <a:p>
+                      <a:pPr algn="ctr">
+                        <a:buNone/>
+                      </a:pPr>
+                      <a:r>
+                        <a:rPr lang="en-US" altLang="zh-CN" sz="1200" b="1">
+                          <a:solidFill>
+                            <a:srgbClr val="2C3E50"/>
+                          </a:solidFill>
+                        </a:rPr>
+                        <a:t>.</a:t>
+                      </a:r>
+                      <a:endParaRPr lang="en-US" altLang="zh-CN" sz="1200" b="1">
+                        <a:solidFill>
+                          <a:srgbClr val="2C3E50"/>
+                        </a:solidFill>
+                      </a:endParaRPr>
+                    </a:p>
+                  </a:txBody>
+                  <a:tcPr anchor="ctr" anchorCtr="false">
+                    <a:lnL w="28575">
+                      <a:solidFill>
+                        <a:schemeClr val="tx1"/>
+                      </a:solidFill>
+                      <a:prstDash val="solid"/>
+                    </a:lnL>
+                    <a:lnR w="28575">
+                      <a:solidFill>
+                        <a:schemeClr val="tx1"/>
+                      </a:solidFill>
+                      <a:prstDash val="solid"/>
+                    </a:lnR>
+                    <a:lnT w="28575">
+                      <a:solidFill>
+                        <a:schemeClr val="tx1"/>
+                      </a:solidFill>
+                      <a:prstDash val="solid"/>
+                    </a:lnT>
+                    <a:lnB w="28575">
+                      <a:solidFill>
+                        <a:schemeClr val="tx1"/>
+                      </a:solidFill>
+                      <a:prstDash val="solid"/>
+                    </a:lnB>
+                    <a:lnTlToBr>
+                      <a:noFill/>
+                    </a:lnTlToBr>
+                    <a:lnBlToTr>
+                      <a:noFill/>
+                    </a:lnBlToTr>
+                  </a:tcPr>
+                </a:tc>
+              </a:tr>
+              <a:tr h="327660">
+                <a:tc>
+                  <a:txBody>
+                    <a:bodyPr/>
+                    <a:p>
+                      <a:pPr algn="ctr">
+                        <a:buNone/>
+                      </a:pPr>
+                      <a:r>
+                        <a:rPr lang="en-US" altLang="zh-CN" sz="1200" b="1">
+                          <a:solidFill>
+                            <a:srgbClr val="2C3E50"/>
+                          </a:solidFill>
+                          <a:sym typeface="+mn-ea"/>
+                        </a:rPr>
+                        <a:t>list_head </a:t>
+                      </a:r>
+                      <a:r>
+                        <a:rPr lang="en-US" altLang="en-US" sz="1200" b="1">
+                          <a:solidFill>
+                            <a:srgbClr val="2C3E50"/>
+                          </a:solidFill>
+                          <a:sym typeface="+mn-ea"/>
+                        </a:rPr>
+                        <a:t>n</a:t>
+                      </a:r>
+                      <a:endParaRPr lang="en-US" altLang="en-US" sz="1200" b="1">
+                        <a:solidFill>
+                          <a:srgbClr val="2C3E50"/>
+                        </a:solidFill>
+                        <a:sym typeface="+mn-ea"/>
+                      </a:endParaRPr>
+                    </a:p>
+                  </a:txBody>
+                  <a:tcPr anchor="ctr" anchorCtr="false">
+                    <a:lnL w="28575">
+                      <a:solidFill>
+                        <a:schemeClr val="tx1"/>
+                      </a:solidFill>
+                      <a:prstDash val="solid"/>
+                    </a:lnL>
+                    <a:lnR w="28575">
+                      <a:solidFill>
+                        <a:schemeClr val="tx1"/>
+                      </a:solidFill>
+                      <a:prstDash val="solid"/>
+                    </a:lnR>
+                    <a:lnT w="28575">
+                      <a:solidFill>
+                        <a:schemeClr val="tx1"/>
+                      </a:solidFill>
+                      <a:prstDash val="solid"/>
+                    </a:lnT>
+                    <a:lnB w="28575">
+                      <a:solidFill>
+                        <a:schemeClr val="tx1"/>
+                      </a:solidFill>
+                      <a:prstDash val="solid"/>
+                    </a:lnB>
+                    <a:lnTlToBr>
+                      <a:noFill/>
+                    </a:lnTlToBr>
+                    <a:lnBlToTr>
+                      <a:noFill/>
+                    </a:lnBlToTr>
+                  </a:tcPr>
+                </a:tc>
+              </a:tr>
+            </a:tbl>
+          </a:graphicData>
+        </a:graphic>
+      </p:graphicFrame>
+      <p:cxnSp>
+        <p:nvCxnSpPr>
+          <p:cNvPr id="16" name="肘形连接符 15"/>
+          <p:cNvCxnSpPr>
+            <a:stCxn id="7" idx="1"/>
+            <a:endCxn id="14" idx="1"/>
+          </p:cNvCxnSpPr>
+          <p:nvPr/>
+        </p:nvCxnSpPr>
+        <p:spPr>
+          <a:xfrm rot="10800000" flipH="true" flipV="true">
+            <a:off x="1845310" y="2676525"/>
+            <a:ext cx="534035" cy="2292985"/>
+          </a:xfrm>
+          <a:prstGeom prst="bentConnector3">
+            <a:avLst>
+              <a:gd name="adj1" fmla="val -44590"/>
+            </a:avLst>
+          </a:prstGeom>
+          <a:ln w="38100">
+            <a:solidFill>
+              <a:srgbClr val="3EAF7C"/>
+            </a:solidFill>
+            <a:tailEnd type="arrow"/>
+          </a:ln>
+        </p:spPr>
+        <p:style>
+          <a:lnRef idx="1">
+            <a:schemeClr val="accent1"/>
+          </a:lnRef>
+          <a:fillRef idx="0">
+            <a:schemeClr val="accent1"/>
+          </a:fillRef>
+          <a:effectRef idx="0">
+            <a:schemeClr val="accent1"/>
+          </a:effectRef>
+          <a:fontRef idx="minor">
+            <a:schemeClr val="tx1"/>
+          </a:fontRef>
+        </p:style>
+      </p:cxnSp>
+      <p:graphicFrame>
+        <p:nvGraphicFramePr>
+          <p:cNvPr id="17" name="表格 16"/>
+          <p:cNvGraphicFramePr/>
+          <p:nvPr/>
+        </p:nvGraphicFramePr>
+        <p:xfrm>
+          <a:off x="8082280" y="3658870"/>
+          <a:ext cx="1931670" cy="2621280"/>
+        </p:xfrm>
+        <a:graphic>
+          <a:graphicData uri="http://schemas.openxmlformats.org/drawingml/2006/table">
+            <a:tbl>
+              <a:tblPr firstRow="true" bandRow="true">
+                <a:tableStyleId>{5940675A-B579-460E-94D1-54222C63F5DA}</a:tableStyleId>
+              </a:tblPr>
+              <a:tblGrid>
+                <a:gridCol w="1931670"/>
+              </a:tblGrid>
+              <a:tr h="327660">
+                <a:tc>
+                  <a:txBody>
+                    <a:bodyPr/>
+                    <a:p>
+                      <a:pPr algn="ctr">
+                        <a:buNone/>
+                      </a:pPr>
+                      <a:r>
+                        <a:rPr lang="en-US" altLang="zh-CN" sz="1200" b="1">
+                          <a:solidFill>
+                            <a:srgbClr val="2C3E50"/>
+                          </a:solidFill>
+                        </a:rPr>
+                        <a:t>list_head 0</a:t>
+                      </a:r>
+                      <a:endParaRPr lang="en-US" altLang="zh-CN" sz="1200" b="1">
+                        <a:solidFill>
+                          <a:srgbClr val="2C3E50"/>
+                        </a:solidFill>
+                      </a:endParaRPr>
+                    </a:p>
+                  </a:txBody>
+                  <a:tcPr anchor="ctr" anchorCtr="false">
+                    <a:lnL w="28575">
+                      <a:solidFill>
+                        <a:schemeClr val="tx1"/>
+                      </a:solidFill>
+                      <a:prstDash val="solid"/>
+                    </a:lnL>
+                    <a:lnR w="28575">
+                      <a:solidFill>
+                        <a:schemeClr val="tx1"/>
+                      </a:solidFill>
+                      <a:prstDash val="solid"/>
+                    </a:lnR>
+                    <a:lnT w="28575">
+                      <a:solidFill>
+                        <a:schemeClr val="tx1"/>
+                      </a:solidFill>
+                      <a:prstDash val="solid"/>
+                    </a:lnT>
+                    <a:lnB w="28575">
+                      <a:solidFill>
+                        <a:schemeClr val="tx1"/>
+                      </a:solidFill>
+                      <a:prstDash val="solid"/>
+                    </a:lnB>
+                    <a:lnTlToBr>
+                      <a:noFill/>
+                    </a:lnTlToBr>
+                    <a:lnBlToTr>
+                      <a:noFill/>
+                    </a:lnBlToTr>
+                  </a:tcPr>
+                </a:tc>
+              </a:tr>
+              <a:tr h="327660">
+                <a:tc>
+                  <a:txBody>
+                    <a:bodyPr/>
+                    <a:p>
+                      <a:pPr algn="ctr">
+                        <a:buNone/>
+                      </a:pPr>
+                      <a:r>
+                        <a:rPr lang="en-US" altLang="zh-CN" sz="1200" b="1">
+                          <a:solidFill>
+                            <a:srgbClr val="2C3E50"/>
+                          </a:solidFill>
+                          <a:sym typeface="+mn-ea"/>
+                        </a:rPr>
+                        <a:t>list_head </a:t>
+                      </a:r>
+                      <a:r>
+                        <a:rPr lang="en-US" altLang="en-US" sz="1200" b="1">
+                          <a:solidFill>
+                            <a:srgbClr val="2C3E50"/>
+                          </a:solidFill>
+                          <a:sym typeface="+mn-ea"/>
+                        </a:rPr>
+                        <a:t>1</a:t>
+                      </a:r>
+                      <a:endParaRPr lang="en-US" altLang="en-US" sz="1200" b="1">
+                        <a:solidFill>
+                          <a:srgbClr val="2C3E50"/>
+                        </a:solidFill>
+                        <a:sym typeface="+mn-ea"/>
+                      </a:endParaRPr>
+                    </a:p>
+                  </a:txBody>
+                  <a:tcPr anchor="ctr" anchorCtr="false">
+                    <a:lnL w="28575">
+                      <a:solidFill>
+                        <a:schemeClr val="tx1"/>
+                      </a:solidFill>
+                      <a:prstDash val="solid"/>
+                    </a:lnL>
+                    <a:lnR w="28575">
+                      <a:solidFill>
+                        <a:schemeClr val="tx1"/>
+                      </a:solidFill>
+                      <a:prstDash val="solid"/>
+                    </a:lnR>
+                    <a:lnT w="28575">
+                      <a:solidFill>
+                        <a:schemeClr val="tx1"/>
+                      </a:solidFill>
+                      <a:prstDash val="solid"/>
+                    </a:lnT>
+                    <a:lnB w="28575">
+                      <a:solidFill>
+                        <a:schemeClr val="tx1"/>
+                      </a:solidFill>
+                      <a:prstDash val="solid"/>
+                    </a:lnB>
+                    <a:lnTlToBr>
+                      <a:noFill/>
+                    </a:lnTlToBr>
+                    <a:lnBlToTr>
+                      <a:noFill/>
+                    </a:lnBlToTr>
+                  </a:tcPr>
+                </a:tc>
+              </a:tr>
+              <a:tr h="327660">
+                <a:tc>
+                  <a:txBody>
+                    <a:bodyPr/>
+                    <a:p>
+                      <a:pPr algn="ctr">
+                        <a:buNone/>
+                      </a:pPr>
+                      <a:r>
+                        <a:rPr lang="en-US" altLang="zh-CN" sz="1200" b="1">
+                          <a:solidFill>
+                            <a:srgbClr val="2C3E50"/>
+                          </a:solidFill>
+                          <a:sym typeface="+mn-ea"/>
+                        </a:rPr>
+                        <a:t>list_head </a:t>
+                      </a:r>
+                      <a:r>
+                        <a:rPr lang="en-US" altLang="en-US" sz="1200" b="1">
+                          <a:solidFill>
+                            <a:srgbClr val="2C3E50"/>
+                          </a:solidFill>
+                          <a:sym typeface="+mn-ea"/>
+                        </a:rPr>
+                        <a:t>2</a:t>
+                      </a:r>
+                      <a:endParaRPr lang="en-US" altLang="en-US" sz="1200" b="1">
+                        <a:solidFill>
+                          <a:srgbClr val="2C3E50"/>
+                        </a:solidFill>
+                        <a:sym typeface="+mn-ea"/>
+                      </a:endParaRPr>
+                    </a:p>
+                  </a:txBody>
+                  <a:tcPr anchor="ctr" anchorCtr="false">
+                    <a:lnL w="28575">
+                      <a:solidFill>
+                        <a:schemeClr val="tx1"/>
+                      </a:solidFill>
+                      <a:prstDash val="solid"/>
+                    </a:lnL>
+                    <a:lnR w="28575">
+                      <a:solidFill>
+                        <a:schemeClr val="tx1"/>
+                      </a:solidFill>
+                      <a:prstDash val="solid"/>
+                    </a:lnR>
+                    <a:lnT w="28575">
+                      <a:solidFill>
+                        <a:schemeClr val="tx1"/>
+                      </a:solidFill>
+                      <a:prstDash val="solid"/>
+                    </a:lnT>
+                    <a:lnB w="28575">
+                      <a:solidFill>
+                        <a:schemeClr val="tx1"/>
+                      </a:solidFill>
+                      <a:prstDash val="solid"/>
+                    </a:lnB>
+                    <a:lnTlToBr>
+                      <a:noFill/>
+                    </a:lnTlToBr>
+                    <a:lnBlToTr>
+                      <a:noFill/>
+                    </a:lnBlToTr>
+                  </a:tcPr>
+                </a:tc>
+              </a:tr>
+              <a:tr h="1310640">
+                <a:tc>
+                  <a:txBody>
+                    <a:bodyPr/>
+                    <a:p>
+                      <a:pPr algn="ctr">
+                        <a:buNone/>
+                      </a:pPr>
+                      <a:r>
+                        <a:rPr lang="en-US" altLang="zh-CN" sz="1200" b="1">
+                          <a:solidFill>
+                            <a:srgbClr val="2C3E50"/>
+                          </a:solidFill>
+                        </a:rPr>
+                        <a:t>.</a:t>
+                      </a:r>
+                      <a:endParaRPr lang="en-US" altLang="zh-CN" sz="1200" b="1">
+                        <a:solidFill>
+                          <a:srgbClr val="2C3E50"/>
+                        </a:solidFill>
+                      </a:endParaRPr>
+                    </a:p>
+                    <a:p>
+                      <a:pPr algn="ctr">
+                        <a:buNone/>
+                      </a:pPr>
+                      <a:r>
+                        <a:rPr lang="en-US" altLang="zh-CN" sz="1200" b="1">
+                          <a:solidFill>
+                            <a:srgbClr val="2C3E50"/>
+                          </a:solidFill>
+                        </a:rPr>
+                        <a:t>.</a:t>
+                      </a:r>
+                      <a:endParaRPr lang="en-US" altLang="zh-CN" sz="1200" b="1">
+                        <a:solidFill>
+                          <a:srgbClr val="2C3E50"/>
+                        </a:solidFill>
+                      </a:endParaRPr>
+                    </a:p>
+                    <a:p>
+                      <a:pPr algn="ctr">
+                        <a:buNone/>
+                      </a:pPr>
+                      <a:r>
+                        <a:rPr lang="en-US" altLang="zh-CN" sz="1200" b="1">
+                          <a:solidFill>
+                            <a:srgbClr val="2C3E50"/>
+                          </a:solidFill>
+                        </a:rPr>
+                        <a:t>.</a:t>
+                      </a:r>
+                      <a:endParaRPr lang="en-US" altLang="zh-CN" sz="1200" b="1">
+                        <a:solidFill>
+                          <a:srgbClr val="2C3E50"/>
+                        </a:solidFill>
+                      </a:endParaRPr>
+                    </a:p>
+                  </a:txBody>
+                  <a:tcPr anchor="ctr" anchorCtr="false">
+                    <a:lnL w="28575">
+                      <a:solidFill>
+                        <a:schemeClr val="tx1"/>
+                      </a:solidFill>
+                      <a:prstDash val="solid"/>
+                    </a:lnL>
+                    <a:lnR w="28575">
+                      <a:solidFill>
+                        <a:schemeClr val="tx1"/>
+                      </a:solidFill>
+                      <a:prstDash val="solid"/>
+                    </a:lnR>
+                    <a:lnT w="28575">
+                      <a:solidFill>
+                        <a:schemeClr val="tx1"/>
+                      </a:solidFill>
+                      <a:prstDash val="solid"/>
+                    </a:lnT>
+                    <a:lnB w="28575">
+                      <a:solidFill>
+                        <a:schemeClr val="tx1"/>
+                      </a:solidFill>
+                      <a:prstDash val="solid"/>
+                    </a:lnB>
+                    <a:lnTlToBr>
+                      <a:noFill/>
+                    </a:lnTlToBr>
+                    <a:lnBlToTr>
+                      <a:noFill/>
+                    </a:lnBlToTr>
+                  </a:tcPr>
+                </a:tc>
+              </a:tr>
+              <a:tr h="327660">
+                <a:tc>
+                  <a:txBody>
+                    <a:bodyPr/>
+                    <a:p>
+                      <a:pPr algn="ctr">
+                        <a:buNone/>
+                      </a:pPr>
+                      <a:r>
+                        <a:rPr lang="en-US" altLang="zh-CN" sz="1200" b="1">
+                          <a:solidFill>
+                            <a:srgbClr val="2C3E50"/>
+                          </a:solidFill>
+                          <a:sym typeface="+mn-ea"/>
+                        </a:rPr>
+                        <a:t>list_head </a:t>
+                      </a:r>
+                      <a:r>
+                        <a:rPr lang="en-US" altLang="en-US" sz="1200" b="1">
+                          <a:solidFill>
+                            <a:srgbClr val="2C3E50"/>
+                          </a:solidFill>
+                          <a:sym typeface="+mn-ea"/>
+                        </a:rPr>
+                        <a:t>n</a:t>
+                      </a:r>
+                      <a:endParaRPr lang="en-US" altLang="en-US" sz="1200" b="1">
+                        <a:solidFill>
+                          <a:srgbClr val="2C3E50"/>
+                        </a:solidFill>
+                        <a:sym typeface="+mn-ea"/>
+                      </a:endParaRPr>
+                    </a:p>
+                  </a:txBody>
+                  <a:tcPr anchor="ctr" anchorCtr="false">
+                    <a:lnL w="28575">
+                      <a:solidFill>
+                        <a:schemeClr val="tx1"/>
+                      </a:solidFill>
+                      <a:prstDash val="solid"/>
+                    </a:lnL>
+                    <a:lnR w="28575">
+                      <a:solidFill>
+                        <a:schemeClr val="tx1"/>
+                      </a:solidFill>
+                      <a:prstDash val="solid"/>
+                    </a:lnR>
+                    <a:lnT w="28575">
+                      <a:solidFill>
+                        <a:schemeClr val="tx1"/>
+                      </a:solidFill>
+                      <a:prstDash val="solid"/>
+                    </a:lnT>
+                    <a:lnB w="28575">
+                      <a:solidFill>
+                        <a:schemeClr val="tx1"/>
+                      </a:solidFill>
+                      <a:prstDash val="solid"/>
+                    </a:lnB>
+                    <a:lnTlToBr>
+                      <a:noFill/>
+                    </a:lnTlToBr>
+                    <a:lnBlToTr>
+                      <a:noFill/>
+                    </a:lnBlToTr>
+                  </a:tcPr>
+                </a:tc>
+              </a:tr>
+            </a:tbl>
+          </a:graphicData>
+        </a:graphic>
+      </p:graphicFrame>
+      <p:cxnSp>
+        <p:nvCxnSpPr>
+          <p:cNvPr id="18" name="肘形连接符 17"/>
+          <p:cNvCxnSpPr>
+            <a:stCxn id="12" idx="3"/>
+            <a:endCxn id="17" idx="3"/>
+          </p:cNvCxnSpPr>
+          <p:nvPr/>
+        </p:nvCxnSpPr>
+        <p:spPr>
+          <a:xfrm flipH="true">
+            <a:off x="10013950" y="1877060"/>
+            <a:ext cx="718820" cy="3092450"/>
+          </a:xfrm>
+          <a:prstGeom prst="bentConnector3">
+            <a:avLst>
+              <a:gd name="adj1" fmla="val -33127"/>
+            </a:avLst>
+          </a:prstGeom>
+          <a:ln w="38100">
+            <a:solidFill>
+              <a:srgbClr val="3EAF7C"/>
+            </a:solidFill>
+            <a:tailEnd type="arrow"/>
+          </a:ln>
+        </p:spPr>
+        <p:style>
+          <a:lnRef idx="1">
+            <a:schemeClr val="accent1"/>
+          </a:lnRef>
+          <a:fillRef idx="0">
+            <a:schemeClr val="accent1"/>
+          </a:fillRef>
+          <a:effectRef idx="0">
+            <a:schemeClr val="accent1"/>
+          </a:effectRef>
+          <a:fontRef idx="minor">
+            <a:schemeClr val="tx1"/>
+          </a:fontRef>
+        </p:style>
+      </p:cxnSp>
+      <p:cxnSp>
+        <p:nvCxnSpPr>
+          <p:cNvPr id="19" name="直接箭头连接符 18"/>
+          <p:cNvCxnSpPr/>
+          <p:nvPr/>
+        </p:nvCxnSpPr>
+        <p:spPr>
+          <a:xfrm flipV="true">
+            <a:off x="4311015" y="3810000"/>
+            <a:ext cx="3776345" cy="14605"/>
+          </a:xfrm>
+          <a:prstGeom prst="straightConnector1">
+            <a:avLst/>
+          </a:prstGeom>
+          <a:ln w="28575">
+            <a:solidFill>
+              <a:srgbClr val="3EAF7C"/>
+            </a:solidFill>
+            <a:tailEnd type="arrow"/>
+          </a:ln>
+        </p:spPr>
+        <p:style>
+          <a:lnRef idx="1">
+            <a:schemeClr val="accent1"/>
+          </a:lnRef>
+          <a:fillRef idx="0">
+            <a:schemeClr val="accent1"/>
+          </a:fillRef>
+          <a:effectRef idx="0">
+            <a:schemeClr val="accent1"/>
+          </a:effectRef>
+          <a:fontRef idx="minor">
+            <a:schemeClr val="tx1"/>
+          </a:fontRef>
+        </p:style>
+      </p:cxnSp>
+      <p:cxnSp>
+        <p:nvCxnSpPr>
+          <p:cNvPr id="20" name="直接箭头连接符 19"/>
+          <p:cNvCxnSpPr/>
+          <p:nvPr/>
+        </p:nvCxnSpPr>
+        <p:spPr>
+          <a:xfrm flipV="true">
+            <a:off x="4311015" y="4122420"/>
+            <a:ext cx="3776345" cy="14605"/>
+          </a:xfrm>
+          <a:prstGeom prst="straightConnector1">
+            <a:avLst/>
+          </a:prstGeom>
+          <a:ln w="28575">
+            <a:solidFill>
+              <a:srgbClr val="3EAF7C"/>
+            </a:solidFill>
+            <a:tailEnd type="arrow"/>
+          </a:ln>
+        </p:spPr>
+        <p:style>
+          <a:lnRef idx="1">
+            <a:schemeClr val="accent1"/>
+          </a:lnRef>
+          <a:fillRef idx="0">
+            <a:schemeClr val="accent1"/>
+          </a:fillRef>
+          <a:effectRef idx="0">
+            <a:schemeClr val="accent1"/>
+          </a:effectRef>
+          <a:fontRef idx="minor">
+            <a:schemeClr val="tx1"/>
+          </a:fontRef>
+        </p:style>
+      </p:cxnSp>
+      <p:cxnSp>
+        <p:nvCxnSpPr>
+          <p:cNvPr id="21" name="直接箭头连接符 20"/>
+          <p:cNvCxnSpPr/>
+          <p:nvPr/>
+        </p:nvCxnSpPr>
+        <p:spPr>
+          <a:xfrm flipV="true">
+            <a:off x="4311015" y="4507865"/>
+            <a:ext cx="3776345" cy="14605"/>
+          </a:xfrm>
+          <a:prstGeom prst="straightConnector1">
+            <a:avLst/>
+          </a:prstGeom>
+          <a:ln w="28575">
+            <a:solidFill>
+              <a:srgbClr val="3EAF7C"/>
+            </a:solidFill>
+            <a:tailEnd type="arrow"/>
+          </a:ln>
+        </p:spPr>
+        <p:style>
+          <a:lnRef idx="1">
+            <a:schemeClr val="accent1"/>
+          </a:lnRef>
+          <a:fillRef idx="0">
+            <a:schemeClr val="accent1"/>
+          </a:fillRef>
+          <a:effectRef idx="0">
+            <a:schemeClr val="accent1"/>
+          </a:effectRef>
+          <a:fontRef idx="minor">
+            <a:schemeClr val="tx1"/>
+          </a:fontRef>
+        </p:style>
+      </p:cxnSp>
+      <p:cxnSp>
+        <p:nvCxnSpPr>
+          <p:cNvPr id="22" name="直接箭头连接符 21"/>
+          <p:cNvCxnSpPr/>
+          <p:nvPr/>
+        </p:nvCxnSpPr>
+        <p:spPr>
+          <a:xfrm flipV="true">
+            <a:off x="4311015" y="6107430"/>
+            <a:ext cx="3776345" cy="14605"/>
+          </a:xfrm>
+          <a:prstGeom prst="straightConnector1">
+            <a:avLst/>
+          </a:prstGeom>
+          <a:ln w="28575">
+            <a:solidFill>
+              <a:srgbClr val="3EAF7C"/>
+            </a:solidFill>
+            <a:tailEnd type="arrow"/>
+          </a:ln>
+        </p:spPr>
+        <p:style>
+          <a:lnRef idx="1">
+            <a:schemeClr val="accent1"/>
+          </a:lnRef>
+          <a:fillRef idx="0">
+            <a:schemeClr val="accent1"/>
+          </a:fillRef>
+          <a:effectRef idx="0">
+            <a:schemeClr val="accent1"/>
+          </a:effectRef>
+          <a:fontRef idx="minor">
+            <a:schemeClr val="tx1"/>
+          </a:fontRef>
+        </p:style>
+      </p:cxnSp>
     </p:spTree>
   </p:cSld>
   <p:clrMapOvr>
@@ -3621,6 +4985,2209 @@
         <p:nvPr/>
       </p:nvGrpSpPr>
       <p:grpSpPr/>
+      <p:sp>
+        <p:nvSpPr>
+          <p:cNvPr id="13" name="矩形 12"/>
+          <p:cNvSpPr/>
+          <p:nvPr/>
+        </p:nvSpPr>
+        <p:spPr>
+          <a:xfrm>
+            <a:off x="5043170" y="778510"/>
+            <a:ext cx="2505710" cy="419100"/>
+          </a:xfrm>
+          <a:prstGeom prst="rect">
+            <a:avLst/>
+          </a:prstGeom>
+          <a:noFill/>
+          <a:ln w="38100">
+            <a:solidFill>
+              <a:srgbClr val="2C3E50"/>
+            </a:solidFill>
+          </a:ln>
+          <a:extLst>
+            <a:ext uri="{909E8E84-426E-40DD-AFC4-6F175D3DCCD1}">
+              <a14:hiddenFill xmlns:a14="http://schemas.microsoft.com/office/drawing/2010/main">
+                <a:solidFill>
+                  <a:schemeClr val="accent1"/>
+                </a:solidFill>
+              </a14:hiddenFill>
+            </a:ext>
+          </a:extLst>
+        </p:spPr>
+        <p:style>
+          <a:lnRef idx="2">
+            <a:schemeClr val="accent1">
+              <a:shade val="50000"/>
+            </a:schemeClr>
+          </a:lnRef>
+          <a:fillRef idx="1">
+            <a:schemeClr val="accent1"/>
+          </a:fillRef>
+          <a:effectRef idx="0">
+            <a:schemeClr val="accent1"/>
+          </a:effectRef>
+          <a:fontRef idx="minor">
+            <a:schemeClr val="lt1"/>
+          </a:fontRef>
+        </p:style>
+        <p:txBody>
+          <a:bodyPr rtlCol="0" anchor="t" anchorCtr="false"/>
+          <a:p>
+            <a:pPr algn="ctr"/>
+            <a:r>
+              <a:rPr lang="zh-CN" altLang="en-US" sz="1000" b="1">
+                <a:solidFill>
+                  <a:srgbClr val="2C3E50"/>
+                </a:solidFill>
+              </a:rPr>
+              <a:t>struct cgroup_subsys</a:t>
+            </a:r>
+            <a:endParaRPr lang="zh-CN" altLang="en-US" sz="1000" b="1">
+              <a:solidFill>
+                <a:srgbClr val="2C3E50"/>
+              </a:solidFill>
+            </a:endParaRPr>
+          </a:p>
+          <a:p>
+            <a:pPr algn="ctr"/>
+            <a:r>
+              <a:rPr lang="en-US" altLang="zh-CN" sz="1000" b="1">
+                <a:solidFill>
+                  <a:srgbClr val="2C3E50"/>
+                </a:solidFill>
+              </a:rPr>
+              <a:t>_cpuset_cgrp_subsys</a:t>
+            </a:r>
+            <a:endParaRPr lang="en-US" altLang="zh-CN" sz="1000" b="1">
+              <a:solidFill>
+                <a:srgbClr val="2C3E50"/>
+              </a:solidFill>
+            </a:endParaRPr>
+          </a:p>
+        </p:txBody>
+      </p:sp>
+      <p:graphicFrame>
+        <p:nvGraphicFramePr>
+          <p:cNvPr id="2" name="表格 1"/>
+          <p:cNvGraphicFramePr/>
+          <p:nvPr/>
+        </p:nvGraphicFramePr>
+        <p:xfrm>
+          <a:off x="471805" y="1025525"/>
+          <a:ext cx="1974850" cy="5334000"/>
+        </p:xfrm>
+        <a:graphic>
+          <a:graphicData uri="http://schemas.openxmlformats.org/drawingml/2006/table">
+            <a:tbl>
+              <a:tblPr firstRow="true" bandRow="true">
+                <a:tableStyleId>{5940675A-B579-460E-94D1-54222C63F5DA}</a:tableStyleId>
+              </a:tblPr>
+              <a:tblGrid>
+                <a:gridCol w="1974850"/>
+              </a:tblGrid>
+              <a:tr h="381000">
+                <a:tc>
+                  <a:txBody>
+                    <a:bodyPr/>
+                    <a:p>
+                      <a:pPr algn="ctr">
+                        <a:buNone/>
+                      </a:pPr>
+                      <a:r>
+                        <a:rPr lang="zh-CN" altLang="en-US" b="1">
+                          <a:solidFill>
+                            <a:srgbClr val="2C3E50"/>
+                          </a:solidFill>
+                        </a:rPr>
+                        <a:t>cpuset</a:t>
+                      </a:r>
+                      <a:endParaRPr lang="zh-CN" altLang="en-US" b="1">
+                        <a:solidFill>
+                          <a:srgbClr val="2C3E50"/>
+                        </a:solidFill>
+                      </a:endParaRPr>
+                    </a:p>
+                  </a:txBody>
+                  <a:tcPr anchor="ctr" anchorCtr="false">
+                    <a:lnL w="28575" cmpd="sng">
+                      <a:solidFill>
+                        <a:schemeClr val="tx1"/>
+                      </a:solidFill>
+                      <a:prstDash val="solid"/>
+                    </a:lnL>
+                    <a:lnR w="28575" cmpd="sng">
+                      <a:solidFill>
+                        <a:schemeClr val="tx1"/>
+                      </a:solidFill>
+                      <a:prstDash val="solid"/>
+                    </a:lnR>
+                    <a:lnT w="28575" cmpd="sng">
+                      <a:solidFill>
+                        <a:schemeClr val="tx1"/>
+                      </a:solidFill>
+                      <a:prstDash val="solid"/>
+                    </a:lnT>
+                    <a:lnB w="28575" cmpd="sng">
+                      <a:solidFill>
+                        <a:schemeClr val="tx1"/>
+                      </a:solidFill>
+                      <a:prstDash val="solid"/>
+                    </a:lnB>
+                  </a:tcPr>
+                </a:tc>
+              </a:tr>
+              <a:tr h="381000">
+                <a:tc>
+                  <a:txBody>
+                    <a:bodyPr/>
+                    <a:p>
+                      <a:pPr algn="ctr">
+                        <a:buNone/>
+                      </a:pPr>
+                      <a:r>
+                        <a:rPr lang="zh-CN" altLang="en-US" b="1">
+                          <a:solidFill>
+                            <a:srgbClr val="2C3E50"/>
+                          </a:solidFill>
+                        </a:rPr>
+                        <a:t>cpu</a:t>
+                      </a:r>
+                      <a:endParaRPr lang="zh-CN" altLang="en-US" b="1">
+                        <a:solidFill>
+                          <a:srgbClr val="2C3E50"/>
+                        </a:solidFill>
+                      </a:endParaRPr>
+                    </a:p>
+                  </a:txBody>
+                  <a:tcPr anchor="ctr" anchorCtr="false">
+                    <a:lnL w="28575" cmpd="sng">
+                      <a:solidFill>
+                        <a:schemeClr val="tx1"/>
+                      </a:solidFill>
+                      <a:prstDash val="solid"/>
+                    </a:lnL>
+                    <a:lnR w="28575" cmpd="sng">
+                      <a:solidFill>
+                        <a:schemeClr val="tx1"/>
+                      </a:solidFill>
+                      <a:prstDash val="solid"/>
+                    </a:lnR>
+                    <a:lnT w="28575" cmpd="sng">
+                      <a:solidFill>
+                        <a:schemeClr val="tx1"/>
+                      </a:solidFill>
+                      <a:prstDash val="solid"/>
+                    </a:lnT>
+                    <a:lnB w="28575" cmpd="sng">
+                      <a:solidFill>
+                        <a:schemeClr val="tx1"/>
+                      </a:solidFill>
+                      <a:prstDash val="solid"/>
+                    </a:lnB>
+                  </a:tcPr>
+                </a:tc>
+              </a:tr>
+              <a:tr h="381000">
+                <a:tc>
+                  <a:txBody>
+                    <a:bodyPr/>
+                    <a:p>
+                      <a:pPr algn="ctr">
+                        <a:buNone/>
+                      </a:pPr>
+                      <a:r>
+                        <a:rPr lang="zh-CN" altLang="en-US" b="1">
+                          <a:solidFill>
+                            <a:srgbClr val="2C3E50"/>
+                          </a:solidFill>
+                        </a:rPr>
+                        <a:t>cpuacct</a:t>
+                      </a:r>
+                      <a:endParaRPr lang="zh-CN" altLang="en-US" b="1">
+                        <a:solidFill>
+                          <a:srgbClr val="2C3E50"/>
+                        </a:solidFill>
+                      </a:endParaRPr>
+                    </a:p>
+                  </a:txBody>
+                  <a:tcPr anchor="ctr" anchorCtr="false">
+                    <a:lnL w="28575" cmpd="sng">
+                      <a:solidFill>
+                        <a:schemeClr val="tx1"/>
+                      </a:solidFill>
+                      <a:prstDash val="solid"/>
+                    </a:lnL>
+                    <a:lnR w="28575" cmpd="sng">
+                      <a:solidFill>
+                        <a:schemeClr val="tx1"/>
+                      </a:solidFill>
+                      <a:prstDash val="solid"/>
+                    </a:lnR>
+                    <a:lnT w="28575" cmpd="sng">
+                      <a:solidFill>
+                        <a:schemeClr val="tx1"/>
+                      </a:solidFill>
+                      <a:prstDash val="solid"/>
+                    </a:lnT>
+                    <a:lnB w="28575" cmpd="sng">
+                      <a:solidFill>
+                        <a:schemeClr val="tx1"/>
+                      </a:solidFill>
+                      <a:prstDash val="solid"/>
+                    </a:lnB>
+                  </a:tcPr>
+                </a:tc>
+              </a:tr>
+              <a:tr h="381000">
+                <a:tc>
+                  <a:txBody>
+                    <a:bodyPr/>
+                    <a:p>
+                      <a:pPr algn="ctr">
+                        <a:buNone/>
+                      </a:pPr>
+                      <a:r>
+                        <a:rPr lang="zh-CN" altLang="en-US" b="1">
+                          <a:solidFill>
+                            <a:srgbClr val="2C3E50"/>
+                          </a:solidFill>
+                        </a:rPr>
+                        <a:t>io</a:t>
+                      </a:r>
+                      <a:endParaRPr lang="zh-CN" altLang="en-US" b="1">
+                        <a:solidFill>
+                          <a:srgbClr val="2C3E50"/>
+                        </a:solidFill>
+                      </a:endParaRPr>
+                    </a:p>
+                  </a:txBody>
+                  <a:tcPr anchor="ctr" anchorCtr="false">
+                    <a:lnL w="28575" cmpd="sng">
+                      <a:solidFill>
+                        <a:schemeClr val="tx1"/>
+                      </a:solidFill>
+                      <a:prstDash val="solid"/>
+                    </a:lnL>
+                    <a:lnR w="28575" cmpd="sng">
+                      <a:solidFill>
+                        <a:schemeClr val="tx1"/>
+                      </a:solidFill>
+                      <a:prstDash val="solid"/>
+                    </a:lnR>
+                    <a:lnT w="28575" cmpd="sng">
+                      <a:solidFill>
+                        <a:schemeClr val="tx1"/>
+                      </a:solidFill>
+                      <a:prstDash val="solid"/>
+                    </a:lnT>
+                    <a:lnB w="28575" cmpd="sng">
+                      <a:solidFill>
+                        <a:schemeClr val="tx1"/>
+                      </a:solidFill>
+                      <a:prstDash val="solid"/>
+                    </a:lnB>
+                  </a:tcPr>
+                </a:tc>
+              </a:tr>
+              <a:tr h="381000">
+                <a:tc>
+                  <a:txBody>
+                    <a:bodyPr/>
+                    <a:p>
+                      <a:pPr algn="ctr">
+                        <a:buNone/>
+                      </a:pPr>
+                      <a:r>
+                        <a:rPr lang="zh-CN" altLang="en-US" b="1">
+                          <a:solidFill>
+                            <a:srgbClr val="2C3E50"/>
+                          </a:solidFill>
+                        </a:rPr>
+                        <a:t>memory</a:t>
+                      </a:r>
+                      <a:endParaRPr lang="zh-CN" altLang="en-US" b="1">
+                        <a:solidFill>
+                          <a:srgbClr val="2C3E50"/>
+                        </a:solidFill>
+                      </a:endParaRPr>
+                    </a:p>
+                  </a:txBody>
+                  <a:tcPr anchor="ctr" anchorCtr="false">
+                    <a:lnL w="28575" cmpd="sng">
+                      <a:solidFill>
+                        <a:schemeClr val="tx1"/>
+                      </a:solidFill>
+                      <a:prstDash val="solid"/>
+                    </a:lnL>
+                    <a:lnR w="28575" cmpd="sng">
+                      <a:solidFill>
+                        <a:schemeClr val="tx1"/>
+                      </a:solidFill>
+                      <a:prstDash val="solid"/>
+                    </a:lnR>
+                    <a:lnT w="28575" cmpd="sng">
+                      <a:solidFill>
+                        <a:schemeClr val="tx1"/>
+                      </a:solidFill>
+                      <a:prstDash val="solid"/>
+                    </a:lnT>
+                    <a:lnB w="28575" cmpd="sng">
+                      <a:solidFill>
+                        <a:schemeClr val="tx1"/>
+                      </a:solidFill>
+                      <a:prstDash val="solid"/>
+                    </a:lnB>
+                  </a:tcPr>
+                </a:tc>
+              </a:tr>
+              <a:tr h="381000">
+                <a:tc>
+                  <a:txBody>
+                    <a:bodyPr/>
+                    <a:p>
+                      <a:pPr algn="ctr">
+                        <a:buNone/>
+                      </a:pPr>
+                      <a:r>
+                        <a:rPr lang="zh-CN" altLang="en-US" b="1">
+                          <a:solidFill>
+                            <a:srgbClr val="2C3E50"/>
+                          </a:solidFill>
+                        </a:rPr>
+                        <a:t>devices</a:t>
+                      </a:r>
+                      <a:endParaRPr lang="zh-CN" altLang="en-US" b="1">
+                        <a:solidFill>
+                          <a:srgbClr val="2C3E50"/>
+                        </a:solidFill>
+                      </a:endParaRPr>
+                    </a:p>
+                  </a:txBody>
+                  <a:tcPr anchor="ctr" anchorCtr="false">
+                    <a:lnL w="28575" cmpd="sng">
+                      <a:solidFill>
+                        <a:schemeClr val="tx1"/>
+                      </a:solidFill>
+                      <a:prstDash val="solid"/>
+                    </a:lnL>
+                    <a:lnR w="28575" cmpd="sng">
+                      <a:solidFill>
+                        <a:schemeClr val="tx1"/>
+                      </a:solidFill>
+                      <a:prstDash val="solid"/>
+                    </a:lnR>
+                    <a:lnT w="28575" cmpd="sng">
+                      <a:solidFill>
+                        <a:schemeClr val="tx1"/>
+                      </a:solidFill>
+                      <a:prstDash val="solid"/>
+                    </a:lnT>
+                    <a:lnB w="28575" cmpd="sng">
+                      <a:solidFill>
+                        <a:schemeClr val="tx1"/>
+                      </a:solidFill>
+                      <a:prstDash val="solid"/>
+                    </a:lnB>
+                  </a:tcPr>
+                </a:tc>
+              </a:tr>
+              <a:tr h="381000">
+                <a:tc>
+                  <a:txBody>
+                    <a:bodyPr/>
+                    <a:p>
+                      <a:pPr algn="ctr">
+                        <a:buNone/>
+                      </a:pPr>
+                      <a:r>
+                        <a:rPr lang="zh-CN" altLang="en-US" b="1">
+                          <a:solidFill>
+                            <a:srgbClr val="2C3E50"/>
+                          </a:solidFill>
+                        </a:rPr>
+                        <a:t>freezer</a:t>
+                      </a:r>
+                      <a:endParaRPr lang="zh-CN" altLang="en-US" b="1">
+                        <a:solidFill>
+                          <a:srgbClr val="2C3E50"/>
+                        </a:solidFill>
+                      </a:endParaRPr>
+                    </a:p>
+                  </a:txBody>
+                  <a:tcPr anchor="ctr" anchorCtr="false">
+                    <a:lnL w="28575" cmpd="sng">
+                      <a:solidFill>
+                        <a:schemeClr val="tx1"/>
+                      </a:solidFill>
+                      <a:prstDash val="solid"/>
+                    </a:lnL>
+                    <a:lnR w="28575" cmpd="sng">
+                      <a:solidFill>
+                        <a:schemeClr val="tx1"/>
+                      </a:solidFill>
+                      <a:prstDash val="solid"/>
+                    </a:lnR>
+                    <a:lnT w="28575" cmpd="sng">
+                      <a:solidFill>
+                        <a:schemeClr val="tx1"/>
+                      </a:solidFill>
+                      <a:prstDash val="solid"/>
+                    </a:lnT>
+                    <a:lnB w="28575" cmpd="sng">
+                      <a:solidFill>
+                        <a:schemeClr val="tx1"/>
+                      </a:solidFill>
+                      <a:prstDash val="solid"/>
+                    </a:lnB>
+                  </a:tcPr>
+                </a:tc>
+              </a:tr>
+              <a:tr h="381000">
+                <a:tc>
+                  <a:txBody>
+                    <a:bodyPr/>
+                    <a:p>
+                      <a:pPr algn="ctr">
+                        <a:buNone/>
+                      </a:pPr>
+                      <a:r>
+                        <a:rPr lang="zh-CN" altLang="en-US" b="1">
+                          <a:solidFill>
+                            <a:srgbClr val="2C3E50"/>
+                          </a:solidFill>
+                        </a:rPr>
+                        <a:t>net_cls</a:t>
+                      </a:r>
+                      <a:endParaRPr lang="zh-CN" altLang="en-US" b="1">
+                        <a:solidFill>
+                          <a:srgbClr val="2C3E50"/>
+                        </a:solidFill>
+                      </a:endParaRPr>
+                    </a:p>
+                  </a:txBody>
+                  <a:tcPr anchor="ctr" anchorCtr="false">
+                    <a:lnL w="28575" cmpd="sng">
+                      <a:solidFill>
+                        <a:schemeClr val="tx1"/>
+                      </a:solidFill>
+                      <a:prstDash val="solid"/>
+                    </a:lnL>
+                    <a:lnR w="28575" cmpd="sng">
+                      <a:solidFill>
+                        <a:schemeClr val="tx1"/>
+                      </a:solidFill>
+                      <a:prstDash val="solid"/>
+                    </a:lnR>
+                    <a:lnT w="28575" cmpd="sng">
+                      <a:solidFill>
+                        <a:schemeClr val="tx1"/>
+                      </a:solidFill>
+                      <a:prstDash val="solid"/>
+                    </a:lnT>
+                    <a:lnB w="28575" cmpd="sng">
+                      <a:solidFill>
+                        <a:schemeClr val="tx1"/>
+                      </a:solidFill>
+                      <a:prstDash val="solid"/>
+                    </a:lnB>
+                  </a:tcPr>
+                </a:tc>
+              </a:tr>
+              <a:tr h="381000">
+                <a:tc>
+                  <a:txBody>
+                    <a:bodyPr/>
+                    <a:p>
+                      <a:pPr algn="ctr">
+                        <a:buNone/>
+                      </a:pPr>
+                      <a:r>
+                        <a:rPr lang="zh-CN" altLang="en-US" b="1">
+                          <a:solidFill>
+                            <a:srgbClr val="2C3E50"/>
+                          </a:solidFill>
+                        </a:rPr>
+                        <a:t>perf_event</a:t>
+                      </a:r>
+                      <a:endParaRPr lang="zh-CN" altLang="en-US" b="1">
+                        <a:solidFill>
+                          <a:srgbClr val="2C3E50"/>
+                        </a:solidFill>
+                      </a:endParaRPr>
+                    </a:p>
+                  </a:txBody>
+                  <a:tcPr anchor="ctr" anchorCtr="false">
+                    <a:lnL w="28575" cmpd="sng">
+                      <a:solidFill>
+                        <a:schemeClr val="tx1"/>
+                      </a:solidFill>
+                      <a:prstDash val="solid"/>
+                    </a:lnL>
+                    <a:lnR w="28575" cmpd="sng">
+                      <a:solidFill>
+                        <a:schemeClr val="tx1"/>
+                      </a:solidFill>
+                      <a:prstDash val="solid"/>
+                    </a:lnR>
+                    <a:lnT w="28575" cmpd="sng">
+                      <a:solidFill>
+                        <a:schemeClr val="tx1"/>
+                      </a:solidFill>
+                      <a:prstDash val="solid"/>
+                    </a:lnT>
+                    <a:lnB w="28575" cmpd="sng">
+                      <a:solidFill>
+                        <a:schemeClr val="tx1"/>
+                      </a:solidFill>
+                      <a:prstDash val="solid"/>
+                    </a:lnB>
+                  </a:tcPr>
+                </a:tc>
+              </a:tr>
+              <a:tr h="381000">
+                <a:tc>
+                  <a:txBody>
+                    <a:bodyPr/>
+                    <a:p>
+                      <a:pPr algn="ctr">
+                        <a:buNone/>
+                      </a:pPr>
+                      <a:r>
+                        <a:rPr lang="zh-CN" altLang="en-US" b="1">
+                          <a:solidFill>
+                            <a:srgbClr val="2C3E50"/>
+                          </a:solidFill>
+                        </a:rPr>
+                        <a:t>net_prio</a:t>
+                      </a:r>
+                      <a:endParaRPr lang="zh-CN" altLang="en-US" b="1">
+                        <a:solidFill>
+                          <a:srgbClr val="2C3E50"/>
+                        </a:solidFill>
+                      </a:endParaRPr>
+                    </a:p>
+                  </a:txBody>
+                  <a:tcPr anchor="ctr" anchorCtr="false">
+                    <a:lnL w="28575" cmpd="sng">
+                      <a:solidFill>
+                        <a:schemeClr val="tx1"/>
+                      </a:solidFill>
+                      <a:prstDash val="solid"/>
+                    </a:lnL>
+                    <a:lnR w="28575" cmpd="sng">
+                      <a:solidFill>
+                        <a:schemeClr val="tx1"/>
+                      </a:solidFill>
+                      <a:prstDash val="solid"/>
+                    </a:lnR>
+                    <a:lnT w="28575" cmpd="sng">
+                      <a:solidFill>
+                        <a:schemeClr val="tx1"/>
+                      </a:solidFill>
+                      <a:prstDash val="solid"/>
+                    </a:lnT>
+                    <a:lnB w="28575" cmpd="sng">
+                      <a:solidFill>
+                        <a:schemeClr val="tx1"/>
+                      </a:solidFill>
+                      <a:prstDash val="solid"/>
+                    </a:lnB>
+                  </a:tcPr>
+                </a:tc>
+              </a:tr>
+              <a:tr h="381000">
+                <a:tc>
+                  <a:txBody>
+                    <a:bodyPr/>
+                    <a:p>
+                      <a:pPr algn="ctr">
+                        <a:buNone/>
+                      </a:pPr>
+                      <a:r>
+                        <a:rPr lang="zh-CN" altLang="en-US" b="1">
+                          <a:solidFill>
+                            <a:srgbClr val="2C3E50"/>
+                          </a:solidFill>
+                        </a:rPr>
+                        <a:t>hugetlb</a:t>
+                      </a:r>
+                      <a:endParaRPr lang="zh-CN" altLang="en-US" b="1">
+                        <a:solidFill>
+                          <a:srgbClr val="2C3E50"/>
+                        </a:solidFill>
+                      </a:endParaRPr>
+                    </a:p>
+                  </a:txBody>
+                  <a:tcPr anchor="ctr" anchorCtr="false">
+                    <a:lnL w="28575" cmpd="sng">
+                      <a:solidFill>
+                        <a:schemeClr val="tx1"/>
+                      </a:solidFill>
+                      <a:prstDash val="solid"/>
+                    </a:lnL>
+                    <a:lnR w="28575" cmpd="sng">
+                      <a:solidFill>
+                        <a:schemeClr val="tx1"/>
+                      </a:solidFill>
+                      <a:prstDash val="solid"/>
+                    </a:lnR>
+                    <a:lnT w="28575" cmpd="sng">
+                      <a:solidFill>
+                        <a:schemeClr val="tx1"/>
+                      </a:solidFill>
+                      <a:prstDash val="solid"/>
+                    </a:lnT>
+                    <a:lnB w="28575" cmpd="sng">
+                      <a:solidFill>
+                        <a:schemeClr val="tx1"/>
+                      </a:solidFill>
+                      <a:prstDash val="solid"/>
+                    </a:lnB>
+                  </a:tcPr>
+                </a:tc>
+              </a:tr>
+              <a:tr h="381000">
+                <a:tc>
+                  <a:txBody>
+                    <a:bodyPr/>
+                    <a:p>
+                      <a:pPr algn="ctr">
+                        <a:buNone/>
+                      </a:pPr>
+                      <a:r>
+                        <a:rPr lang="zh-CN" altLang="en-US" b="1">
+                          <a:solidFill>
+                            <a:srgbClr val="2C3E50"/>
+                          </a:solidFill>
+                        </a:rPr>
+                        <a:t>pids</a:t>
+                      </a:r>
+                      <a:endParaRPr lang="zh-CN" altLang="en-US" b="1">
+                        <a:solidFill>
+                          <a:srgbClr val="2C3E50"/>
+                        </a:solidFill>
+                      </a:endParaRPr>
+                    </a:p>
+                  </a:txBody>
+                  <a:tcPr anchor="ctr" anchorCtr="false">
+                    <a:lnL w="28575" cmpd="sng">
+                      <a:solidFill>
+                        <a:schemeClr val="tx1"/>
+                      </a:solidFill>
+                      <a:prstDash val="solid"/>
+                    </a:lnL>
+                    <a:lnR w="28575" cmpd="sng">
+                      <a:solidFill>
+                        <a:schemeClr val="tx1"/>
+                      </a:solidFill>
+                      <a:prstDash val="solid"/>
+                    </a:lnR>
+                    <a:lnT w="28575" cmpd="sng">
+                      <a:solidFill>
+                        <a:schemeClr val="tx1"/>
+                      </a:solidFill>
+                      <a:prstDash val="solid"/>
+                    </a:lnT>
+                    <a:lnB w="28575" cmpd="sng">
+                      <a:solidFill>
+                        <a:schemeClr val="tx1"/>
+                      </a:solidFill>
+                      <a:prstDash val="solid"/>
+                    </a:lnB>
+                  </a:tcPr>
+                </a:tc>
+              </a:tr>
+              <a:tr h="381000">
+                <a:tc>
+                  <a:txBody>
+                    <a:bodyPr/>
+                    <a:p>
+                      <a:pPr algn="ctr">
+                        <a:buNone/>
+                      </a:pPr>
+                      <a:r>
+                        <a:rPr lang="zh-CN" altLang="en-US" b="1">
+                          <a:solidFill>
+                            <a:srgbClr val="2C3E50"/>
+                          </a:solidFill>
+                        </a:rPr>
+                        <a:t>rdma</a:t>
+                      </a:r>
+                      <a:endParaRPr lang="zh-CN" altLang="en-US" b="1">
+                        <a:solidFill>
+                          <a:srgbClr val="2C3E50"/>
+                        </a:solidFill>
+                      </a:endParaRPr>
+                    </a:p>
+                  </a:txBody>
+                  <a:tcPr anchor="ctr" anchorCtr="false">
+                    <a:lnL w="28575" cmpd="sng">
+                      <a:solidFill>
+                        <a:schemeClr val="tx1"/>
+                      </a:solidFill>
+                      <a:prstDash val="solid"/>
+                    </a:lnL>
+                    <a:lnR w="28575" cmpd="sng">
+                      <a:solidFill>
+                        <a:schemeClr val="tx1"/>
+                      </a:solidFill>
+                      <a:prstDash val="solid"/>
+                    </a:lnR>
+                    <a:lnT w="28575" cmpd="sng">
+                      <a:solidFill>
+                        <a:schemeClr val="tx1"/>
+                      </a:solidFill>
+                      <a:prstDash val="solid"/>
+                    </a:lnT>
+                    <a:lnB w="28575" cmpd="sng">
+                      <a:solidFill>
+                        <a:schemeClr val="tx1"/>
+                      </a:solidFill>
+                      <a:prstDash val="solid"/>
+                    </a:lnB>
+                  </a:tcPr>
+                </a:tc>
+              </a:tr>
+              <a:tr h="381000">
+                <a:tc>
+                  <a:txBody>
+                    <a:bodyPr/>
+                    <a:p>
+                      <a:pPr algn="ctr">
+                        <a:buNone/>
+                      </a:pPr>
+                      <a:r>
+                        <a:rPr lang="zh-CN" altLang="en-US" b="1">
+                          <a:solidFill>
+                            <a:srgbClr val="2C3E50"/>
+                          </a:solidFill>
+                        </a:rPr>
+                        <a:t>debug</a:t>
+                      </a:r>
+                      <a:endParaRPr lang="zh-CN" altLang="en-US" b="1">
+                        <a:solidFill>
+                          <a:srgbClr val="2C3E50"/>
+                        </a:solidFill>
+                      </a:endParaRPr>
+                    </a:p>
+                  </a:txBody>
+                  <a:tcPr anchor="ctr" anchorCtr="false">
+                    <a:lnL w="28575" cmpd="sng">
+                      <a:solidFill>
+                        <a:schemeClr val="tx1"/>
+                      </a:solidFill>
+                      <a:prstDash val="solid"/>
+                    </a:lnL>
+                    <a:lnR w="28575" cmpd="sng">
+                      <a:solidFill>
+                        <a:schemeClr val="tx1"/>
+                      </a:solidFill>
+                      <a:prstDash val="solid"/>
+                    </a:lnR>
+                    <a:lnT w="28575" cmpd="sng">
+                      <a:solidFill>
+                        <a:schemeClr val="tx1"/>
+                      </a:solidFill>
+                      <a:prstDash val="solid"/>
+                    </a:lnT>
+                    <a:lnB w="28575" cmpd="sng">
+                      <a:solidFill>
+                        <a:schemeClr val="tx1"/>
+                      </a:solidFill>
+                      <a:prstDash val="solid"/>
+                    </a:lnB>
+                  </a:tcPr>
+                </a:tc>
+              </a:tr>
+            </a:tbl>
+          </a:graphicData>
+        </a:graphic>
+      </p:graphicFrame>
+      <p:sp>
+        <p:nvSpPr>
+          <p:cNvPr id="3" name="文本框 2"/>
+          <p:cNvSpPr txBox="true"/>
+          <p:nvPr/>
+        </p:nvSpPr>
+        <p:spPr>
+          <a:xfrm>
+            <a:off x="227330" y="113030"/>
+            <a:ext cx="5012055" cy="368300"/>
+          </a:xfrm>
+          <a:prstGeom prst="rect">
+            <a:avLst/>
+          </a:prstGeom>
+          <a:noFill/>
+        </p:spPr>
+        <p:txBody>
+          <a:bodyPr wrap="none" rtlCol="0">
+            <a:spAutoFit/>
+          </a:bodyPr>
+          <a:p>
+            <a:pPr algn="l"/>
+            <a:r>
+              <a:rPr lang="zh-CN" altLang="en-US" b="1">
+                <a:solidFill>
+                  <a:srgbClr val="2C3E50"/>
+                </a:solidFill>
+              </a:rPr>
+              <a:t>struct cgroup_subsys *cgroup_subsys</a:t>
+            </a:r>
+            <a:endParaRPr lang="zh-CN" altLang="en-US" b="1">
+              <a:solidFill>
+                <a:srgbClr val="2C3E50"/>
+              </a:solidFill>
+            </a:endParaRPr>
+          </a:p>
+        </p:txBody>
+      </p:sp>
+      <p:cxnSp>
+        <p:nvCxnSpPr>
+          <p:cNvPr id="5" name="肘形连接符 4"/>
+          <p:cNvCxnSpPr>
+            <a:stCxn id="3" idx="2"/>
+            <a:endCxn id="2" idx="0"/>
+          </p:cNvCxnSpPr>
+          <p:nvPr/>
+        </p:nvCxnSpPr>
+        <p:spPr>
+          <a:xfrm rot="5400000">
+            <a:off x="1824355" y="116205"/>
+            <a:ext cx="544195" cy="1274445"/>
+          </a:xfrm>
+          <a:prstGeom prst="bentConnector3">
+            <a:avLst>
+              <a:gd name="adj1" fmla="val 50058"/>
+            </a:avLst>
+          </a:prstGeom>
+          <a:ln w="38100">
+            <a:solidFill>
+              <a:srgbClr val="3EAF7C"/>
+            </a:solidFill>
+            <a:tailEnd type="arrow"/>
+          </a:ln>
+        </p:spPr>
+        <p:style>
+          <a:lnRef idx="1">
+            <a:schemeClr val="accent1"/>
+          </a:lnRef>
+          <a:fillRef idx="0">
+            <a:schemeClr val="accent1"/>
+          </a:fillRef>
+          <a:effectRef idx="0">
+            <a:schemeClr val="accent1"/>
+          </a:effectRef>
+          <a:fontRef idx="minor">
+            <a:schemeClr val="tx1"/>
+          </a:fontRef>
+        </p:style>
+      </p:cxnSp>
+      <p:sp>
+        <p:nvSpPr>
+          <p:cNvPr id="6" name="矩形 5"/>
+          <p:cNvSpPr/>
+          <p:nvPr/>
+        </p:nvSpPr>
+        <p:spPr>
+          <a:xfrm>
+            <a:off x="5043170" y="1197610"/>
+            <a:ext cx="2505710" cy="419100"/>
+          </a:xfrm>
+          <a:prstGeom prst="rect">
+            <a:avLst/>
+          </a:prstGeom>
+          <a:noFill/>
+          <a:ln w="38100">
+            <a:solidFill>
+              <a:srgbClr val="2C3E50"/>
+            </a:solidFill>
+          </a:ln>
+          <a:extLst>
+            <a:ext uri="{909E8E84-426E-40DD-AFC4-6F175D3DCCD1}">
+              <a14:hiddenFill xmlns:a14="http://schemas.microsoft.com/office/drawing/2010/main">
+                <a:solidFill>
+                  <a:schemeClr val="accent1"/>
+                </a:solidFill>
+              </a14:hiddenFill>
+            </a:ext>
+          </a:extLst>
+        </p:spPr>
+        <p:style>
+          <a:lnRef idx="2">
+            <a:schemeClr val="accent1">
+              <a:shade val="50000"/>
+            </a:schemeClr>
+          </a:lnRef>
+          <a:fillRef idx="1">
+            <a:schemeClr val="accent1"/>
+          </a:fillRef>
+          <a:effectRef idx="0">
+            <a:schemeClr val="accent1"/>
+          </a:effectRef>
+          <a:fontRef idx="minor">
+            <a:schemeClr val="lt1"/>
+          </a:fontRef>
+        </p:style>
+        <p:txBody>
+          <a:bodyPr rtlCol="0" anchor="t" anchorCtr="false"/>
+          <a:p>
+            <a:pPr algn="ctr"/>
+            <a:r>
+              <a:rPr lang="zh-CN" altLang="en-US" sz="1000" b="1">
+                <a:solidFill>
+                  <a:srgbClr val="2C3E50"/>
+                </a:solidFill>
+              </a:rPr>
+              <a:t>struct cgroup_subsys</a:t>
+            </a:r>
+            <a:endParaRPr lang="zh-CN" altLang="en-US" sz="1000" b="1">
+              <a:solidFill>
+                <a:srgbClr val="2C3E50"/>
+              </a:solidFill>
+            </a:endParaRPr>
+          </a:p>
+          <a:p>
+            <a:pPr algn="ctr"/>
+            <a:r>
+              <a:rPr lang="en-US" altLang="zh-CN" sz="1000" b="1">
+                <a:solidFill>
+                  <a:srgbClr val="2C3E50"/>
+                </a:solidFill>
+              </a:rPr>
+              <a:t>_cpu_cgrp_subsys</a:t>
+            </a:r>
+            <a:endParaRPr lang="en-US" altLang="zh-CN" sz="1000" b="1">
+              <a:solidFill>
+                <a:srgbClr val="2C3E50"/>
+              </a:solidFill>
+            </a:endParaRPr>
+          </a:p>
+        </p:txBody>
+      </p:sp>
+      <p:sp>
+        <p:nvSpPr>
+          <p:cNvPr id="7" name="矩形 6"/>
+          <p:cNvSpPr/>
+          <p:nvPr/>
+        </p:nvSpPr>
+        <p:spPr>
+          <a:xfrm>
+            <a:off x="5043170" y="1616710"/>
+            <a:ext cx="2505710" cy="419100"/>
+          </a:xfrm>
+          <a:prstGeom prst="rect">
+            <a:avLst/>
+          </a:prstGeom>
+          <a:noFill/>
+          <a:ln w="38100">
+            <a:solidFill>
+              <a:srgbClr val="2C3E50"/>
+            </a:solidFill>
+          </a:ln>
+          <a:extLst>
+            <a:ext uri="{909E8E84-426E-40DD-AFC4-6F175D3DCCD1}">
+              <a14:hiddenFill xmlns:a14="http://schemas.microsoft.com/office/drawing/2010/main">
+                <a:solidFill>
+                  <a:schemeClr val="accent1"/>
+                </a:solidFill>
+              </a14:hiddenFill>
+            </a:ext>
+          </a:extLst>
+        </p:spPr>
+        <p:style>
+          <a:lnRef idx="2">
+            <a:schemeClr val="accent1">
+              <a:shade val="50000"/>
+            </a:schemeClr>
+          </a:lnRef>
+          <a:fillRef idx="1">
+            <a:schemeClr val="accent1"/>
+          </a:fillRef>
+          <a:effectRef idx="0">
+            <a:schemeClr val="accent1"/>
+          </a:effectRef>
+          <a:fontRef idx="minor">
+            <a:schemeClr val="lt1"/>
+          </a:fontRef>
+        </p:style>
+        <p:txBody>
+          <a:bodyPr rtlCol="0" anchor="t" anchorCtr="false"/>
+          <a:p>
+            <a:pPr algn="ctr"/>
+            <a:r>
+              <a:rPr lang="zh-CN" altLang="en-US" sz="1000" b="1">
+                <a:solidFill>
+                  <a:srgbClr val="2C3E50"/>
+                </a:solidFill>
+              </a:rPr>
+              <a:t>struct cgroup_subsys</a:t>
+            </a:r>
+            <a:endParaRPr lang="zh-CN" altLang="en-US" sz="1000" b="1">
+              <a:solidFill>
+                <a:srgbClr val="2C3E50"/>
+              </a:solidFill>
+            </a:endParaRPr>
+          </a:p>
+          <a:p>
+            <a:pPr algn="ctr"/>
+            <a:r>
+              <a:rPr lang="en-US" altLang="zh-CN" sz="1000" b="1">
+                <a:solidFill>
+                  <a:srgbClr val="2C3E50"/>
+                </a:solidFill>
+              </a:rPr>
+              <a:t>_cpu</a:t>
+            </a:r>
+            <a:r>
+              <a:rPr lang="en-US" altLang="en-US" sz="1000" b="1">
+                <a:solidFill>
+                  <a:srgbClr val="2C3E50"/>
+                </a:solidFill>
+              </a:rPr>
+              <a:t>acct</a:t>
+            </a:r>
+            <a:r>
+              <a:rPr lang="en-US" altLang="zh-CN" sz="1000" b="1">
+                <a:solidFill>
+                  <a:srgbClr val="2C3E50"/>
+                </a:solidFill>
+              </a:rPr>
+              <a:t>_cgrp_subsys</a:t>
+            </a:r>
+            <a:endParaRPr lang="en-US" altLang="zh-CN" sz="1000" b="1">
+              <a:solidFill>
+                <a:srgbClr val="2C3E50"/>
+              </a:solidFill>
+            </a:endParaRPr>
+          </a:p>
+        </p:txBody>
+      </p:sp>
+      <p:sp>
+        <p:nvSpPr>
+          <p:cNvPr id="8" name="矩形 7"/>
+          <p:cNvSpPr/>
+          <p:nvPr/>
+        </p:nvSpPr>
+        <p:spPr>
+          <a:xfrm>
+            <a:off x="5043170" y="2035810"/>
+            <a:ext cx="2505710" cy="419100"/>
+          </a:xfrm>
+          <a:prstGeom prst="rect">
+            <a:avLst/>
+          </a:prstGeom>
+          <a:noFill/>
+          <a:ln w="38100">
+            <a:solidFill>
+              <a:srgbClr val="2C3E50"/>
+            </a:solidFill>
+          </a:ln>
+          <a:extLst>
+            <a:ext uri="{909E8E84-426E-40DD-AFC4-6F175D3DCCD1}">
+              <a14:hiddenFill xmlns:a14="http://schemas.microsoft.com/office/drawing/2010/main">
+                <a:solidFill>
+                  <a:schemeClr val="accent1"/>
+                </a:solidFill>
+              </a14:hiddenFill>
+            </a:ext>
+          </a:extLst>
+        </p:spPr>
+        <p:style>
+          <a:lnRef idx="2">
+            <a:schemeClr val="accent1">
+              <a:shade val="50000"/>
+            </a:schemeClr>
+          </a:lnRef>
+          <a:fillRef idx="1">
+            <a:schemeClr val="accent1"/>
+          </a:fillRef>
+          <a:effectRef idx="0">
+            <a:schemeClr val="accent1"/>
+          </a:effectRef>
+          <a:fontRef idx="minor">
+            <a:schemeClr val="lt1"/>
+          </a:fontRef>
+        </p:style>
+        <p:txBody>
+          <a:bodyPr rtlCol="0" anchor="t" anchorCtr="false"/>
+          <a:p>
+            <a:pPr algn="ctr"/>
+            <a:r>
+              <a:rPr lang="zh-CN" altLang="en-US" sz="1000" b="1">
+                <a:solidFill>
+                  <a:srgbClr val="2C3E50"/>
+                </a:solidFill>
+              </a:rPr>
+              <a:t>struct cgroup_subsys</a:t>
+            </a:r>
+            <a:endParaRPr lang="zh-CN" altLang="en-US" sz="1000" b="1">
+              <a:solidFill>
+                <a:srgbClr val="2C3E50"/>
+              </a:solidFill>
+            </a:endParaRPr>
+          </a:p>
+          <a:p>
+            <a:pPr algn="ctr"/>
+            <a:r>
+              <a:rPr lang="en-US" altLang="zh-CN" sz="1000" b="1">
+                <a:solidFill>
+                  <a:srgbClr val="2C3E50"/>
+                </a:solidFill>
+              </a:rPr>
+              <a:t>_</a:t>
+            </a:r>
+            <a:r>
+              <a:rPr lang="en-US" altLang="en-US" sz="1000" b="1">
+                <a:solidFill>
+                  <a:srgbClr val="2C3E50"/>
+                </a:solidFill>
+              </a:rPr>
+              <a:t>io</a:t>
+            </a:r>
+            <a:r>
+              <a:rPr lang="en-US" altLang="zh-CN" sz="1000" b="1">
+                <a:solidFill>
+                  <a:srgbClr val="2C3E50"/>
+                </a:solidFill>
+              </a:rPr>
+              <a:t>_cgrp_subsys</a:t>
+            </a:r>
+            <a:endParaRPr lang="en-US" altLang="zh-CN" sz="1000" b="1">
+              <a:solidFill>
+                <a:srgbClr val="2C3E50"/>
+              </a:solidFill>
+            </a:endParaRPr>
+          </a:p>
+        </p:txBody>
+      </p:sp>
+      <p:sp>
+        <p:nvSpPr>
+          <p:cNvPr id="12" name="矩形 11"/>
+          <p:cNvSpPr/>
+          <p:nvPr/>
+        </p:nvSpPr>
+        <p:spPr>
+          <a:xfrm>
+            <a:off x="5043170" y="2454910"/>
+            <a:ext cx="2505710" cy="419100"/>
+          </a:xfrm>
+          <a:prstGeom prst="rect">
+            <a:avLst/>
+          </a:prstGeom>
+          <a:noFill/>
+          <a:ln w="38100">
+            <a:solidFill>
+              <a:srgbClr val="2C3E50"/>
+            </a:solidFill>
+          </a:ln>
+          <a:extLst>
+            <a:ext uri="{909E8E84-426E-40DD-AFC4-6F175D3DCCD1}">
+              <a14:hiddenFill xmlns:a14="http://schemas.microsoft.com/office/drawing/2010/main">
+                <a:solidFill>
+                  <a:schemeClr val="accent1"/>
+                </a:solidFill>
+              </a14:hiddenFill>
+            </a:ext>
+          </a:extLst>
+        </p:spPr>
+        <p:style>
+          <a:lnRef idx="2">
+            <a:schemeClr val="accent1">
+              <a:shade val="50000"/>
+            </a:schemeClr>
+          </a:lnRef>
+          <a:fillRef idx="1">
+            <a:schemeClr val="accent1"/>
+          </a:fillRef>
+          <a:effectRef idx="0">
+            <a:schemeClr val="accent1"/>
+          </a:effectRef>
+          <a:fontRef idx="minor">
+            <a:schemeClr val="lt1"/>
+          </a:fontRef>
+        </p:style>
+        <p:txBody>
+          <a:bodyPr rtlCol="0" anchor="t" anchorCtr="false"/>
+          <a:p>
+            <a:pPr algn="ctr"/>
+            <a:r>
+              <a:rPr lang="zh-CN" altLang="en-US" sz="1000" b="1">
+                <a:solidFill>
+                  <a:srgbClr val="2C3E50"/>
+                </a:solidFill>
+              </a:rPr>
+              <a:t>struct cgroup_subsys</a:t>
+            </a:r>
+            <a:endParaRPr lang="zh-CN" altLang="en-US" sz="1000" b="1">
+              <a:solidFill>
+                <a:srgbClr val="2C3E50"/>
+              </a:solidFill>
+            </a:endParaRPr>
+          </a:p>
+          <a:p>
+            <a:pPr algn="ctr"/>
+            <a:r>
+              <a:rPr lang="en-US" altLang="zh-CN" sz="1000" b="1">
+                <a:solidFill>
+                  <a:srgbClr val="2C3E50"/>
+                </a:solidFill>
+              </a:rPr>
+              <a:t>_</a:t>
+            </a:r>
+            <a:r>
+              <a:rPr lang="en-US" altLang="en-US" sz="1000" b="1">
+                <a:solidFill>
+                  <a:srgbClr val="2C3E50"/>
+                </a:solidFill>
+              </a:rPr>
+              <a:t>memory</a:t>
+            </a:r>
+            <a:r>
+              <a:rPr lang="en-US" altLang="zh-CN" sz="1000" b="1">
+                <a:solidFill>
+                  <a:srgbClr val="2C3E50"/>
+                </a:solidFill>
+              </a:rPr>
+              <a:t>_cgrp_subsys</a:t>
+            </a:r>
+            <a:endParaRPr lang="en-US" altLang="zh-CN" sz="1000" b="1">
+              <a:solidFill>
+                <a:srgbClr val="2C3E50"/>
+              </a:solidFill>
+            </a:endParaRPr>
+          </a:p>
+        </p:txBody>
+      </p:sp>
+      <p:sp>
+        <p:nvSpPr>
+          <p:cNvPr id="14" name="矩形 13"/>
+          <p:cNvSpPr/>
+          <p:nvPr/>
+        </p:nvSpPr>
+        <p:spPr>
+          <a:xfrm>
+            <a:off x="5043170" y="2874010"/>
+            <a:ext cx="2505710" cy="419100"/>
+          </a:xfrm>
+          <a:prstGeom prst="rect">
+            <a:avLst/>
+          </a:prstGeom>
+          <a:noFill/>
+          <a:ln w="38100">
+            <a:solidFill>
+              <a:srgbClr val="2C3E50"/>
+            </a:solidFill>
+          </a:ln>
+          <a:extLst>
+            <a:ext uri="{909E8E84-426E-40DD-AFC4-6F175D3DCCD1}">
+              <a14:hiddenFill xmlns:a14="http://schemas.microsoft.com/office/drawing/2010/main">
+                <a:solidFill>
+                  <a:schemeClr val="accent1"/>
+                </a:solidFill>
+              </a14:hiddenFill>
+            </a:ext>
+          </a:extLst>
+        </p:spPr>
+        <p:style>
+          <a:lnRef idx="2">
+            <a:schemeClr val="accent1">
+              <a:shade val="50000"/>
+            </a:schemeClr>
+          </a:lnRef>
+          <a:fillRef idx="1">
+            <a:schemeClr val="accent1"/>
+          </a:fillRef>
+          <a:effectRef idx="0">
+            <a:schemeClr val="accent1"/>
+          </a:effectRef>
+          <a:fontRef idx="minor">
+            <a:schemeClr val="lt1"/>
+          </a:fontRef>
+        </p:style>
+        <p:txBody>
+          <a:bodyPr rtlCol="0" anchor="t" anchorCtr="false"/>
+          <a:p>
+            <a:pPr algn="ctr"/>
+            <a:r>
+              <a:rPr lang="zh-CN" altLang="en-US" sz="1000" b="1">
+                <a:solidFill>
+                  <a:srgbClr val="2C3E50"/>
+                </a:solidFill>
+              </a:rPr>
+              <a:t>struct cgroup_subsys</a:t>
+            </a:r>
+            <a:endParaRPr lang="zh-CN" altLang="en-US" sz="1000" b="1">
+              <a:solidFill>
+                <a:srgbClr val="2C3E50"/>
+              </a:solidFill>
+            </a:endParaRPr>
+          </a:p>
+          <a:p>
+            <a:pPr algn="ctr"/>
+            <a:r>
+              <a:rPr lang="en-US" altLang="zh-CN" sz="1000" b="1">
+                <a:solidFill>
+                  <a:srgbClr val="2C3E50"/>
+                </a:solidFill>
+              </a:rPr>
+              <a:t>_</a:t>
+            </a:r>
+            <a:r>
+              <a:rPr lang="en-US" altLang="en-US" sz="1000" b="1">
+                <a:solidFill>
+                  <a:srgbClr val="2C3E50"/>
+                </a:solidFill>
+              </a:rPr>
+              <a:t>devices</a:t>
+            </a:r>
+            <a:r>
+              <a:rPr lang="en-US" altLang="zh-CN" sz="1000" b="1">
+                <a:solidFill>
+                  <a:srgbClr val="2C3E50"/>
+                </a:solidFill>
+              </a:rPr>
+              <a:t>_cgrp_subsys</a:t>
+            </a:r>
+            <a:endParaRPr lang="en-US" altLang="zh-CN" sz="1000" b="1">
+              <a:solidFill>
+                <a:srgbClr val="2C3E50"/>
+              </a:solidFill>
+            </a:endParaRPr>
+          </a:p>
+        </p:txBody>
+      </p:sp>
+      <p:sp>
+        <p:nvSpPr>
+          <p:cNvPr id="15" name="矩形 14"/>
+          <p:cNvSpPr/>
+          <p:nvPr/>
+        </p:nvSpPr>
+        <p:spPr>
+          <a:xfrm>
+            <a:off x="5043170" y="3293110"/>
+            <a:ext cx="2505710" cy="419100"/>
+          </a:xfrm>
+          <a:prstGeom prst="rect">
+            <a:avLst/>
+          </a:prstGeom>
+          <a:noFill/>
+          <a:ln w="38100">
+            <a:solidFill>
+              <a:srgbClr val="2C3E50"/>
+            </a:solidFill>
+          </a:ln>
+          <a:extLst>
+            <a:ext uri="{909E8E84-426E-40DD-AFC4-6F175D3DCCD1}">
+              <a14:hiddenFill xmlns:a14="http://schemas.microsoft.com/office/drawing/2010/main">
+                <a:solidFill>
+                  <a:schemeClr val="accent1"/>
+                </a:solidFill>
+              </a14:hiddenFill>
+            </a:ext>
+          </a:extLst>
+        </p:spPr>
+        <p:style>
+          <a:lnRef idx="2">
+            <a:schemeClr val="accent1">
+              <a:shade val="50000"/>
+            </a:schemeClr>
+          </a:lnRef>
+          <a:fillRef idx="1">
+            <a:schemeClr val="accent1"/>
+          </a:fillRef>
+          <a:effectRef idx="0">
+            <a:schemeClr val="accent1"/>
+          </a:effectRef>
+          <a:fontRef idx="minor">
+            <a:schemeClr val="lt1"/>
+          </a:fontRef>
+        </p:style>
+        <p:txBody>
+          <a:bodyPr rtlCol="0" anchor="t" anchorCtr="false"/>
+          <a:p>
+            <a:pPr algn="ctr"/>
+            <a:r>
+              <a:rPr lang="zh-CN" altLang="en-US" sz="1000" b="1">
+                <a:solidFill>
+                  <a:srgbClr val="2C3E50"/>
+                </a:solidFill>
+              </a:rPr>
+              <a:t>struct cgroup_subsys</a:t>
+            </a:r>
+            <a:endParaRPr lang="zh-CN" altLang="en-US" sz="1000" b="1">
+              <a:solidFill>
+                <a:srgbClr val="2C3E50"/>
+              </a:solidFill>
+            </a:endParaRPr>
+          </a:p>
+          <a:p>
+            <a:pPr algn="ctr"/>
+            <a:r>
+              <a:rPr lang="en-US" altLang="zh-CN" sz="1000" b="1">
+                <a:solidFill>
+                  <a:srgbClr val="2C3E50"/>
+                </a:solidFill>
+              </a:rPr>
+              <a:t>_</a:t>
+            </a:r>
+            <a:r>
+              <a:rPr lang="en-US" altLang="en-US" sz="1000" b="1">
+                <a:solidFill>
+                  <a:srgbClr val="2C3E50"/>
+                </a:solidFill>
+              </a:rPr>
+              <a:t>freezer</a:t>
+            </a:r>
+            <a:r>
+              <a:rPr lang="en-US" altLang="zh-CN" sz="1000" b="1">
+                <a:solidFill>
+                  <a:srgbClr val="2C3E50"/>
+                </a:solidFill>
+              </a:rPr>
+              <a:t>_cgrp_subsys</a:t>
+            </a:r>
+            <a:endParaRPr lang="en-US" altLang="zh-CN" sz="1000" b="1">
+              <a:solidFill>
+                <a:srgbClr val="2C3E50"/>
+              </a:solidFill>
+            </a:endParaRPr>
+          </a:p>
+        </p:txBody>
+      </p:sp>
+      <p:sp>
+        <p:nvSpPr>
+          <p:cNvPr id="16" name="矩形 15"/>
+          <p:cNvSpPr/>
+          <p:nvPr/>
+        </p:nvSpPr>
+        <p:spPr>
+          <a:xfrm>
+            <a:off x="5043170" y="3712210"/>
+            <a:ext cx="2505710" cy="422275"/>
+          </a:xfrm>
+          <a:prstGeom prst="rect">
+            <a:avLst/>
+          </a:prstGeom>
+          <a:noFill/>
+          <a:ln w="38100">
+            <a:solidFill>
+              <a:srgbClr val="2C3E50"/>
+            </a:solidFill>
+          </a:ln>
+          <a:extLst>
+            <a:ext uri="{909E8E84-426E-40DD-AFC4-6F175D3DCCD1}">
+              <a14:hiddenFill xmlns:a14="http://schemas.microsoft.com/office/drawing/2010/main">
+                <a:solidFill>
+                  <a:schemeClr val="accent1"/>
+                </a:solidFill>
+              </a14:hiddenFill>
+            </a:ext>
+          </a:extLst>
+        </p:spPr>
+        <p:style>
+          <a:lnRef idx="2">
+            <a:schemeClr val="accent1">
+              <a:shade val="50000"/>
+            </a:schemeClr>
+          </a:lnRef>
+          <a:fillRef idx="1">
+            <a:schemeClr val="accent1"/>
+          </a:fillRef>
+          <a:effectRef idx="0">
+            <a:schemeClr val="accent1"/>
+          </a:effectRef>
+          <a:fontRef idx="minor">
+            <a:schemeClr val="lt1"/>
+          </a:fontRef>
+        </p:style>
+        <p:txBody>
+          <a:bodyPr rtlCol="0" anchor="t" anchorCtr="false"/>
+          <a:p>
+            <a:pPr algn="ctr"/>
+            <a:r>
+              <a:rPr lang="zh-CN" altLang="en-US" sz="1000" b="1">
+                <a:solidFill>
+                  <a:srgbClr val="2C3E50"/>
+                </a:solidFill>
+              </a:rPr>
+              <a:t>struct cgroup_subsys</a:t>
+            </a:r>
+            <a:endParaRPr lang="zh-CN" altLang="en-US" sz="1000" b="1">
+              <a:solidFill>
+                <a:srgbClr val="2C3E50"/>
+              </a:solidFill>
+            </a:endParaRPr>
+          </a:p>
+          <a:p>
+            <a:pPr algn="ctr"/>
+            <a:r>
+              <a:rPr lang="en-US" altLang="zh-CN" sz="1000" b="1">
+                <a:solidFill>
+                  <a:srgbClr val="2C3E50"/>
+                </a:solidFill>
+              </a:rPr>
+              <a:t>_</a:t>
+            </a:r>
+            <a:r>
+              <a:rPr lang="en-US" altLang="en-US" sz="1000" b="1">
+                <a:solidFill>
+                  <a:srgbClr val="2C3E50"/>
+                </a:solidFill>
+              </a:rPr>
+              <a:t>net_cls</a:t>
+            </a:r>
+            <a:r>
+              <a:rPr lang="en-US" altLang="zh-CN" sz="1000" b="1">
+                <a:solidFill>
+                  <a:srgbClr val="2C3E50"/>
+                </a:solidFill>
+              </a:rPr>
+              <a:t>_cgrp_subsys</a:t>
+            </a:r>
+            <a:endParaRPr lang="en-US" altLang="zh-CN" sz="1000" b="1">
+              <a:solidFill>
+                <a:srgbClr val="2C3E50"/>
+              </a:solidFill>
+            </a:endParaRPr>
+          </a:p>
+        </p:txBody>
+      </p:sp>
+      <p:sp>
+        <p:nvSpPr>
+          <p:cNvPr id="17" name="矩形 16"/>
+          <p:cNvSpPr/>
+          <p:nvPr/>
+        </p:nvSpPr>
+        <p:spPr>
+          <a:xfrm>
+            <a:off x="5043170" y="4126865"/>
+            <a:ext cx="2505710" cy="422275"/>
+          </a:xfrm>
+          <a:prstGeom prst="rect">
+            <a:avLst/>
+          </a:prstGeom>
+          <a:noFill/>
+          <a:ln w="38100">
+            <a:solidFill>
+              <a:srgbClr val="2C3E50"/>
+            </a:solidFill>
+          </a:ln>
+          <a:extLst>
+            <a:ext uri="{909E8E84-426E-40DD-AFC4-6F175D3DCCD1}">
+              <a14:hiddenFill xmlns:a14="http://schemas.microsoft.com/office/drawing/2010/main">
+                <a:solidFill>
+                  <a:schemeClr val="accent1"/>
+                </a:solidFill>
+              </a14:hiddenFill>
+            </a:ext>
+          </a:extLst>
+        </p:spPr>
+        <p:style>
+          <a:lnRef idx="2">
+            <a:schemeClr val="accent1">
+              <a:shade val="50000"/>
+            </a:schemeClr>
+          </a:lnRef>
+          <a:fillRef idx="1">
+            <a:schemeClr val="accent1"/>
+          </a:fillRef>
+          <a:effectRef idx="0">
+            <a:schemeClr val="accent1"/>
+          </a:effectRef>
+          <a:fontRef idx="minor">
+            <a:schemeClr val="lt1"/>
+          </a:fontRef>
+        </p:style>
+        <p:txBody>
+          <a:bodyPr rtlCol="0" anchor="t" anchorCtr="false"/>
+          <a:p>
+            <a:pPr algn="ctr"/>
+            <a:r>
+              <a:rPr lang="zh-CN" altLang="en-US" sz="1000" b="1">
+                <a:solidFill>
+                  <a:srgbClr val="2C3E50"/>
+                </a:solidFill>
+              </a:rPr>
+              <a:t>struct cgroup_subsys</a:t>
+            </a:r>
+            <a:endParaRPr lang="zh-CN" altLang="en-US" sz="1000" b="1">
+              <a:solidFill>
+                <a:srgbClr val="2C3E50"/>
+              </a:solidFill>
+            </a:endParaRPr>
+          </a:p>
+          <a:p>
+            <a:pPr algn="ctr"/>
+            <a:r>
+              <a:rPr lang="en-US" altLang="zh-CN" sz="1000" b="1">
+                <a:solidFill>
+                  <a:srgbClr val="2C3E50"/>
+                </a:solidFill>
+              </a:rPr>
+              <a:t>_</a:t>
+            </a:r>
+            <a:r>
+              <a:rPr lang="en-US" altLang="en-US" sz="1000" b="1">
+                <a:solidFill>
+                  <a:srgbClr val="2C3E50"/>
+                </a:solidFill>
+              </a:rPr>
+              <a:t>perf_event</a:t>
+            </a:r>
+            <a:r>
+              <a:rPr lang="en-US" altLang="zh-CN" sz="1000" b="1">
+                <a:solidFill>
+                  <a:srgbClr val="2C3E50"/>
+                </a:solidFill>
+              </a:rPr>
+              <a:t>_cgrp_subsys</a:t>
+            </a:r>
+            <a:endParaRPr lang="en-US" altLang="zh-CN" sz="1000" b="1">
+              <a:solidFill>
+                <a:srgbClr val="2C3E50"/>
+              </a:solidFill>
+            </a:endParaRPr>
+          </a:p>
+        </p:txBody>
+      </p:sp>
+      <p:sp>
+        <p:nvSpPr>
+          <p:cNvPr id="18" name="矩形 17"/>
+          <p:cNvSpPr/>
+          <p:nvPr/>
+        </p:nvSpPr>
+        <p:spPr>
+          <a:xfrm>
+            <a:off x="5043170" y="4541520"/>
+            <a:ext cx="2505710" cy="422275"/>
+          </a:xfrm>
+          <a:prstGeom prst="rect">
+            <a:avLst/>
+          </a:prstGeom>
+          <a:noFill/>
+          <a:ln w="38100">
+            <a:solidFill>
+              <a:srgbClr val="2C3E50"/>
+            </a:solidFill>
+          </a:ln>
+          <a:extLst>
+            <a:ext uri="{909E8E84-426E-40DD-AFC4-6F175D3DCCD1}">
+              <a14:hiddenFill xmlns:a14="http://schemas.microsoft.com/office/drawing/2010/main">
+                <a:solidFill>
+                  <a:schemeClr val="accent1"/>
+                </a:solidFill>
+              </a14:hiddenFill>
+            </a:ext>
+          </a:extLst>
+        </p:spPr>
+        <p:style>
+          <a:lnRef idx="2">
+            <a:schemeClr val="accent1">
+              <a:shade val="50000"/>
+            </a:schemeClr>
+          </a:lnRef>
+          <a:fillRef idx="1">
+            <a:schemeClr val="accent1"/>
+          </a:fillRef>
+          <a:effectRef idx="0">
+            <a:schemeClr val="accent1"/>
+          </a:effectRef>
+          <a:fontRef idx="minor">
+            <a:schemeClr val="lt1"/>
+          </a:fontRef>
+        </p:style>
+        <p:txBody>
+          <a:bodyPr rtlCol="0" anchor="t" anchorCtr="false"/>
+          <a:p>
+            <a:pPr algn="ctr"/>
+            <a:r>
+              <a:rPr lang="zh-CN" altLang="en-US" sz="1000" b="1">
+                <a:solidFill>
+                  <a:srgbClr val="2C3E50"/>
+                </a:solidFill>
+              </a:rPr>
+              <a:t>struct cgroup_subsys</a:t>
+            </a:r>
+            <a:endParaRPr lang="zh-CN" altLang="en-US" sz="1000" b="1">
+              <a:solidFill>
+                <a:srgbClr val="2C3E50"/>
+              </a:solidFill>
+            </a:endParaRPr>
+          </a:p>
+          <a:p>
+            <a:pPr algn="ctr"/>
+            <a:r>
+              <a:rPr lang="en-US" altLang="zh-CN" sz="1000" b="1">
+                <a:solidFill>
+                  <a:srgbClr val="2C3E50"/>
+                </a:solidFill>
+              </a:rPr>
+              <a:t>_</a:t>
+            </a:r>
+            <a:r>
+              <a:rPr lang="en-US" altLang="en-US" sz="1000" b="1">
+                <a:solidFill>
+                  <a:srgbClr val="2C3E50"/>
+                </a:solidFill>
+              </a:rPr>
+              <a:t>net_prio</a:t>
+            </a:r>
+            <a:r>
+              <a:rPr lang="en-US" altLang="zh-CN" sz="1000" b="1">
+                <a:solidFill>
+                  <a:srgbClr val="2C3E50"/>
+                </a:solidFill>
+              </a:rPr>
+              <a:t>_cgrp_subsys</a:t>
+            </a:r>
+            <a:endParaRPr lang="en-US" altLang="zh-CN" sz="1000" b="1">
+              <a:solidFill>
+                <a:srgbClr val="2C3E50"/>
+              </a:solidFill>
+            </a:endParaRPr>
+          </a:p>
+        </p:txBody>
+      </p:sp>
+      <p:sp>
+        <p:nvSpPr>
+          <p:cNvPr id="19" name="矩形 18"/>
+          <p:cNvSpPr/>
+          <p:nvPr/>
+        </p:nvSpPr>
+        <p:spPr>
+          <a:xfrm>
+            <a:off x="5043170" y="4956175"/>
+            <a:ext cx="2505710" cy="422275"/>
+          </a:xfrm>
+          <a:prstGeom prst="rect">
+            <a:avLst/>
+          </a:prstGeom>
+          <a:noFill/>
+          <a:ln w="38100">
+            <a:solidFill>
+              <a:srgbClr val="2C3E50"/>
+            </a:solidFill>
+          </a:ln>
+          <a:extLst>
+            <a:ext uri="{909E8E84-426E-40DD-AFC4-6F175D3DCCD1}">
+              <a14:hiddenFill xmlns:a14="http://schemas.microsoft.com/office/drawing/2010/main">
+                <a:solidFill>
+                  <a:schemeClr val="accent1"/>
+                </a:solidFill>
+              </a14:hiddenFill>
+            </a:ext>
+          </a:extLst>
+        </p:spPr>
+        <p:style>
+          <a:lnRef idx="2">
+            <a:schemeClr val="accent1">
+              <a:shade val="50000"/>
+            </a:schemeClr>
+          </a:lnRef>
+          <a:fillRef idx="1">
+            <a:schemeClr val="accent1"/>
+          </a:fillRef>
+          <a:effectRef idx="0">
+            <a:schemeClr val="accent1"/>
+          </a:effectRef>
+          <a:fontRef idx="minor">
+            <a:schemeClr val="lt1"/>
+          </a:fontRef>
+        </p:style>
+        <p:txBody>
+          <a:bodyPr rtlCol="0" anchor="t" anchorCtr="false"/>
+          <a:p>
+            <a:pPr algn="ctr"/>
+            <a:r>
+              <a:rPr lang="zh-CN" altLang="en-US" sz="1000" b="1">
+                <a:solidFill>
+                  <a:srgbClr val="2C3E50"/>
+                </a:solidFill>
+              </a:rPr>
+              <a:t>struct cgroup_subsys</a:t>
+            </a:r>
+            <a:endParaRPr lang="zh-CN" altLang="en-US" sz="1000" b="1">
+              <a:solidFill>
+                <a:srgbClr val="2C3E50"/>
+              </a:solidFill>
+            </a:endParaRPr>
+          </a:p>
+          <a:p>
+            <a:pPr algn="ctr"/>
+            <a:r>
+              <a:rPr lang="en-US" altLang="zh-CN" sz="1000" b="1">
+                <a:solidFill>
+                  <a:srgbClr val="2C3E50"/>
+                </a:solidFill>
+              </a:rPr>
+              <a:t>_</a:t>
+            </a:r>
+            <a:r>
+              <a:rPr lang="en-US" altLang="en-US" sz="1000" b="1">
+                <a:solidFill>
+                  <a:srgbClr val="2C3E50"/>
+                </a:solidFill>
+              </a:rPr>
+              <a:t>hugetlb</a:t>
+            </a:r>
+            <a:r>
+              <a:rPr lang="en-US" altLang="zh-CN" sz="1000" b="1">
+                <a:solidFill>
+                  <a:srgbClr val="2C3E50"/>
+                </a:solidFill>
+              </a:rPr>
+              <a:t>_cgrp_subsys</a:t>
+            </a:r>
+            <a:endParaRPr lang="en-US" altLang="zh-CN" sz="1000" b="1">
+              <a:solidFill>
+                <a:srgbClr val="2C3E50"/>
+              </a:solidFill>
+            </a:endParaRPr>
+          </a:p>
+        </p:txBody>
+      </p:sp>
+      <p:sp>
+        <p:nvSpPr>
+          <p:cNvPr id="20" name="矩形 19"/>
+          <p:cNvSpPr/>
+          <p:nvPr/>
+        </p:nvSpPr>
+        <p:spPr>
+          <a:xfrm>
+            <a:off x="5043170" y="5370830"/>
+            <a:ext cx="2505710" cy="422275"/>
+          </a:xfrm>
+          <a:prstGeom prst="rect">
+            <a:avLst/>
+          </a:prstGeom>
+          <a:noFill/>
+          <a:ln w="38100">
+            <a:solidFill>
+              <a:srgbClr val="2C3E50"/>
+            </a:solidFill>
+          </a:ln>
+          <a:extLst>
+            <a:ext uri="{909E8E84-426E-40DD-AFC4-6F175D3DCCD1}">
+              <a14:hiddenFill xmlns:a14="http://schemas.microsoft.com/office/drawing/2010/main">
+                <a:solidFill>
+                  <a:schemeClr val="accent1"/>
+                </a:solidFill>
+              </a14:hiddenFill>
+            </a:ext>
+          </a:extLst>
+        </p:spPr>
+        <p:style>
+          <a:lnRef idx="2">
+            <a:schemeClr val="accent1">
+              <a:shade val="50000"/>
+            </a:schemeClr>
+          </a:lnRef>
+          <a:fillRef idx="1">
+            <a:schemeClr val="accent1"/>
+          </a:fillRef>
+          <a:effectRef idx="0">
+            <a:schemeClr val="accent1"/>
+          </a:effectRef>
+          <a:fontRef idx="minor">
+            <a:schemeClr val="lt1"/>
+          </a:fontRef>
+        </p:style>
+        <p:txBody>
+          <a:bodyPr rtlCol="0" anchor="t" anchorCtr="false"/>
+          <a:p>
+            <a:pPr algn="ctr"/>
+            <a:r>
+              <a:rPr lang="zh-CN" altLang="en-US" sz="1000" b="1">
+                <a:solidFill>
+                  <a:srgbClr val="2C3E50"/>
+                </a:solidFill>
+              </a:rPr>
+              <a:t>struct cgroup_subsys</a:t>
+            </a:r>
+            <a:endParaRPr lang="zh-CN" altLang="en-US" sz="1000" b="1">
+              <a:solidFill>
+                <a:srgbClr val="2C3E50"/>
+              </a:solidFill>
+            </a:endParaRPr>
+          </a:p>
+          <a:p>
+            <a:pPr algn="ctr"/>
+            <a:r>
+              <a:rPr lang="en-US" altLang="zh-CN" sz="1000" b="1">
+                <a:solidFill>
+                  <a:srgbClr val="2C3E50"/>
+                </a:solidFill>
+              </a:rPr>
+              <a:t>_</a:t>
+            </a:r>
+            <a:r>
+              <a:rPr lang="en-US" altLang="en-US" sz="1000" b="1">
+                <a:solidFill>
+                  <a:srgbClr val="2C3E50"/>
+                </a:solidFill>
+              </a:rPr>
+              <a:t>pids</a:t>
+            </a:r>
+            <a:r>
+              <a:rPr lang="en-US" altLang="zh-CN" sz="1000" b="1">
+                <a:solidFill>
+                  <a:srgbClr val="2C3E50"/>
+                </a:solidFill>
+              </a:rPr>
+              <a:t>_cgrp_subsys</a:t>
+            </a:r>
+            <a:endParaRPr lang="en-US" altLang="zh-CN" sz="1000" b="1">
+              <a:solidFill>
+                <a:srgbClr val="2C3E50"/>
+              </a:solidFill>
+            </a:endParaRPr>
+          </a:p>
+        </p:txBody>
+      </p:sp>
+      <p:sp>
+        <p:nvSpPr>
+          <p:cNvPr id="21" name="矩形 20"/>
+          <p:cNvSpPr/>
+          <p:nvPr/>
+        </p:nvSpPr>
+        <p:spPr>
+          <a:xfrm>
+            <a:off x="5043170" y="5785485"/>
+            <a:ext cx="2505710" cy="422275"/>
+          </a:xfrm>
+          <a:prstGeom prst="rect">
+            <a:avLst/>
+          </a:prstGeom>
+          <a:noFill/>
+          <a:ln w="38100">
+            <a:solidFill>
+              <a:srgbClr val="2C3E50"/>
+            </a:solidFill>
+          </a:ln>
+          <a:extLst>
+            <a:ext uri="{909E8E84-426E-40DD-AFC4-6F175D3DCCD1}">
+              <a14:hiddenFill xmlns:a14="http://schemas.microsoft.com/office/drawing/2010/main">
+                <a:solidFill>
+                  <a:schemeClr val="accent1"/>
+                </a:solidFill>
+              </a14:hiddenFill>
+            </a:ext>
+          </a:extLst>
+        </p:spPr>
+        <p:style>
+          <a:lnRef idx="2">
+            <a:schemeClr val="accent1">
+              <a:shade val="50000"/>
+            </a:schemeClr>
+          </a:lnRef>
+          <a:fillRef idx="1">
+            <a:schemeClr val="accent1"/>
+          </a:fillRef>
+          <a:effectRef idx="0">
+            <a:schemeClr val="accent1"/>
+          </a:effectRef>
+          <a:fontRef idx="minor">
+            <a:schemeClr val="lt1"/>
+          </a:fontRef>
+        </p:style>
+        <p:txBody>
+          <a:bodyPr rtlCol="0" anchor="t" anchorCtr="false"/>
+          <a:p>
+            <a:pPr algn="ctr"/>
+            <a:r>
+              <a:rPr lang="zh-CN" altLang="en-US" sz="1000" b="1">
+                <a:solidFill>
+                  <a:srgbClr val="2C3E50"/>
+                </a:solidFill>
+              </a:rPr>
+              <a:t>struct cgroup_subsys</a:t>
+            </a:r>
+            <a:endParaRPr lang="zh-CN" altLang="en-US" sz="1000" b="1">
+              <a:solidFill>
+                <a:srgbClr val="2C3E50"/>
+              </a:solidFill>
+            </a:endParaRPr>
+          </a:p>
+          <a:p>
+            <a:pPr algn="ctr"/>
+            <a:r>
+              <a:rPr lang="en-US" altLang="zh-CN" sz="1000" b="1">
+                <a:solidFill>
+                  <a:srgbClr val="2C3E50"/>
+                </a:solidFill>
+              </a:rPr>
+              <a:t>_</a:t>
+            </a:r>
+            <a:r>
+              <a:rPr lang="en-US" altLang="en-US" sz="1000" b="1">
+                <a:solidFill>
+                  <a:srgbClr val="2C3E50"/>
+                </a:solidFill>
+              </a:rPr>
+              <a:t>rdma</a:t>
+            </a:r>
+            <a:r>
+              <a:rPr lang="en-US" altLang="zh-CN" sz="1000" b="1">
+                <a:solidFill>
+                  <a:srgbClr val="2C3E50"/>
+                </a:solidFill>
+              </a:rPr>
+              <a:t>_cgrp_subsys</a:t>
+            </a:r>
+            <a:endParaRPr lang="en-US" altLang="zh-CN" sz="1000" b="1">
+              <a:solidFill>
+                <a:srgbClr val="2C3E50"/>
+              </a:solidFill>
+            </a:endParaRPr>
+          </a:p>
+        </p:txBody>
+      </p:sp>
+      <p:sp>
+        <p:nvSpPr>
+          <p:cNvPr id="22" name="矩形 21"/>
+          <p:cNvSpPr/>
+          <p:nvPr/>
+        </p:nvSpPr>
+        <p:spPr>
+          <a:xfrm>
+            <a:off x="5043170" y="6200140"/>
+            <a:ext cx="2505710" cy="422275"/>
+          </a:xfrm>
+          <a:prstGeom prst="rect">
+            <a:avLst/>
+          </a:prstGeom>
+          <a:noFill/>
+          <a:ln w="38100">
+            <a:solidFill>
+              <a:srgbClr val="2C3E50"/>
+            </a:solidFill>
+          </a:ln>
+          <a:extLst>
+            <a:ext uri="{909E8E84-426E-40DD-AFC4-6F175D3DCCD1}">
+              <a14:hiddenFill xmlns:a14="http://schemas.microsoft.com/office/drawing/2010/main">
+                <a:solidFill>
+                  <a:schemeClr val="accent1"/>
+                </a:solidFill>
+              </a14:hiddenFill>
+            </a:ext>
+          </a:extLst>
+        </p:spPr>
+        <p:style>
+          <a:lnRef idx="2">
+            <a:schemeClr val="accent1">
+              <a:shade val="50000"/>
+            </a:schemeClr>
+          </a:lnRef>
+          <a:fillRef idx="1">
+            <a:schemeClr val="accent1"/>
+          </a:fillRef>
+          <a:effectRef idx="0">
+            <a:schemeClr val="accent1"/>
+          </a:effectRef>
+          <a:fontRef idx="minor">
+            <a:schemeClr val="lt1"/>
+          </a:fontRef>
+        </p:style>
+        <p:txBody>
+          <a:bodyPr rtlCol="0" anchor="t" anchorCtr="false"/>
+          <a:p>
+            <a:pPr algn="ctr"/>
+            <a:r>
+              <a:rPr lang="zh-CN" altLang="en-US" sz="1000" b="1">
+                <a:solidFill>
+                  <a:srgbClr val="2C3E50"/>
+                </a:solidFill>
+              </a:rPr>
+              <a:t>struct cgroup_subsys</a:t>
+            </a:r>
+            <a:endParaRPr lang="zh-CN" altLang="en-US" sz="1000" b="1">
+              <a:solidFill>
+                <a:srgbClr val="2C3E50"/>
+              </a:solidFill>
+            </a:endParaRPr>
+          </a:p>
+          <a:p>
+            <a:pPr algn="ctr"/>
+            <a:r>
+              <a:rPr lang="en-US" altLang="zh-CN" sz="1000" b="1">
+                <a:solidFill>
+                  <a:srgbClr val="2C3E50"/>
+                </a:solidFill>
+              </a:rPr>
+              <a:t>_</a:t>
+            </a:r>
+            <a:r>
+              <a:rPr lang="en-US" altLang="en-US" sz="1000" b="1">
+                <a:solidFill>
+                  <a:srgbClr val="2C3E50"/>
+                </a:solidFill>
+              </a:rPr>
+              <a:t>debug</a:t>
+            </a:r>
+            <a:r>
+              <a:rPr lang="en-US" altLang="zh-CN" sz="1000" b="1">
+                <a:solidFill>
+                  <a:srgbClr val="2C3E50"/>
+                </a:solidFill>
+              </a:rPr>
+              <a:t>_cgrp_subsys</a:t>
+            </a:r>
+            <a:endParaRPr lang="en-US" altLang="zh-CN" sz="1000" b="1">
+              <a:solidFill>
+                <a:srgbClr val="2C3E50"/>
+              </a:solidFill>
+            </a:endParaRPr>
+          </a:p>
+        </p:txBody>
+      </p:sp>
+      <p:sp>
+        <p:nvSpPr>
+          <p:cNvPr id="25" name="左右箭头 24"/>
+          <p:cNvSpPr/>
+          <p:nvPr/>
+        </p:nvSpPr>
+        <p:spPr>
+          <a:xfrm>
+            <a:off x="2969260" y="3410585"/>
+            <a:ext cx="1619885" cy="370840"/>
+          </a:xfrm>
+          <a:prstGeom prst="leftRightArrow">
+            <a:avLst/>
+          </a:prstGeom>
+          <a:solidFill>
+            <a:srgbClr val="3EAF7C"/>
+          </a:solidFill>
+          <a:ln>
+            <a:solidFill>
+              <a:srgbClr val="3EAF7C"/>
+            </a:solidFill>
+          </a:ln>
+        </p:spPr>
+        <p:style>
+          <a:lnRef idx="2">
+            <a:schemeClr val="accent1">
+              <a:shade val="50000"/>
+            </a:schemeClr>
+          </a:lnRef>
+          <a:fillRef idx="1">
+            <a:schemeClr val="accent1"/>
+          </a:fillRef>
+          <a:effectRef idx="0">
+            <a:schemeClr val="accent1"/>
+          </a:effectRef>
+          <a:fontRef idx="minor">
+            <a:schemeClr val="lt1"/>
+          </a:fontRef>
+        </p:style>
+        <p:txBody>
+          <a:bodyPr rtlCol="0" anchor="ctr"/>
+          <a:p>
+            <a:pPr algn="ctr"/>
+            <a:endParaRPr lang="zh-CN" altLang="en-US"/>
+          </a:p>
+        </p:txBody>
+      </p:sp>
     </p:spTree>
   </p:cSld>
   <p:clrMapOvr>
@@ -3639,6 +7206,1833 @@
         <p:nvPr/>
       </p:nvGrpSpPr>
       <p:grpSpPr/>
+      <p:grpSp>
+        <p:nvGrpSpPr>
+          <p:cNvPr id="35" name="组合 34"/>
+          <p:cNvGrpSpPr/>
+          <p:nvPr/>
+        </p:nvGrpSpPr>
+        <p:grpSpPr>
+          <a:xfrm>
+            <a:off x="406400" y="629285"/>
+            <a:ext cx="2113280" cy="885190"/>
+            <a:chOff x="1386" y="6646"/>
+            <a:chExt cx="3328" cy="1394"/>
+          </a:xfrm>
+        </p:grpSpPr>
+        <p:sp>
+          <p:nvSpPr>
+            <p:cNvPr id="3" name="矩形 2"/>
+            <p:cNvSpPr/>
+            <p:nvPr/>
+          </p:nvSpPr>
+          <p:spPr>
+            <a:xfrm>
+              <a:off x="1386" y="6646"/>
+              <a:ext cx="3329" cy="1394"/>
+            </a:xfrm>
+            <a:prstGeom prst="rect">
+              <a:avLst/>
+            </a:prstGeom>
+            <a:noFill/>
+            <a:ln w="38100">
+              <a:solidFill>
+                <a:srgbClr val="2C3E50"/>
+              </a:solidFill>
+            </a:ln>
+            <a:extLst>
+              <a:ext uri="{909E8E84-426E-40DD-AFC4-6F175D3DCCD1}">
+                <a14:hiddenFill xmlns:a14="http://schemas.microsoft.com/office/drawing/2010/main">
+                  <a:solidFill>
+                    <a:schemeClr val="accent1"/>
+                  </a:solidFill>
+                </a14:hiddenFill>
+              </a:ext>
+            </a:extLst>
+          </p:spPr>
+          <p:style>
+            <a:lnRef idx="2">
+              <a:schemeClr val="accent1">
+                <a:shade val="50000"/>
+              </a:schemeClr>
+            </a:lnRef>
+            <a:fillRef idx="1">
+              <a:schemeClr val="accent1"/>
+            </a:fillRef>
+            <a:effectRef idx="0">
+              <a:schemeClr val="accent1"/>
+            </a:effectRef>
+            <a:fontRef idx="minor">
+              <a:schemeClr val="lt1"/>
+            </a:fontRef>
+          </p:style>
+          <p:txBody>
+            <a:bodyPr rtlCol="0" anchor="t" anchorCtr="false"/>
+            <a:p>
+              <a:pPr algn="ctr"/>
+              <a:r>
+                <a:rPr lang="zh-CN" altLang="en-US" sz="1200" b="1">
+                  <a:solidFill>
+                    <a:srgbClr val="2C3E50"/>
+                  </a:solidFill>
+                </a:rPr>
+                <a:t> task_struct</a:t>
+              </a:r>
+              <a:endParaRPr lang="zh-CN" altLang="en-US" sz="1200" b="1">
+                <a:solidFill>
+                  <a:srgbClr val="2C3E50"/>
+                </a:solidFill>
+              </a:endParaRPr>
+            </a:p>
+          </p:txBody>
+        </p:sp>
+        <p:sp>
+          <p:nvSpPr>
+            <p:cNvPr id="7" name="矩形 6"/>
+            <p:cNvSpPr/>
+            <p:nvPr/>
+          </p:nvSpPr>
+          <p:spPr>
+            <a:xfrm>
+              <a:off x="1616" y="7140"/>
+              <a:ext cx="2869" cy="407"/>
+            </a:xfrm>
+            <a:prstGeom prst="rect">
+              <a:avLst/>
+            </a:prstGeom>
+            <a:noFill/>
+            <a:ln w="19050">
+              <a:solidFill>
+                <a:srgbClr val="2C3E50"/>
+              </a:solidFill>
+            </a:ln>
+            <a:extLst>
+              <a:ext uri="{909E8E84-426E-40DD-AFC4-6F175D3DCCD1}">
+                <a14:hiddenFill xmlns:a14="http://schemas.microsoft.com/office/drawing/2010/main">
+                  <a:solidFill>
+                    <a:schemeClr val="accent1"/>
+                  </a:solidFill>
+                </a14:hiddenFill>
+              </a:ext>
+            </a:extLst>
+          </p:spPr>
+          <p:style>
+            <a:lnRef idx="2">
+              <a:schemeClr val="accent1">
+                <a:shade val="50000"/>
+              </a:schemeClr>
+            </a:lnRef>
+            <a:fillRef idx="1">
+              <a:schemeClr val="accent1"/>
+            </a:fillRef>
+            <a:effectRef idx="0">
+              <a:schemeClr val="accent1"/>
+            </a:effectRef>
+            <a:fontRef idx="minor">
+              <a:schemeClr val="lt1"/>
+            </a:fontRef>
+          </p:style>
+          <p:txBody>
+            <a:bodyPr rtlCol="0" anchor="ctr" anchorCtr="false"/>
+            <a:p>
+              <a:pPr algn="ctr"/>
+              <a:r>
+                <a:rPr lang="zh-CN" altLang="en-US" sz="800" b="1">
+                  <a:solidFill>
+                    <a:srgbClr val="2C3E50"/>
+                  </a:solidFill>
+                </a:rPr>
+                <a:t>struct css_set 	*cgroups;</a:t>
+              </a:r>
+              <a:endParaRPr lang="zh-CN" altLang="en-US" sz="800" b="1">
+                <a:solidFill>
+                  <a:srgbClr val="2C3E50"/>
+                </a:solidFill>
+              </a:endParaRPr>
+            </a:p>
+          </p:txBody>
+        </p:sp>
+      </p:grpSp>
+      <p:grpSp>
+        <p:nvGrpSpPr>
+          <p:cNvPr id="32" name="组合 31"/>
+          <p:cNvGrpSpPr/>
+          <p:nvPr/>
+        </p:nvGrpSpPr>
+        <p:grpSpPr>
+          <a:xfrm>
+            <a:off x="4312920" y="2505075"/>
+            <a:ext cx="2684780" cy="1262380"/>
+            <a:chOff x="12305" y="5488"/>
+            <a:chExt cx="4228" cy="1988"/>
+          </a:xfrm>
+        </p:grpSpPr>
+        <p:sp>
+          <p:nvSpPr>
+            <p:cNvPr id="10" name="矩形 9"/>
+            <p:cNvSpPr/>
+            <p:nvPr/>
+          </p:nvSpPr>
+          <p:spPr>
+            <a:xfrm>
+              <a:off x="12305" y="5488"/>
+              <a:ext cx="4228" cy="1989"/>
+            </a:xfrm>
+            <a:prstGeom prst="rect">
+              <a:avLst/>
+            </a:prstGeom>
+            <a:noFill/>
+            <a:ln w="38100">
+              <a:solidFill>
+                <a:srgbClr val="2C3E50"/>
+              </a:solidFill>
+            </a:ln>
+            <a:extLst>
+              <a:ext uri="{909E8E84-426E-40DD-AFC4-6F175D3DCCD1}">
+                <a14:hiddenFill xmlns:a14="http://schemas.microsoft.com/office/drawing/2010/main">
+                  <a:solidFill>
+                    <a:schemeClr val="accent1"/>
+                  </a:solidFill>
+                </a14:hiddenFill>
+              </a:ext>
+            </a:extLst>
+          </p:spPr>
+          <p:style>
+            <a:lnRef idx="2">
+              <a:schemeClr val="accent1">
+                <a:shade val="50000"/>
+              </a:schemeClr>
+            </a:lnRef>
+            <a:fillRef idx="1">
+              <a:schemeClr val="accent1"/>
+            </a:fillRef>
+            <a:effectRef idx="0">
+              <a:schemeClr val="accent1"/>
+            </a:effectRef>
+            <a:fontRef idx="minor">
+              <a:schemeClr val="lt1"/>
+            </a:fontRef>
+          </p:style>
+          <p:txBody>
+            <a:bodyPr rtlCol="0" anchor="t" anchorCtr="false"/>
+            <a:p>
+              <a:pPr algn="ctr"/>
+              <a:r>
+                <a:rPr lang="zh-CN" altLang="en-US" sz="1200" b="1">
+                  <a:solidFill>
+                    <a:srgbClr val="2C3E50"/>
+                  </a:solidFill>
+                </a:rPr>
+                <a:t>struct cgroup_subsys_state </a:t>
+              </a:r>
+              <a:endParaRPr lang="zh-CN" altLang="en-US" sz="1200" b="1">
+                <a:solidFill>
+                  <a:srgbClr val="2C3E50"/>
+                </a:solidFill>
+              </a:endParaRPr>
+            </a:p>
+          </p:txBody>
+        </p:sp>
+        <p:sp>
+          <p:nvSpPr>
+            <p:cNvPr id="13" name="矩形 12"/>
+            <p:cNvSpPr/>
+            <p:nvPr/>
+          </p:nvSpPr>
+          <p:spPr>
+            <a:xfrm>
+              <a:off x="12765" y="6534"/>
+              <a:ext cx="3185" cy="407"/>
+            </a:xfrm>
+            <a:prstGeom prst="rect">
+              <a:avLst/>
+            </a:prstGeom>
+            <a:noFill/>
+            <a:ln w="19050">
+              <a:solidFill>
+                <a:srgbClr val="2C3E50"/>
+              </a:solidFill>
+            </a:ln>
+            <a:extLst>
+              <a:ext uri="{909E8E84-426E-40DD-AFC4-6F175D3DCCD1}">
+                <a14:hiddenFill xmlns:a14="http://schemas.microsoft.com/office/drawing/2010/main">
+                  <a:solidFill>
+                    <a:schemeClr val="accent1"/>
+                  </a:solidFill>
+                </a14:hiddenFill>
+              </a:ext>
+            </a:extLst>
+          </p:spPr>
+          <p:style>
+            <a:lnRef idx="2">
+              <a:schemeClr val="accent1">
+                <a:shade val="50000"/>
+              </a:schemeClr>
+            </a:lnRef>
+            <a:fillRef idx="1">
+              <a:schemeClr val="accent1"/>
+            </a:fillRef>
+            <a:effectRef idx="0">
+              <a:schemeClr val="accent1"/>
+            </a:effectRef>
+            <a:fontRef idx="minor">
+              <a:schemeClr val="lt1"/>
+            </a:fontRef>
+          </p:style>
+          <p:txBody>
+            <a:bodyPr rtlCol="0" anchor="ctr" anchorCtr="false"/>
+            <a:p>
+              <a:pPr algn="ctr"/>
+              <a:r>
+                <a:rPr lang="zh-CN" altLang="en-US" sz="800" b="1">
+                  <a:solidFill>
+                    <a:srgbClr val="2C3E50"/>
+                  </a:solidFill>
+                </a:rPr>
+                <a:t>struct cgroup_subsys *ss;</a:t>
+              </a:r>
+              <a:endParaRPr lang="zh-CN" altLang="en-US" sz="800" b="1">
+                <a:solidFill>
+                  <a:srgbClr val="2C3E50"/>
+                </a:solidFill>
+              </a:endParaRPr>
+            </a:p>
+          </p:txBody>
+        </p:sp>
+        <p:sp>
+          <p:nvSpPr>
+            <p:cNvPr id="14" name="矩形 13"/>
+            <p:cNvSpPr/>
+            <p:nvPr/>
+          </p:nvSpPr>
+          <p:spPr>
+            <a:xfrm>
+              <a:off x="12765" y="6127"/>
+              <a:ext cx="3184" cy="407"/>
+            </a:xfrm>
+            <a:prstGeom prst="rect">
+              <a:avLst/>
+            </a:prstGeom>
+            <a:noFill/>
+            <a:ln w="19050">
+              <a:solidFill>
+                <a:srgbClr val="2C3E50"/>
+              </a:solidFill>
+            </a:ln>
+            <a:extLst>
+              <a:ext uri="{909E8E84-426E-40DD-AFC4-6F175D3DCCD1}">
+                <a14:hiddenFill xmlns:a14="http://schemas.microsoft.com/office/drawing/2010/main">
+                  <a:solidFill>
+                    <a:schemeClr val="accent1"/>
+                  </a:solidFill>
+                </a14:hiddenFill>
+              </a:ext>
+            </a:extLst>
+          </p:spPr>
+          <p:style>
+            <a:lnRef idx="2">
+              <a:schemeClr val="accent1">
+                <a:shade val="50000"/>
+              </a:schemeClr>
+            </a:lnRef>
+            <a:fillRef idx="1">
+              <a:schemeClr val="accent1"/>
+            </a:fillRef>
+            <a:effectRef idx="0">
+              <a:schemeClr val="accent1"/>
+            </a:effectRef>
+            <a:fontRef idx="minor">
+              <a:schemeClr val="lt1"/>
+            </a:fontRef>
+          </p:style>
+          <p:txBody>
+            <a:bodyPr rtlCol="0" anchor="ctr" anchorCtr="false"/>
+            <a:p>
+              <a:pPr algn="ctr"/>
+              <a:r>
+                <a:rPr lang="zh-CN" altLang="en-US" sz="800" b="1">
+                  <a:solidFill>
+                    <a:srgbClr val="2C3E50"/>
+                  </a:solidFill>
+                </a:rPr>
+                <a:t>struct cgroup *cgroup;</a:t>
+              </a:r>
+              <a:endParaRPr lang="zh-CN" altLang="en-US" sz="800" b="1">
+                <a:solidFill>
+                  <a:srgbClr val="2C3E50"/>
+                </a:solidFill>
+              </a:endParaRPr>
+            </a:p>
+          </p:txBody>
+        </p:sp>
+      </p:grpSp>
+      <p:sp>
+        <p:nvSpPr>
+          <p:cNvPr id="6" name="矩形 5"/>
+          <p:cNvSpPr/>
+          <p:nvPr/>
+        </p:nvSpPr>
+        <p:spPr>
+          <a:xfrm>
+            <a:off x="406400" y="3252470"/>
+            <a:ext cx="2826385" cy="1243965"/>
+          </a:xfrm>
+          <a:prstGeom prst="rect">
+            <a:avLst/>
+          </a:prstGeom>
+          <a:noFill/>
+          <a:ln w="38100">
+            <a:solidFill>
+              <a:srgbClr val="2C3E50"/>
+            </a:solidFill>
+          </a:ln>
+          <a:extLst>
+            <a:ext uri="{909E8E84-426E-40DD-AFC4-6F175D3DCCD1}">
+              <a14:hiddenFill xmlns:a14="http://schemas.microsoft.com/office/drawing/2010/main">
+                <a:solidFill>
+                  <a:schemeClr val="accent1"/>
+                </a:solidFill>
+              </a14:hiddenFill>
+            </a:ext>
+          </a:extLst>
+        </p:spPr>
+        <p:style>
+          <a:lnRef idx="2">
+            <a:schemeClr val="accent1">
+              <a:shade val="50000"/>
+            </a:schemeClr>
+          </a:lnRef>
+          <a:fillRef idx="1">
+            <a:schemeClr val="accent1"/>
+          </a:fillRef>
+          <a:effectRef idx="0">
+            <a:schemeClr val="accent1"/>
+          </a:effectRef>
+          <a:fontRef idx="minor">
+            <a:schemeClr val="lt1"/>
+          </a:fontRef>
+        </p:style>
+        <p:txBody>
+          <a:bodyPr rtlCol="0" anchor="t" anchorCtr="false"/>
+          <a:p>
+            <a:pPr algn="ctr"/>
+            <a:r>
+              <a:rPr lang="zh-CN" altLang="en-US" sz="1200" b="1">
+                <a:solidFill>
+                  <a:srgbClr val="2C3E50"/>
+                </a:solidFill>
+              </a:rPr>
+              <a:t>struct css_set </a:t>
+            </a:r>
+            <a:endParaRPr lang="zh-CN" altLang="en-US" sz="1200" b="1">
+              <a:solidFill>
+                <a:srgbClr val="2C3E50"/>
+              </a:solidFill>
+            </a:endParaRPr>
+          </a:p>
+        </p:txBody>
+      </p:sp>
+      <p:sp>
+        <p:nvSpPr>
+          <p:cNvPr id="15" name="矩形 14"/>
+          <p:cNvSpPr/>
+          <p:nvPr/>
+        </p:nvSpPr>
+        <p:spPr>
+          <a:xfrm>
+            <a:off x="650875" y="3660140"/>
+            <a:ext cx="2320925" cy="342265"/>
+          </a:xfrm>
+          <a:prstGeom prst="rect">
+            <a:avLst/>
+          </a:prstGeom>
+          <a:noFill/>
+          <a:ln w="19050">
+            <a:solidFill>
+              <a:srgbClr val="2C3E50"/>
+            </a:solidFill>
+          </a:ln>
+          <a:extLst>
+            <a:ext uri="{909E8E84-426E-40DD-AFC4-6F175D3DCCD1}">
+              <a14:hiddenFill xmlns:a14="http://schemas.microsoft.com/office/drawing/2010/main">
+                <a:solidFill>
+                  <a:schemeClr val="accent1"/>
+                </a:solidFill>
+              </a14:hiddenFill>
+            </a:ext>
+          </a:extLst>
+        </p:spPr>
+        <p:style>
+          <a:lnRef idx="2">
+            <a:schemeClr val="accent1">
+              <a:shade val="50000"/>
+            </a:schemeClr>
+          </a:lnRef>
+          <a:fillRef idx="1">
+            <a:schemeClr val="accent1"/>
+          </a:fillRef>
+          <a:effectRef idx="0">
+            <a:schemeClr val="accent1"/>
+          </a:effectRef>
+          <a:fontRef idx="minor">
+            <a:schemeClr val="lt1"/>
+          </a:fontRef>
+        </p:style>
+        <p:txBody>
+          <a:bodyPr rtlCol="0" anchor="ctr" anchorCtr="false"/>
+          <a:p>
+            <a:pPr algn="ctr"/>
+            <a:r>
+              <a:rPr lang="zh-CN" altLang="en-US" sz="800" b="1">
+                <a:solidFill>
+                  <a:srgbClr val="2C3E50"/>
+                </a:solidFill>
+              </a:rPr>
+              <a:t>struct cgroup_subsys_state *subsys[CGROUP_SUBSYS_COUNT];</a:t>
+            </a:r>
+            <a:endParaRPr lang="zh-CN" altLang="en-US" sz="800" b="1">
+              <a:solidFill>
+                <a:srgbClr val="2C3E50"/>
+              </a:solidFill>
+            </a:endParaRPr>
+          </a:p>
+        </p:txBody>
+      </p:sp>
+      <p:grpSp>
+        <p:nvGrpSpPr>
+          <p:cNvPr id="30" name="组合 29"/>
+          <p:cNvGrpSpPr/>
+          <p:nvPr/>
+        </p:nvGrpSpPr>
+        <p:grpSpPr>
+          <a:xfrm>
+            <a:off x="4312920" y="562610"/>
+            <a:ext cx="2113280" cy="666750"/>
+            <a:chOff x="12305" y="1416"/>
+            <a:chExt cx="3328" cy="1050"/>
+          </a:xfrm>
+        </p:grpSpPr>
+        <p:sp>
+          <p:nvSpPr>
+            <p:cNvPr id="5" name="矩形 4"/>
+            <p:cNvSpPr/>
+            <p:nvPr/>
+          </p:nvSpPr>
+          <p:spPr>
+            <a:xfrm>
+              <a:off x="12305" y="1416"/>
+              <a:ext cx="3329" cy="1051"/>
+            </a:xfrm>
+            <a:prstGeom prst="rect">
+              <a:avLst/>
+            </a:prstGeom>
+            <a:noFill/>
+            <a:ln w="38100">
+              <a:solidFill>
+                <a:srgbClr val="2C3E50"/>
+              </a:solidFill>
+            </a:ln>
+            <a:extLst>
+              <a:ext uri="{909E8E84-426E-40DD-AFC4-6F175D3DCCD1}">
+                <a14:hiddenFill xmlns:a14="http://schemas.microsoft.com/office/drawing/2010/main">
+                  <a:solidFill>
+                    <a:schemeClr val="accent1"/>
+                  </a:solidFill>
+                </a14:hiddenFill>
+              </a:ext>
+            </a:extLst>
+          </p:spPr>
+          <p:style>
+            <a:lnRef idx="2">
+              <a:schemeClr val="accent1">
+                <a:shade val="50000"/>
+              </a:schemeClr>
+            </a:lnRef>
+            <a:fillRef idx="1">
+              <a:schemeClr val="accent1"/>
+            </a:fillRef>
+            <a:effectRef idx="0">
+              <a:schemeClr val="accent1"/>
+            </a:effectRef>
+            <a:fontRef idx="minor">
+              <a:schemeClr val="lt1"/>
+            </a:fontRef>
+          </p:style>
+          <p:txBody>
+            <a:bodyPr rtlCol="0" anchor="t" anchorCtr="false"/>
+            <a:p>
+              <a:pPr algn="ctr"/>
+              <a:r>
+                <a:rPr lang="zh-CN" altLang="en-US" sz="1200" b="1">
+                  <a:solidFill>
+                    <a:srgbClr val="2C3E50"/>
+                  </a:solidFill>
+                </a:rPr>
+                <a:t>struct cftype </a:t>
+              </a:r>
+              <a:endParaRPr lang="zh-CN" altLang="en-US" sz="1200" b="1">
+                <a:solidFill>
+                  <a:srgbClr val="2C3E50"/>
+                </a:solidFill>
+              </a:endParaRPr>
+            </a:p>
+          </p:txBody>
+        </p:sp>
+        <p:sp>
+          <p:nvSpPr>
+            <p:cNvPr id="18" name="矩形 17"/>
+            <p:cNvSpPr/>
+            <p:nvPr/>
+          </p:nvSpPr>
+          <p:spPr>
+            <a:xfrm>
+              <a:off x="12535" y="1912"/>
+              <a:ext cx="2869" cy="407"/>
+            </a:xfrm>
+            <a:prstGeom prst="rect">
+              <a:avLst/>
+            </a:prstGeom>
+            <a:noFill/>
+            <a:ln w="19050">
+              <a:solidFill>
+                <a:srgbClr val="2C3E50"/>
+              </a:solidFill>
+            </a:ln>
+            <a:extLst>
+              <a:ext uri="{909E8E84-426E-40DD-AFC4-6F175D3DCCD1}">
+                <a14:hiddenFill xmlns:a14="http://schemas.microsoft.com/office/drawing/2010/main">
+                  <a:solidFill>
+                    <a:schemeClr val="accent1"/>
+                  </a:solidFill>
+                </a14:hiddenFill>
+              </a:ext>
+            </a:extLst>
+          </p:spPr>
+          <p:style>
+            <a:lnRef idx="2">
+              <a:schemeClr val="accent1">
+                <a:shade val="50000"/>
+              </a:schemeClr>
+            </a:lnRef>
+            <a:fillRef idx="1">
+              <a:schemeClr val="accent1"/>
+            </a:fillRef>
+            <a:effectRef idx="0">
+              <a:schemeClr val="accent1"/>
+            </a:effectRef>
+            <a:fontRef idx="minor">
+              <a:schemeClr val="lt1"/>
+            </a:fontRef>
+          </p:style>
+          <p:txBody>
+            <a:bodyPr rtlCol="0" anchor="ctr" anchorCtr="false"/>
+            <a:p>
+              <a:pPr algn="ctr"/>
+              <a:r>
+                <a:rPr lang="zh-CN" altLang="en-US" sz="800" b="1">
+                  <a:solidFill>
+                    <a:srgbClr val="2C3E50"/>
+                  </a:solidFill>
+                </a:rPr>
+                <a:t>struct cgroup_subsys *ss</a:t>
+              </a:r>
+              <a:endParaRPr lang="zh-CN" altLang="en-US" sz="800" b="1">
+                <a:solidFill>
+                  <a:srgbClr val="2C3E50"/>
+                </a:solidFill>
+              </a:endParaRPr>
+            </a:p>
+          </p:txBody>
+        </p:sp>
+      </p:grpSp>
+      <p:grpSp>
+        <p:nvGrpSpPr>
+          <p:cNvPr id="29" name="组合 28"/>
+          <p:cNvGrpSpPr/>
+          <p:nvPr/>
+        </p:nvGrpSpPr>
+        <p:grpSpPr>
+          <a:xfrm>
+            <a:off x="4377055" y="4847590"/>
+            <a:ext cx="2113280" cy="1200150"/>
+            <a:chOff x="6278" y="2467"/>
+            <a:chExt cx="3328" cy="1890"/>
+          </a:xfrm>
+        </p:grpSpPr>
+        <p:sp>
+          <p:nvSpPr>
+            <p:cNvPr id="16" name="矩形 15"/>
+            <p:cNvSpPr/>
+            <p:nvPr/>
+          </p:nvSpPr>
+          <p:spPr>
+            <a:xfrm>
+              <a:off x="6278" y="2467"/>
+              <a:ext cx="3329" cy="1890"/>
+            </a:xfrm>
+            <a:prstGeom prst="rect">
+              <a:avLst/>
+            </a:prstGeom>
+            <a:noFill/>
+            <a:ln w="38100">
+              <a:solidFill>
+                <a:srgbClr val="2C3E50"/>
+              </a:solidFill>
+            </a:ln>
+            <a:extLst>
+              <a:ext uri="{909E8E84-426E-40DD-AFC4-6F175D3DCCD1}">
+                <a14:hiddenFill xmlns:a14="http://schemas.microsoft.com/office/drawing/2010/main">
+                  <a:solidFill>
+                    <a:schemeClr val="accent1"/>
+                  </a:solidFill>
+                </a14:hiddenFill>
+              </a:ext>
+            </a:extLst>
+          </p:spPr>
+          <p:style>
+            <a:lnRef idx="2">
+              <a:schemeClr val="accent1">
+                <a:shade val="50000"/>
+              </a:schemeClr>
+            </a:lnRef>
+            <a:fillRef idx="1">
+              <a:schemeClr val="accent1"/>
+            </a:fillRef>
+            <a:effectRef idx="0">
+              <a:schemeClr val="accent1"/>
+            </a:effectRef>
+            <a:fontRef idx="minor">
+              <a:schemeClr val="lt1"/>
+            </a:fontRef>
+          </p:style>
+          <p:txBody>
+            <a:bodyPr rtlCol="0" anchor="t" anchorCtr="false"/>
+            <a:p>
+              <a:pPr algn="ctr"/>
+              <a:r>
+                <a:rPr lang="zh-CN" altLang="en-US" sz="1200" b="1">
+                  <a:solidFill>
+                    <a:srgbClr val="2C3E50"/>
+                  </a:solidFill>
+                </a:rPr>
+                <a:t>struct cgrp_cset_link </a:t>
+              </a:r>
+              <a:endParaRPr lang="zh-CN" altLang="en-US" sz="1200" b="1">
+                <a:solidFill>
+                  <a:srgbClr val="2C3E50"/>
+                </a:solidFill>
+              </a:endParaRPr>
+            </a:p>
+          </p:txBody>
+        </p:sp>
+        <p:sp>
+          <p:nvSpPr>
+            <p:cNvPr id="22" name="矩形 21"/>
+            <p:cNvSpPr/>
+            <p:nvPr/>
+          </p:nvSpPr>
+          <p:spPr>
+            <a:xfrm>
+              <a:off x="6508" y="3502"/>
+              <a:ext cx="2869" cy="407"/>
+            </a:xfrm>
+            <a:prstGeom prst="rect">
+              <a:avLst/>
+            </a:prstGeom>
+            <a:noFill/>
+            <a:ln w="19050">
+              <a:solidFill>
+                <a:srgbClr val="2C3E50"/>
+              </a:solidFill>
+            </a:ln>
+            <a:extLst>
+              <a:ext uri="{909E8E84-426E-40DD-AFC4-6F175D3DCCD1}">
+                <a14:hiddenFill xmlns:a14="http://schemas.microsoft.com/office/drawing/2010/main">
+                  <a:solidFill>
+                    <a:schemeClr val="accent1"/>
+                  </a:solidFill>
+                </a14:hiddenFill>
+              </a:ext>
+            </a:extLst>
+          </p:spPr>
+          <p:style>
+            <a:lnRef idx="2">
+              <a:schemeClr val="accent1">
+                <a:shade val="50000"/>
+              </a:schemeClr>
+            </a:lnRef>
+            <a:fillRef idx="1">
+              <a:schemeClr val="accent1"/>
+            </a:fillRef>
+            <a:effectRef idx="0">
+              <a:schemeClr val="accent1"/>
+            </a:effectRef>
+            <a:fontRef idx="minor">
+              <a:schemeClr val="lt1"/>
+            </a:fontRef>
+          </p:style>
+          <p:txBody>
+            <a:bodyPr rtlCol="0" anchor="ctr" anchorCtr="false"/>
+            <a:p>
+              <a:pPr algn="ctr"/>
+              <a:r>
+                <a:rPr lang="zh-CN" altLang="en-US" sz="800" b="1">
+                  <a:solidFill>
+                    <a:srgbClr val="2C3E50"/>
+                  </a:solidFill>
+                </a:rPr>
+                <a:t>struct css_set	*cset</a:t>
+              </a:r>
+              <a:endParaRPr lang="zh-CN" altLang="en-US" sz="800" b="1">
+                <a:solidFill>
+                  <a:srgbClr val="2C3E50"/>
+                </a:solidFill>
+              </a:endParaRPr>
+            </a:p>
+          </p:txBody>
+        </p:sp>
+        <p:sp>
+          <p:nvSpPr>
+            <p:cNvPr id="24" name="矩形 23"/>
+            <p:cNvSpPr/>
+            <p:nvPr/>
+          </p:nvSpPr>
+          <p:spPr>
+            <a:xfrm>
+              <a:off x="6508" y="3095"/>
+              <a:ext cx="2869" cy="407"/>
+            </a:xfrm>
+            <a:prstGeom prst="rect">
+              <a:avLst/>
+            </a:prstGeom>
+            <a:noFill/>
+            <a:ln w="19050">
+              <a:solidFill>
+                <a:srgbClr val="2C3E50"/>
+              </a:solidFill>
+            </a:ln>
+            <a:extLst>
+              <a:ext uri="{909E8E84-426E-40DD-AFC4-6F175D3DCCD1}">
+                <a14:hiddenFill xmlns:a14="http://schemas.microsoft.com/office/drawing/2010/main">
+                  <a:solidFill>
+                    <a:schemeClr val="accent1"/>
+                  </a:solidFill>
+                </a14:hiddenFill>
+              </a:ext>
+            </a:extLst>
+          </p:spPr>
+          <p:style>
+            <a:lnRef idx="2">
+              <a:schemeClr val="accent1">
+                <a:shade val="50000"/>
+              </a:schemeClr>
+            </a:lnRef>
+            <a:fillRef idx="1">
+              <a:schemeClr val="accent1"/>
+            </a:fillRef>
+            <a:effectRef idx="0">
+              <a:schemeClr val="accent1"/>
+            </a:effectRef>
+            <a:fontRef idx="minor">
+              <a:schemeClr val="lt1"/>
+            </a:fontRef>
+          </p:style>
+          <p:txBody>
+            <a:bodyPr rtlCol="0" anchor="ctr" anchorCtr="false"/>
+            <a:p>
+              <a:pPr algn="ctr"/>
+              <a:r>
+                <a:rPr lang="zh-CN" altLang="en-US" sz="800" b="1">
+                  <a:solidFill>
+                    <a:srgbClr val="2C3E50"/>
+                  </a:solidFill>
+                </a:rPr>
+                <a:t>struct cgroup	*cgrp;</a:t>
+              </a:r>
+              <a:endParaRPr lang="zh-CN" altLang="en-US" sz="800" b="1">
+                <a:solidFill>
+                  <a:srgbClr val="2C3E50"/>
+                </a:solidFill>
+              </a:endParaRPr>
+            </a:p>
+          </p:txBody>
+        </p:sp>
+      </p:grpSp>
+      <p:grpSp>
+        <p:nvGrpSpPr>
+          <p:cNvPr id="28" name="组合 27"/>
+          <p:cNvGrpSpPr/>
+          <p:nvPr/>
+        </p:nvGrpSpPr>
+        <p:grpSpPr>
+          <a:xfrm>
+            <a:off x="7029450" y="509905"/>
+            <a:ext cx="2245360" cy="1104900"/>
+            <a:chOff x="2496" y="2007"/>
+            <a:chExt cx="3536" cy="1740"/>
+          </a:xfrm>
+        </p:grpSpPr>
+        <p:sp>
+          <p:nvSpPr>
+            <p:cNvPr id="11" name="矩形 10"/>
+            <p:cNvSpPr/>
+            <p:nvPr/>
+          </p:nvSpPr>
+          <p:spPr>
+            <a:xfrm>
+              <a:off x="2496" y="2007"/>
+              <a:ext cx="3536" cy="1740"/>
+            </a:xfrm>
+            <a:prstGeom prst="rect">
+              <a:avLst/>
+            </a:prstGeom>
+            <a:noFill/>
+            <a:ln w="38100">
+              <a:solidFill>
+                <a:srgbClr val="2C3E50"/>
+              </a:solidFill>
+            </a:ln>
+            <a:extLst>
+              <a:ext uri="{909E8E84-426E-40DD-AFC4-6F175D3DCCD1}">
+                <a14:hiddenFill xmlns:a14="http://schemas.microsoft.com/office/drawing/2010/main">
+                  <a:solidFill>
+                    <a:schemeClr val="accent1"/>
+                  </a:solidFill>
+                </a14:hiddenFill>
+              </a:ext>
+            </a:extLst>
+          </p:spPr>
+          <p:style>
+            <a:lnRef idx="2">
+              <a:schemeClr val="accent1">
+                <a:shade val="50000"/>
+              </a:schemeClr>
+            </a:lnRef>
+            <a:fillRef idx="1">
+              <a:schemeClr val="accent1"/>
+            </a:fillRef>
+            <a:effectRef idx="0">
+              <a:schemeClr val="accent1"/>
+            </a:effectRef>
+            <a:fontRef idx="minor">
+              <a:schemeClr val="lt1"/>
+            </a:fontRef>
+          </p:style>
+          <p:txBody>
+            <a:bodyPr rtlCol="0" anchor="t" anchorCtr="false"/>
+            <a:p>
+              <a:pPr algn="ctr"/>
+              <a:r>
+                <a:rPr lang="zh-CN" altLang="en-US" sz="1200" b="1">
+                  <a:solidFill>
+                    <a:srgbClr val="2C3E50"/>
+                  </a:solidFill>
+                </a:rPr>
+                <a:t>struct cgroup_subsys </a:t>
+              </a:r>
+              <a:endParaRPr lang="zh-CN" altLang="en-US" sz="1200" b="1">
+                <a:solidFill>
+                  <a:srgbClr val="2C3E50"/>
+                </a:solidFill>
+              </a:endParaRPr>
+            </a:p>
+          </p:txBody>
+        </p:sp>
+        <p:sp>
+          <p:nvSpPr>
+            <p:cNvPr id="25" name="矩形 24"/>
+            <p:cNvSpPr/>
+            <p:nvPr/>
+          </p:nvSpPr>
+          <p:spPr>
+            <a:xfrm>
+              <a:off x="2713" y="3095"/>
+              <a:ext cx="3014" cy="407"/>
+            </a:xfrm>
+            <a:prstGeom prst="rect">
+              <a:avLst/>
+            </a:prstGeom>
+            <a:noFill/>
+            <a:ln w="19050">
+              <a:solidFill>
+                <a:srgbClr val="2C3E50"/>
+              </a:solidFill>
+            </a:ln>
+            <a:extLst>
+              <a:ext uri="{909E8E84-426E-40DD-AFC4-6F175D3DCCD1}">
+                <a14:hiddenFill xmlns:a14="http://schemas.microsoft.com/office/drawing/2010/main">
+                  <a:solidFill>
+                    <a:schemeClr val="accent1"/>
+                  </a:solidFill>
+                </a14:hiddenFill>
+              </a:ext>
+            </a:extLst>
+          </p:spPr>
+          <p:style>
+            <a:lnRef idx="2">
+              <a:schemeClr val="accent1">
+                <a:shade val="50000"/>
+              </a:schemeClr>
+            </a:lnRef>
+            <a:fillRef idx="1">
+              <a:schemeClr val="accent1"/>
+            </a:fillRef>
+            <a:effectRef idx="0">
+              <a:schemeClr val="accent1"/>
+            </a:effectRef>
+            <a:fontRef idx="minor">
+              <a:schemeClr val="lt1"/>
+            </a:fontRef>
+          </p:style>
+          <p:txBody>
+            <a:bodyPr rtlCol="0" anchor="ctr" anchorCtr="false"/>
+            <a:p>
+              <a:pPr algn="ctr"/>
+              <a:r>
+                <a:rPr lang="zh-CN" altLang="en-US" sz="800" b="1">
+                  <a:solidFill>
+                    <a:srgbClr val="2C3E50"/>
+                  </a:solidFill>
+                </a:rPr>
+                <a:t>struct cftype</a:t>
+              </a:r>
+              <a:r>
+                <a:rPr lang="" altLang="zh-CN" sz="800" b="1">
+                  <a:solidFill>
+                    <a:srgbClr val="2C3E50"/>
+                  </a:solidFill>
+                </a:rPr>
+                <a:t> </a:t>
+              </a:r>
+              <a:r>
+                <a:rPr lang="zh-CN" altLang="en-US" sz="800" b="1">
+                  <a:solidFill>
+                    <a:srgbClr val="2C3E50"/>
+                  </a:solidFill>
+                </a:rPr>
+                <a:t>*legacy_cftypes</a:t>
+              </a:r>
+              <a:endParaRPr lang="zh-CN" altLang="en-US" sz="800" b="1">
+                <a:solidFill>
+                  <a:srgbClr val="2C3E50"/>
+                </a:solidFill>
+              </a:endParaRPr>
+            </a:p>
+          </p:txBody>
+        </p:sp>
+        <p:sp>
+          <p:nvSpPr>
+            <p:cNvPr id="26" name="矩形 25"/>
+            <p:cNvSpPr/>
+            <p:nvPr/>
+          </p:nvSpPr>
+          <p:spPr>
+            <a:xfrm>
+              <a:off x="2726" y="2688"/>
+              <a:ext cx="3001" cy="407"/>
+            </a:xfrm>
+            <a:prstGeom prst="rect">
+              <a:avLst/>
+            </a:prstGeom>
+            <a:noFill/>
+            <a:ln w="19050">
+              <a:solidFill>
+                <a:srgbClr val="2C3E50"/>
+              </a:solidFill>
+            </a:ln>
+            <a:extLst>
+              <a:ext uri="{909E8E84-426E-40DD-AFC4-6F175D3DCCD1}">
+                <a14:hiddenFill xmlns:a14="http://schemas.microsoft.com/office/drawing/2010/main">
+                  <a:solidFill>
+                    <a:schemeClr val="accent1"/>
+                  </a:solidFill>
+                </a14:hiddenFill>
+              </a:ext>
+            </a:extLst>
+          </p:spPr>
+          <p:style>
+            <a:lnRef idx="2">
+              <a:schemeClr val="accent1">
+                <a:shade val="50000"/>
+              </a:schemeClr>
+            </a:lnRef>
+            <a:fillRef idx="1">
+              <a:schemeClr val="accent1"/>
+            </a:fillRef>
+            <a:effectRef idx="0">
+              <a:schemeClr val="accent1"/>
+            </a:effectRef>
+            <a:fontRef idx="minor">
+              <a:schemeClr val="lt1"/>
+            </a:fontRef>
+          </p:style>
+          <p:txBody>
+            <a:bodyPr rtlCol="0" anchor="ctr" anchorCtr="false"/>
+            <a:p>
+              <a:pPr algn="ctr"/>
+              <a:r>
+                <a:rPr lang="zh-CN" altLang="en-US" sz="800" b="1">
+                  <a:solidFill>
+                    <a:srgbClr val="2C3E50"/>
+                  </a:solidFill>
+                </a:rPr>
+                <a:t>struct cftype *dfl_cftypes</a:t>
+              </a:r>
+              <a:endParaRPr lang="zh-CN" altLang="en-US" sz="800" b="1">
+                <a:solidFill>
+                  <a:srgbClr val="2C3E50"/>
+                </a:solidFill>
+              </a:endParaRPr>
+            </a:p>
+          </p:txBody>
+        </p:sp>
+      </p:grpSp>
+      <p:cxnSp>
+        <p:nvCxnSpPr>
+          <p:cNvPr id="36" name="肘形连接符 35"/>
+          <p:cNvCxnSpPr>
+            <a:stCxn id="7" idx="2"/>
+            <a:endCxn id="6" idx="0"/>
+          </p:cNvCxnSpPr>
+          <p:nvPr/>
+        </p:nvCxnSpPr>
+        <p:spPr>
+          <a:xfrm rot="5400000" flipV="true">
+            <a:off x="616268" y="2048828"/>
+            <a:ext cx="2051050" cy="356235"/>
+          </a:xfrm>
+          <a:prstGeom prst="bentConnector3">
+            <a:avLst>
+              <a:gd name="adj1" fmla="val 49985"/>
+            </a:avLst>
+          </a:prstGeom>
+          <a:ln w="38100">
+            <a:solidFill>
+              <a:srgbClr val="3EAF7C"/>
+            </a:solidFill>
+            <a:tailEnd type="arrow"/>
+          </a:ln>
+        </p:spPr>
+        <p:style>
+          <a:lnRef idx="1">
+            <a:schemeClr val="accent1"/>
+          </a:lnRef>
+          <a:fillRef idx="0">
+            <a:schemeClr val="accent1"/>
+          </a:fillRef>
+          <a:effectRef idx="0">
+            <a:schemeClr val="accent1"/>
+          </a:effectRef>
+          <a:fontRef idx="minor">
+            <a:schemeClr val="tx1"/>
+          </a:fontRef>
+        </p:style>
+      </p:cxnSp>
+      <p:cxnSp>
+        <p:nvCxnSpPr>
+          <p:cNvPr id="37" name="肘形连接符 36"/>
+          <p:cNvCxnSpPr>
+            <a:stCxn id="15" idx="3"/>
+            <a:endCxn id="10" idx="1"/>
+          </p:cNvCxnSpPr>
+          <p:nvPr/>
+        </p:nvCxnSpPr>
+        <p:spPr>
+          <a:xfrm flipV="true">
+            <a:off x="2971800" y="3136900"/>
+            <a:ext cx="1341120" cy="694690"/>
+          </a:xfrm>
+          <a:prstGeom prst="bentConnector3">
+            <a:avLst>
+              <a:gd name="adj1" fmla="val 50000"/>
+            </a:avLst>
+          </a:prstGeom>
+          <a:ln w="38100">
+            <a:solidFill>
+              <a:srgbClr val="3EAF7C"/>
+            </a:solidFill>
+            <a:tailEnd type="arrow"/>
+          </a:ln>
+        </p:spPr>
+        <p:style>
+          <a:lnRef idx="1">
+            <a:schemeClr val="accent1"/>
+          </a:lnRef>
+          <a:fillRef idx="0">
+            <a:schemeClr val="accent1"/>
+          </a:fillRef>
+          <a:effectRef idx="0">
+            <a:schemeClr val="accent1"/>
+          </a:effectRef>
+          <a:fontRef idx="minor">
+            <a:schemeClr val="tx1"/>
+          </a:fontRef>
+        </p:style>
+      </p:cxnSp>
+      <p:cxnSp>
+        <p:nvCxnSpPr>
+          <p:cNvPr id="38" name="肘形连接符 37"/>
+          <p:cNvCxnSpPr>
+            <a:stCxn id="14" idx="3"/>
+            <a:endCxn id="9" idx="1"/>
+          </p:cNvCxnSpPr>
+          <p:nvPr/>
+        </p:nvCxnSpPr>
+        <p:spPr>
+          <a:xfrm>
+            <a:off x="6626860" y="3040380"/>
+            <a:ext cx="1838960" cy="1129665"/>
+          </a:xfrm>
+          <a:prstGeom prst="bentConnector3">
+            <a:avLst>
+              <a:gd name="adj1" fmla="val 50000"/>
+            </a:avLst>
+          </a:prstGeom>
+          <a:ln w="38100">
+            <a:solidFill>
+              <a:srgbClr val="3EAF7C"/>
+            </a:solidFill>
+            <a:tailEnd type="arrow"/>
+          </a:ln>
+        </p:spPr>
+        <p:style>
+          <a:lnRef idx="1">
+            <a:schemeClr val="accent1"/>
+          </a:lnRef>
+          <a:fillRef idx="0">
+            <a:schemeClr val="accent1"/>
+          </a:fillRef>
+          <a:effectRef idx="0">
+            <a:schemeClr val="accent1"/>
+          </a:effectRef>
+          <a:fontRef idx="minor">
+            <a:schemeClr val="tx1"/>
+          </a:fontRef>
+        </p:style>
+      </p:cxnSp>
+      <p:cxnSp>
+        <p:nvCxnSpPr>
+          <p:cNvPr id="39" name="肘形连接符 38"/>
+          <p:cNvCxnSpPr>
+            <a:stCxn id="13" idx="3"/>
+            <a:endCxn id="11" idx="2"/>
+          </p:cNvCxnSpPr>
+          <p:nvPr/>
+        </p:nvCxnSpPr>
+        <p:spPr>
+          <a:xfrm flipV="true">
+            <a:off x="6627495" y="1614805"/>
+            <a:ext cx="1524635" cy="1684020"/>
+          </a:xfrm>
+          <a:prstGeom prst="bentConnector2">
+            <a:avLst/>
+          </a:prstGeom>
+          <a:ln w="38100">
+            <a:solidFill>
+              <a:srgbClr val="3EAF7C"/>
+            </a:solidFill>
+            <a:tailEnd type="arrow"/>
+          </a:ln>
+        </p:spPr>
+        <p:style>
+          <a:lnRef idx="1">
+            <a:schemeClr val="accent1"/>
+          </a:lnRef>
+          <a:fillRef idx="0">
+            <a:schemeClr val="accent1"/>
+          </a:fillRef>
+          <a:effectRef idx="0">
+            <a:schemeClr val="accent1"/>
+          </a:effectRef>
+          <a:fontRef idx="minor">
+            <a:schemeClr val="tx1"/>
+          </a:fontRef>
+        </p:style>
+      </p:cxnSp>
+      <p:cxnSp>
+        <p:nvCxnSpPr>
+          <p:cNvPr id="40" name="肘形连接符 39"/>
+          <p:cNvCxnSpPr>
+            <a:stCxn id="26" idx="1"/>
+            <a:endCxn id="5" idx="3"/>
+          </p:cNvCxnSpPr>
+          <p:nvPr/>
+        </p:nvCxnSpPr>
+        <p:spPr>
+          <a:xfrm rot="10800000">
+            <a:off x="6426835" y="896620"/>
+            <a:ext cx="748665" cy="175260"/>
+          </a:xfrm>
+          <a:prstGeom prst="bentConnector3">
+            <a:avLst>
+              <a:gd name="adj1" fmla="val 49958"/>
+            </a:avLst>
+          </a:prstGeom>
+          <a:ln w="38100">
+            <a:solidFill>
+              <a:srgbClr val="3EAF7C"/>
+            </a:solidFill>
+            <a:tailEnd type="arrow"/>
+          </a:ln>
+        </p:spPr>
+        <p:style>
+          <a:lnRef idx="1">
+            <a:schemeClr val="accent1"/>
+          </a:lnRef>
+          <a:fillRef idx="0">
+            <a:schemeClr val="accent1"/>
+          </a:fillRef>
+          <a:effectRef idx="0">
+            <a:schemeClr val="accent1"/>
+          </a:effectRef>
+          <a:fontRef idx="minor">
+            <a:schemeClr val="tx1"/>
+          </a:fontRef>
+        </p:style>
+      </p:cxnSp>
+      <p:cxnSp>
+        <p:nvCxnSpPr>
+          <p:cNvPr id="41" name="肘形连接符 40"/>
+          <p:cNvCxnSpPr>
+            <a:stCxn id="12" idx="3"/>
+            <a:endCxn id="10" idx="0"/>
+          </p:cNvCxnSpPr>
+          <p:nvPr/>
+        </p:nvCxnSpPr>
+        <p:spPr>
+          <a:xfrm flipH="true" flipV="true">
+            <a:off x="5655310" y="2505075"/>
+            <a:ext cx="5495290" cy="1263650"/>
+          </a:xfrm>
+          <a:prstGeom prst="bentConnector4">
+            <a:avLst>
+              <a:gd name="adj1" fmla="val -4333"/>
+              <a:gd name="adj2" fmla="val 118844"/>
+            </a:avLst>
+          </a:prstGeom>
+          <a:ln w="38100">
+            <a:solidFill>
+              <a:srgbClr val="3EAF7C"/>
+            </a:solidFill>
+            <a:tailEnd type="arrow"/>
+          </a:ln>
+        </p:spPr>
+        <p:style>
+          <a:lnRef idx="1">
+            <a:schemeClr val="accent1"/>
+          </a:lnRef>
+          <a:fillRef idx="0">
+            <a:schemeClr val="accent1"/>
+          </a:fillRef>
+          <a:effectRef idx="0">
+            <a:schemeClr val="accent1"/>
+          </a:effectRef>
+          <a:fontRef idx="minor">
+            <a:schemeClr val="tx1"/>
+          </a:fontRef>
+        </p:style>
+      </p:cxnSp>
+      <p:grpSp>
+        <p:nvGrpSpPr>
+          <p:cNvPr id="44" name="组合 43"/>
+          <p:cNvGrpSpPr/>
+          <p:nvPr/>
+        </p:nvGrpSpPr>
+        <p:grpSpPr>
+          <a:xfrm>
+            <a:off x="8465820" y="3293110"/>
+            <a:ext cx="3055620" cy="1753870"/>
+            <a:chOff x="13332" y="5186"/>
+            <a:chExt cx="4812" cy="2762"/>
+          </a:xfrm>
+        </p:grpSpPr>
+        <p:sp>
+          <p:nvSpPr>
+            <p:cNvPr id="9" name="矩形 8"/>
+            <p:cNvSpPr/>
+            <p:nvPr/>
+          </p:nvSpPr>
+          <p:spPr>
+            <a:xfrm>
+              <a:off x="13332" y="5186"/>
+              <a:ext cx="4812" cy="2762"/>
+            </a:xfrm>
+            <a:prstGeom prst="rect">
+              <a:avLst/>
+            </a:prstGeom>
+            <a:noFill/>
+            <a:ln w="38100">
+              <a:solidFill>
+                <a:srgbClr val="2C3E50"/>
+              </a:solidFill>
+            </a:ln>
+            <a:extLst>
+              <a:ext uri="{909E8E84-426E-40DD-AFC4-6F175D3DCCD1}">
+                <a14:hiddenFill xmlns:a14="http://schemas.microsoft.com/office/drawing/2010/main">
+                  <a:solidFill>
+                    <a:schemeClr val="accent1"/>
+                  </a:solidFill>
+                </a14:hiddenFill>
+              </a:ext>
+            </a:extLst>
+          </p:spPr>
+          <p:style>
+            <a:lnRef idx="2">
+              <a:schemeClr val="accent1">
+                <a:shade val="50000"/>
+              </a:schemeClr>
+            </a:lnRef>
+            <a:fillRef idx="1">
+              <a:schemeClr val="accent1"/>
+            </a:fillRef>
+            <a:effectRef idx="0">
+              <a:schemeClr val="accent1"/>
+            </a:effectRef>
+            <a:fontRef idx="minor">
+              <a:schemeClr val="lt1"/>
+            </a:fontRef>
+          </p:style>
+          <p:txBody>
+            <a:bodyPr rtlCol="0" anchor="t" anchorCtr="false"/>
+            <a:p>
+              <a:pPr algn="ctr"/>
+              <a:r>
+                <a:rPr lang="zh-CN" altLang="en-US" sz="1200" b="1">
+                  <a:solidFill>
+                    <a:srgbClr val="2C3E50"/>
+                  </a:solidFill>
+                </a:rPr>
+                <a:t>struct cgroup </a:t>
+              </a:r>
+              <a:endParaRPr lang="zh-CN" altLang="en-US" sz="1200" b="1">
+                <a:solidFill>
+                  <a:srgbClr val="2C3E50"/>
+                </a:solidFill>
+              </a:endParaRPr>
+            </a:p>
+          </p:txBody>
+        </p:sp>
+        <p:sp>
+          <p:nvSpPr>
+            <p:cNvPr id="8" name="矩形 7"/>
+            <p:cNvSpPr/>
+            <p:nvPr/>
+          </p:nvSpPr>
+          <p:spPr>
+            <a:xfrm>
+              <a:off x="13916" y="6138"/>
+              <a:ext cx="3645" cy="533"/>
+            </a:xfrm>
+            <a:prstGeom prst="rect">
+              <a:avLst/>
+            </a:prstGeom>
+            <a:noFill/>
+            <a:ln w="19050">
+              <a:solidFill>
+                <a:srgbClr val="2C3E50"/>
+              </a:solidFill>
+            </a:ln>
+            <a:extLst>
+              <a:ext uri="{909E8E84-426E-40DD-AFC4-6F175D3DCCD1}">
+                <a14:hiddenFill xmlns:a14="http://schemas.microsoft.com/office/drawing/2010/main">
+                  <a:solidFill>
+                    <a:schemeClr val="accent1"/>
+                  </a:solidFill>
+                </a14:hiddenFill>
+              </a:ext>
+            </a:extLst>
+          </p:spPr>
+          <p:style>
+            <a:lnRef idx="2">
+              <a:schemeClr val="accent1">
+                <a:shade val="50000"/>
+              </a:schemeClr>
+            </a:lnRef>
+            <a:fillRef idx="1">
+              <a:schemeClr val="accent1"/>
+            </a:fillRef>
+            <a:effectRef idx="0">
+              <a:schemeClr val="accent1"/>
+            </a:effectRef>
+            <a:fontRef idx="minor">
+              <a:schemeClr val="lt1"/>
+            </a:fontRef>
+          </p:style>
+          <p:txBody>
+            <a:bodyPr rtlCol="0" anchor="ctr" anchorCtr="false"/>
+            <a:p>
+              <a:pPr algn="ctr"/>
+              <a:r>
+                <a:rPr lang="zh-CN" altLang="en-US" sz="800" b="1">
+                  <a:solidFill>
+                    <a:srgbClr val="2C3E50"/>
+                  </a:solidFill>
+                </a:rPr>
+                <a:t>struct cgroup_subsys_state __rcu *subsys[CGROUP_SUBSYS_COUNT];</a:t>
+              </a:r>
+              <a:endParaRPr lang="zh-CN" altLang="en-US" sz="800" b="1">
+                <a:solidFill>
+                  <a:srgbClr val="2C3E50"/>
+                </a:solidFill>
+              </a:endParaRPr>
+            </a:p>
+          </p:txBody>
+        </p:sp>
+        <p:sp>
+          <p:nvSpPr>
+            <p:cNvPr id="12" name="矩形 11"/>
+            <p:cNvSpPr/>
+            <p:nvPr/>
+          </p:nvSpPr>
+          <p:spPr>
+            <a:xfrm>
+              <a:off x="13916" y="5731"/>
+              <a:ext cx="3644" cy="407"/>
+            </a:xfrm>
+            <a:prstGeom prst="rect">
+              <a:avLst/>
+            </a:prstGeom>
+            <a:noFill/>
+            <a:ln w="19050">
+              <a:solidFill>
+                <a:srgbClr val="2C3E50"/>
+              </a:solidFill>
+            </a:ln>
+            <a:extLst>
+              <a:ext uri="{909E8E84-426E-40DD-AFC4-6F175D3DCCD1}">
+                <a14:hiddenFill xmlns:a14="http://schemas.microsoft.com/office/drawing/2010/main">
+                  <a:solidFill>
+                    <a:schemeClr val="accent1"/>
+                  </a:solidFill>
+                </a14:hiddenFill>
+              </a:ext>
+            </a:extLst>
+          </p:spPr>
+          <p:style>
+            <a:lnRef idx="2">
+              <a:schemeClr val="accent1">
+                <a:shade val="50000"/>
+              </a:schemeClr>
+            </a:lnRef>
+            <a:fillRef idx="1">
+              <a:schemeClr val="accent1"/>
+            </a:fillRef>
+            <a:effectRef idx="0">
+              <a:schemeClr val="accent1"/>
+            </a:effectRef>
+            <a:fontRef idx="minor">
+              <a:schemeClr val="lt1"/>
+            </a:fontRef>
+          </p:style>
+          <p:txBody>
+            <a:bodyPr rtlCol="0" anchor="ctr" anchorCtr="false"/>
+            <a:p>
+              <a:pPr algn="ctr"/>
+              <a:r>
+                <a:rPr lang="zh-CN" altLang="en-US" sz="800" b="1">
+                  <a:solidFill>
+                    <a:srgbClr val="2C3E50"/>
+                  </a:solidFill>
+                </a:rPr>
+                <a:t>struct cgroup_subsys_state self;</a:t>
+              </a:r>
+              <a:endParaRPr lang="zh-CN" altLang="en-US" sz="800" b="1">
+                <a:solidFill>
+                  <a:srgbClr val="2C3E50"/>
+                </a:solidFill>
+              </a:endParaRPr>
+            </a:p>
+          </p:txBody>
+        </p:sp>
+        <p:sp>
+          <p:nvSpPr>
+            <p:cNvPr id="43" name="矩形 42"/>
+            <p:cNvSpPr/>
+            <p:nvPr/>
+          </p:nvSpPr>
+          <p:spPr>
+            <a:xfrm>
+              <a:off x="13916" y="6674"/>
+              <a:ext cx="3644" cy="407"/>
+            </a:xfrm>
+            <a:prstGeom prst="rect">
+              <a:avLst/>
+            </a:prstGeom>
+            <a:noFill/>
+            <a:ln w="19050">
+              <a:solidFill>
+                <a:srgbClr val="2C3E50"/>
+              </a:solidFill>
+            </a:ln>
+            <a:extLst>
+              <a:ext uri="{909E8E84-426E-40DD-AFC4-6F175D3DCCD1}">
+                <a14:hiddenFill xmlns:a14="http://schemas.microsoft.com/office/drawing/2010/main">
+                  <a:solidFill>
+                    <a:schemeClr val="accent1"/>
+                  </a:solidFill>
+                </a14:hiddenFill>
+              </a:ext>
+            </a:extLst>
+          </p:spPr>
+          <p:style>
+            <a:lnRef idx="2">
+              <a:schemeClr val="accent1">
+                <a:shade val="50000"/>
+              </a:schemeClr>
+            </a:lnRef>
+            <a:fillRef idx="1">
+              <a:schemeClr val="accent1"/>
+            </a:fillRef>
+            <a:effectRef idx="0">
+              <a:schemeClr val="accent1"/>
+            </a:effectRef>
+            <a:fontRef idx="minor">
+              <a:schemeClr val="lt1"/>
+            </a:fontRef>
+          </p:style>
+          <p:txBody>
+            <a:bodyPr rtlCol="0" anchor="ctr" anchorCtr="false"/>
+            <a:p>
+              <a:pPr algn="ctr"/>
+              <a:r>
+                <a:rPr lang="zh-CN" altLang="en-US" sz="800" b="1">
+                  <a:solidFill>
+                    <a:srgbClr val="2C3E50"/>
+                  </a:solidFill>
+                </a:rPr>
+                <a:t>struct list_head cset_links;</a:t>
+              </a:r>
+              <a:endParaRPr lang="zh-CN" altLang="en-US" sz="800" b="1">
+                <a:solidFill>
+                  <a:srgbClr val="2C3E50"/>
+                </a:solidFill>
+              </a:endParaRPr>
+            </a:p>
+          </p:txBody>
+        </p:sp>
+      </p:grpSp>
+      <p:cxnSp>
+        <p:nvCxnSpPr>
+          <p:cNvPr id="45" name="肘形连接符 44"/>
+          <p:cNvCxnSpPr>
+            <a:stCxn id="43" idx="1"/>
+            <a:endCxn id="16" idx="0"/>
+          </p:cNvCxnSpPr>
+          <p:nvPr/>
+        </p:nvCxnSpPr>
+        <p:spPr>
+          <a:xfrm rot="10800000" flipV="true">
+            <a:off x="5434330" y="4367530"/>
+            <a:ext cx="3402330" cy="480060"/>
+          </a:xfrm>
+          <a:prstGeom prst="bentConnector2">
+            <a:avLst/>
+          </a:prstGeom>
+          <a:ln w="38100">
+            <a:solidFill>
+              <a:srgbClr val="3EAF7C"/>
+            </a:solidFill>
+            <a:tailEnd type="arrow"/>
+          </a:ln>
+        </p:spPr>
+        <p:style>
+          <a:lnRef idx="1">
+            <a:schemeClr val="accent1"/>
+          </a:lnRef>
+          <a:fillRef idx="0">
+            <a:schemeClr val="accent1"/>
+          </a:fillRef>
+          <a:effectRef idx="0">
+            <a:schemeClr val="accent1"/>
+          </a:effectRef>
+          <a:fontRef idx="minor">
+            <a:schemeClr val="tx1"/>
+          </a:fontRef>
+        </p:style>
+      </p:cxnSp>
+      <p:cxnSp>
+        <p:nvCxnSpPr>
+          <p:cNvPr id="46" name="肘形连接符 45"/>
+          <p:cNvCxnSpPr>
+            <a:stCxn id="24" idx="3"/>
+            <a:endCxn id="9" idx="2"/>
+          </p:cNvCxnSpPr>
+          <p:nvPr/>
+        </p:nvCxnSpPr>
+        <p:spPr>
+          <a:xfrm flipV="true">
+            <a:off x="6344920" y="5046980"/>
+            <a:ext cx="3648710" cy="328930"/>
+          </a:xfrm>
+          <a:prstGeom prst="bentConnector2">
+            <a:avLst/>
+          </a:prstGeom>
+          <a:ln w="38100">
+            <a:solidFill>
+              <a:srgbClr val="3EAF7C"/>
+            </a:solidFill>
+            <a:tailEnd type="arrow"/>
+          </a:ln>
+        </p:spPr>
+        <p:style>
+          <a:lnRef idx="1">
+            <a:schemeClr val="accent1"/>
+          </a:lnRef>
+          <a:fillRef idx="0">
+            <a:schemeClr val="accent1"/>
+          </a:fillRef>
+          <a:effectRef idx="0">
+            <a:schemeClr val="accent1"/>
+          </a:effectRef>
+          <a:fontRef idx="minor">
+            <a:schemeClr val="tx1"/>
+          </a:fontRef>
+        </p:style>
+      </p:cxnSp>
+      <p:cxnSp>
+        <p:nvCxnSpPr>
+          <p:cNvPr id="47" name="肘形连接符 46"/>
+          <p:cNvCxnSpPr>
+            <a:stCxn id="22" idx="1"/>
+            <a:endCxn id="6" idx="2"/>
+          </p:cNvCxnSpPr>
+          <p:nvPr/>
+        </p:nvCxnSpPr>
+        <p:spPr>
+          <a:xfrm rot="10800000">
+            <a:off x="1819910" y="4496435"/>
+            <a:ext cx="2703195" cy="1137920"/>
+          </a:xfrm>
+          <a:prstGeom prst="bentConnector2">
+            <a:avLst/>
+          </a:prstGeom>
+          <a:ln w="38100">
+            <a:solidFill>
+              <a:srgbClr val="3EAF7C"/>
+            </a:solidFill>
+            <a:tailEnd type="arrow"/>
+          </a:ln>
+        </p:spPr>
+        <p:style>
+          <a:lnRef idx="1">
+            <a:schemeClr val="accent1"/>
+          </a:lnRef>
+          <a:fillRef idx="0">
+            <a:schemeClr val="accent1"/>
+          </a:fillRef>
+          <a:effectRef idx="0">
+            <a:schemeClr val="accent1"/>
+          </a:effectRef>
+          <a:fontRef idx="minor">
+            <a:schemeClr val="tx1"/>
+          </a:fontRef>
+        </p:style>
+      </p:cxnSp>
+      <p:sp>
+        <p:nvSpPr>
+          <p:cNvPr id="48" name="矩形 47"/>
+          <p:cNvSpPr/>
+          <p:nvPr/>
+        </p:nvSpPr>
+        <p:spPr>
+          <a:xfrm>
+            <a:off x="650875" y="4002405"/>
+            <a:ext cx="2320925" cy="258445"/>
+          </a:xfrm>
+          <a:prstGeom prst="rect">
+            <a:avLst/>
+          </a:prstGeom>
+          <a:noFill/>
+          <a:ln w="19050">
+            <a:solidFill>
+              <a:srgbClr val="2C3E50"/>
+            </a:solidFill>
+          </a:ln>
+          <a:extLst>
+            <a:ext uri="{909E8E84-426E-40DD-AFC4-6F175D3DCCD1}">
+              <a14:hiddenFill xmlns:a14="http://schemas.microsoft.com/office/drawing/2010/main">
+                <a:solidFill>
+                  <a:schemeClr val="accent1"/>
+                </a:solidFill>
+              </a14:hiddenFill>
+            </a:ext>
+          </a:extLst>
+        </p:spPr>
+        <p:style>
+          <a:lnRef idx="2">
+            <a:schemeClr val="accent1">
+              <a:shade val="50000"/>
+            </a:schemeClr>
+          </a:lnRef>
+          <a:fillRef idx="1">
+            <a:schemeClr val="accent1"/>
+          </a:fillRef>
+          <a:effectRef idx="0">
+            <a:schemeClr val="accent1"/>
+          </a:effectRef>
+          <a:fontRef idx="minor">
+            <a:schemeClr val="lt1"/>
+          </a:fontRef>
+        </p:style>
+        <p:txBody>
+          <a:bodyPr rtlCol="0" anchor="ctr" anchorCtr="false"/>
+          <a:p>
+            <a:pPr algn="ctr"/>
+            <a:r>
+              <a:rPr lang="zh-CN" altLang="en-US" sz="800" b="1">
+                <a:solidFill>
+                  <a:srgbClr val="2C3E50"/>
+                </a:solidFill>
+              </a:rPr>
+              <a:t>struct list_head cgrp_links;</a:t>
+            </a:r>
+            <a:endParaRPr lang="zh-CN" altLang="en-US" sz="800" b="1">
+              <a:solidFill>
+                <a:srgbClr val="2C3E50"/>
+              </a:solidFill>
+            </a:endParaRPr>
+          </a:p>
+        </p:txBody>
+      </p:sp>
+      <p:cxnSp>
+        <p:nvCxnSpPr>
+          <p:cNvPr id="49" name="肘形连接符 48"/>
+          <p:cNvCxnSpPr>
+            <a:stCxn id="48" idx="3"/>
+            <a:endCxn id="16" idx="0"/>
+          </p:cNvCxnSpPr>
+          <p:nvPr/>
+        </p:nvCxnSpPr>
+        <p:spPr>
+          <a:xfrm>
+            <a:off x="2971800" y="4131945"/>
+            <a:ext cx="2462530" cy="715645"/>
+          </a:xfrm>
+          <a:prstGeom prst="bentConnector2">
+            <a:avLst/>
+          </a:prstGeom>
+          <a:ln w="38100">
+            <a:solidFill>
+              <a:srgbClr val="3EAF7C"/>
+            </a:solidFill>
+            <a:tailEnd type="arrow"/>
+          </a:ln>
+        </p:spPr>
+        <p:style>
+          <a:lnRef idx="1">
+            <a:schemeClr val="accent1"/>
+          </a:lnRef>
+          <a:fillRef idx="0">
+            <a:schemeClr val="accent1"/>
+          </a:fillRef>
+          <a:effectRef idx="0">
+            <a:schemeClr val="accent1"/>
+          </a:effectRef>
+          <a:fontRef idx="minor">
+            <a:schemeClr val="tx1"/>
+          </a:fontRef>
+        </p:style>
+      </p:cxnSp>
     </p:spTree>
   </p:cSld>
   <p:clrMapOvr>
@@ -3657,6 +9051,549 @@
         <p:nvPr/>
       </p:nvGrpSpPr>
       <p:grpSpPr/>
+      <p:sp>
+        <p:nvSpPr>
+          <p:cNvPr id="4" name="矩形 3"/>
+          <p:cNvSpPr/>
+          <p:nvPr/>
+        </p:nvSpPr>
+        <p:spPr>
+          <a:xfrm>
+            <a:off x="1268730" y="261620"/>
+            <a:ext cx="2113915" cy="450215"/>
+          </a:xfrm>
+          <a:prstGeom prst="rect">
+            <a:avLst/>
+          </a:prstGeom>
+          <a:noFill/>
+          <a:ln w="38100">
+            <a:solidFill>
+              <a:srgbClr val="2C3E50"/>
+            </a:solidFill>
+          </a:ln>
+          <a:extLst>
+            <a:ext uri="{909E8E84-426E-40DD-AFC4-6F175D3DCCD1}">
+              <a14:hiddenFill xmlns:a14="http://schemas.microsoft.com/office/drawing/2010/main">
+                <a:solidFill>
+                  <a:schemeClr val="accent1"/>
+                </a:solidFill>
+              </a14:hiddenFill>
+            </a:ext>
+          </a:extLst>
+        </p:spPr>
+        <p:style>
+          <a:lnRef idx="2">
+            <a:schemeClr val="accent1">
+              <a:shade val="50000"/>
+            </a:schemeClr>
+          </a:lnRef>
+          <a:fillRef idx="1">
+            <a:schemeClr val="accent1"/>
+          </a:fillRef>
+          <a:effectRef idx="0">
+            <a:schemeClr val="accent1"/>
+          </a:effectRef>
+          <a:fontRef idx="minor">
+            <a:schemeClr val="lt1"/>
+          </a:fontRef>
+        </p:style>
+        <p:txBody>
+          <a:bodyPr rtlCol="0" anchor="t" anchorCtr="false"/>
+          <a:p>
+            <a:pPr algn="ctr"/>
+            <a:endParaRPr lang="zh-CN" altLang="en-US" sz="1200" b="1">
+              <a:solidFill>
+                <a:srgbClr val="2C3E50"/>
+              </a:solidFill>
+            </a:endParaRPr>
+          </a:p>
+        </p:txBody>
+      </p:sp>
+      <p:sp>
+        <p:nvSpPr>
+          <p:cNvPr id="2" name="矩形 1"/>
+          <p:cNvSpPr/>
+          <p:nvPr/>
+        </p:nvSpPr>
+        <p:spPr>
+          <a:xfrm>
+            <a:off x="4591685" y="2136775"/>
+            <a:ext cx="1821815" cy="258445"/>
+          </a:xfrm>
+          <a:prstGeom prst="rect">
+            <a:avLst/>
+          </a:prstGeom>
+          <a:noFill/>
+          <a:ln w="19050">
+            <a:solidFill>
+              <a:srgbClr val="2C3E50"/>
+            </a:solidFill>
+          </a:ln>
+          <a:extLst>
+            <a:ext uri="{909E8E84-426E-40DD-AFC4-6F175D3DCCD1}">
+              <a14:hiddenFill xmlns:a14="http://schemas.microsoft.com/office/drawing/2010/main">
+                <a:solidFill>
+                  <a:schemeClr val="accent1"/>
+                </a:solidFill>
+              </a14:hiddenFill>
+            </a:ext>
+          </a:extLst>
+        </p:spPr>
+        <p:style>
+          <a:lnRef idx="2">
+            <a:schemeClr val="accent1">
+              <a:shade val="50000"/>
+            </a:schemeClr>
+          </a:lnRef>
+          <a:fillRef idx="1">
+            <a:schemeClr val="accent1"/>
+          </a:fillRef>
+          <a:effectRef idx="0">
+            <a:schemeClr val="accent1"/>
+          </a:effectRef>
+          <a:fontRef idx="minor">
+            <a:schemeClr val="lt1"/>
+          </a:fontRef>
+        </p:style>
+        <p:txBody>
+          <a:bodyPr rtlCol="0" anchor="ctr" anchorCtr="false"/>
+          <a:p>
+            <a:pPr algn="ctr"/>
+            <a:r>
+              <a:rPr lang="zh-CN" altLang="en-US" sz="800" b="1">
+                <a:solidFill>
+                  <a:srgbClr val="2C3E50"/>
+                </a:solidFill>
+              </a:rPr>
+              <a:t>struct list_head cgrp_links;</a:t>
+            </a:r>
+            <a:endParaRPr lang="zh-CN" altLang="en-US" sz="800" b="1">
+              <a:solidFill>
+                <a:srgbClr val="2C3E50"/>
+              </a:solidFill>
+            </a:endParaRPr>
+          </a:p>
+        </p:txBody>
+      </p:sp>
+      <p:sp>
+        <p:nvSpPr>
+          <p:cNvPr id="17" name="矩形 16"/>
+          <p:cNvSpPr/>
+          <p:nvPr/>
+        </p:nvSpPr>
+        <p:spPr>
+          <a:xfrm>
+            <a:off x="1395730" y="388620"/>
+            <a:ext cx="2113915" cy="450215"/>
+          </a:xfrm>
+          <a:prstGeom prst="rect">
+            <a:avLst/>
+          </a:prstGeom>
+          <a:noFill/>
+          <a:ln w="38100">
+            <a:solidFill>
+              <a:srgbClr val="2C3E50"/>
+            </a:solidFill>
+          </a:ln>
+          <a:extLst>
+            <a:ext uri="{909E8E84-426E-40DD-AFC4-6F175D3DCCD1}">
+              <a14:hiddenFill xmlns:a14="http://schemas.microsoft.com/office/drawing/2010/main">
+                <a:solidFill>
+                  <a:schemeClr val="accent1"/>
+                </a:solidFill>
+              </a14:hiddenFill>
+            </a:ext>
+          </a:extLst>
+        </p:spPr>
+        <p:style>
+          <a:lnRef idx="2">
+            <a:schemeClr val="accent1">
+              <a:shade val="50000"/>
+            </a:schemeClr>
+          </a:lnRef>
+          <a:fillRef idx="1">
+            <a:schemeClr val="accent1"/>
+          </a:fillRef>
+          <a:effectRef idx="0">
+            <a:schemeClr val="accent1"/>
+          </a:effectRef>
+          <a:fontRef idx="minor">
+            <a:schemeClr val="lt1"/>
+          </a:fontRef>
+        </p:style>
+        <p:txBody>
+          <a:bodyPr rtlCol="0" anchor="t" anchorCtr="false"/>
+          <a:p>
+            <a:pPr algn="ctr"/>
+            <a:endParaRPr lang="zh-CN" altLang="en-US" sz="1200" b="1">
+              <a:solidFill>
+                <a:srgbClr val="2C3E50"/>
+              </a:solidFill>
+            </a:endParaRPr>
+          </a:p>
+        </p:txBody>
+      </p:sp>
+      <p:sp>
+        <p:nvSpPr>
+          <p:cNvPr id="19" name="矩形 18"/>
+          <p:cNvSpPr/>
+          <p:nvPr/>
+        </p:nvSpPr>
+        <p:spPr>
+          <a:xfrm>
+            <a:off x="1522730" y="515620"/>
+            <a:ext cx="2113915" cy="450215"/>
+          </a:xfrm>
+          <a:prstGeom prst="rect">
+            <a:avLst/>
+          </a:prstGeom>
+          <a:noFill/>
+          <a:ln w="38100">
+            <a:solidFill>
+              <a:srgbClr val="2C3E50"/>
+            </a:solidFill>
+          </a:ln>
+          <a:extLst>
+            <a:ext uri="{909E8E84-426E-40DD-AFC4-6F175D3DCCD1}">
+              <a14:hiddenFill xmlns:a14="http://schemas.microsoft.com/office/drawing/2010/main">
+                <a:solidFill>
+                  <a:schemeClr val="accent1"/>
+                </a:solidFill>
+              </a14:hiddenFill>
+            </a:ext>
+          </a:extLst>
+        </p:spPr>
+        <p:style>
+          <a:lnRef idx="2">
+            <a:schemeClr val="accent1">
+              <a:shade val="50000"/>
+            </a:schemeClr>
+          </a:lnRef>
+          <a:fillRef idx="1">
+            <a:schemeClr val="accent1"/>
+          </a:fillRef>
+          <a:effectRef idx="0">
+            <a:schemeClr val="accent1"/>
+          </a:effectRef>
+          <a:fontRef idx="minor">
+            <a:schemeClr val="lt1"/>
+          </a:fontRef>
+        </p:style>
+        <p:txBody>
+          <a:bodyPr rtlCol="0" anchor="t" anchorCtr="false"/>
+          <a:p>
+            <a:pPr algn="ctr"/>
+            <a:endParaRPr lang="zh-CN" altLang="en-US" sz="1200" b="1">
+              <a:solidFill>
+                <a:srgbClr val="2C3E50"/>
+              </a:solidFill>
+            </a:endParaRPr>
+          </a:p>
+        </p:txBody>
+      </p:sp>
+      <p:sp>
+        <p:nvSpPr>
+          <p:cNvPr id="21" name="矩形 20"/>
+          <p:cNvSpPr/>
+          <p:nvPr/>
+        </p:nvSpPr>
+        <p:spPr>
+          <a:xfrm>
+            <a:off x="1649730" y="642620"/>
+            <a:ext cx="2113915" cy="450215"/>
+          </a:xfrm>
+          <a:prstGeom prst="rect">
+            <a:avLst/>
+          </a:prstGeom>
+          <a:noFill/>
+          <a:ln w="38100">
+            <a:solidFill>
+              <a:srgbClr val="2C3E50"/>
+            </a:solidFill>
+          </a:ln>
+          <a:extLst>
+            <a:ext uri="{909E8E84-426E-40DD-AFC4-6F175D3DCCD1}">
+              <a14:hiddenFill xmlns:a14="http://schemas.microsoft.com/office/drawing/2010/main">
+                <a:solidFill>
+                  <a:schemeClr val="accent1"/>
+                </a:solidFill>
+              </a14:hiddenFill>
+            </a:ext>
+          </a:extLst>
+        </p:spPr>
+        <p:style>
+          <a:lnRef idx="2">
+            <a:schemeClr val="accent1">
+              <a:shade val="50000"/>
+            </a:schemeClr>
+          </a:lnRef>
+          <a:fillRef idx="1">
+            <a:schemeClr val="accent1"/>
+          </a:fillRef>
+          <a:effectRef idx="0">
+            <a:schemeClr val="accent1"/>
+          </a:effectRef>
+          <a:fontRef idx="minor">
+            <a:schemeClr val="lt1"/>
+          </a:fontRef>
+        </p:style>
+        <p:txBody>
+          <a:bodyPr rtlCol="0" anchor="t" anchorCtr="false"/>
+          <a:p>
+            <a:pPr algn="ctr"/>
+            <a:endParaRPr lang="zh-CN" altLang="en-US" sz="1200" b="1">
+              <a:solidFill>
+                <a:srgbClr val="2C3E50"/>
+              </a:solidFill>
+            </a:endParaRPr>
+          </a:p>
+        </p:txBody>
+      </p:sp>
+      <p:grpSp>
+        <p:nvGrpSpPr>
+          <p:cNvPr id="34" name="组合 33"/>
+          <p:cNvGrpSpPr/>
+          <p:nvPr/>
+        </p:nvGrpSpPr>
+        <p:grpSpPr>
+          <a:xfrm>
+            <a:off x="9874885" y="562610"/>
+            <a:ext cx="2113280" cy="998220"/>
+            <a:chOff x="6278" y="7878"/>
+            <a:chExt cx="3328" cy="1572"/>
+          </a:xfrm>
+        </p:grpSpPr>
+        <p:sp>
+          <p:nvSpPr>
+            <p:cNvPr id="20" name="矩形 19"/>
+            <p:cNvSpPr/>
+            <p:nvPr/>
+          </p:nvSpPr>
+          <p:spPr>
+            <a:xfrm>
+              <a:off x="6508" y="8461"/>
+              <a:ext cx="2869" cy="407"/>
+            </a:xfrm>
+            <a:prstGeom prst="rect">
+              <a:avLst/>
+            </a:prstGeom>
+            <a:noFill/>
+            <a:ln w="19050">
+              <a:solidFill>
+                <a:srgbClr val="2C3E50"/>
+              </a:solidFill>
+            </a:ln>
+            <a:extLst>
+              <a:ext uri="{909E8E84-426E-40DD-AFC4-6F175D3DCCD1}">
+                <a14:hiddenFill xmlns:a14="http://schemas.microsoft.com/office/drawing/2010/main">
+                  <a:solidFill>
+                    <a:schemeClr val="accent1"/>
+                  </a:solidFill>
+                </a14:hiddenFill>
+              </a:ext>
+            </a:extLst>
+          </p:spPr>
+          <p:style>
+            <a:lnRef idx="2">
+              <a:schemeClr val="accent1">
+                <a:shade val="50000"/>
+              </a:schemeClr>
+            </a:lnRef>
+            <a:fillRef idx="1">
+              <a:schemeClr val="accent1"/>
+            </a:fillRef>
+            <a:effectRef idx="0">
+              <a:schemeClr val="accent1"/>
+            </a:effectRef>
+            <a:fontRef idx="minor">
+              <a:schemeClr val="lt1"/>
+            </a:fontRef>
+          </p:style>
+          <p:txBody>
+            <a:bodyPr rtlCol="0" anchor="ctr" anchorCtr="false"/>
+            <a:p>
+              <a:pPr algn="ctr"/>
+              <a:r>
+                <a:rPr lang="zh-CN" altLang="en-US" sz="800" b="1">
+                  <a:solidFill>
+                    <a:srgbClr val="2C3E50"/>
+                  </a:solidFill>
+                </a:rPr>
+                <a:t>struct css_set</a:t>
+              </a:r>
+              <a:r>
+                <a:rPr lang="en-US" altLang="zh-CN" sz="800" b="1">
+                  <a:solidFill>
+                    <a:srgbClr val="2C3E50"/>
+                  </a:solidFill>
+                </a:rPr>
+                <a:t>  </a:t>
+              </a:r>
+              <a:r>
+                <a:rPr lang="zh-CN" altLang="en-US" sz="800" b="1">
+                  <a:solidFill>
+                    <a:srgbClr val="2C3E50"/>
+                  </a:solidFill>
+                </a:rPr>
+                <a:t>*cur_cset;</a:t>
+              </a:r>
+              <a:endParaRPr lang="zh-CN" altLang="en-US" sz="800" b="1">
+                <a:solidFill>
+                  <a:srgbClr val="2C3E50"/>
+                </a:solidFill>
+              </a:endParaRPr>
+            </a:p>
+          </p:txBody>
+        </p:sp>
+        <p:sp>
+          <p:nvSpPr>
+            <p:cNvPr id="23" name="矩形 22"/>
+            <p:cNvSpPr/>
+            <p:nvPr/>
+          </p:nvSpPr>
+          <p:spPr>
+            <a:xfrm>
+              <a:off x="6278" y="7878"/>
+              <a:ext cx="3329" cy="1573"/>
+            </a:xfrm>
+            <a:prstGeom prst="rect">
+              <a:avLst/>
+            </a:prstGeom>
+            <a:noFill/>
+            <a:ln w="38100">
+              <a:solidFill>
+                <a:srgbClr val="2C3E50"/>
+              </a:solidFill>
+            </a:ln>
+            <a:extLst>
+              <a:ext uri="{909E8E84-426E-40DD-AFC4-6F175D3DCCD1}">
+                <a14:hiddenFill xmlns:a14="http://schemas.microsoft.com/office/drawing/2010/main">
+                  <a:solidFill>
+                    <a:schemeClr val="accent1"/>
+                  </a:solidFill>
+                </a14:hiddenFill>
+              </a:ext>
+            </a:extLst>
+          </p:spPr>
+          <p:style>
+            <a:lnRef idx="2">
+              <a:schemeClr val="accent1">
+                <a:shade val="50000"/>
+              </a:schemeClr>
+            </a:lnRef>
+            <a:fillRef idx="1">
+              <a:schemeClr val="accent1"/>
+            </a:fillRef>
+            <a:effectRef idx="0">
+              <a:schemeClr val="accent1"/>
+            </a:effectRef>
+            <a:fontRef idx="minor">
+              <a:schemeClr val="lt1"/>
+            </a:fontRef>
+          </p:style>
+          <p:txBody>
+            <a:bodyPr rtlCol="0" anchor="t" anchorCtr="false"/>
+            <a:p>
+              <a:pPr algn="ctr"/>
+              <a:r>
+                <a:rPr lang="zh-CN" altLang="en-US" sz="1200" b="1">
+                  <a:solidFill>
+                    <a:srgbClr val="2C3E50"/>
+                  </a:solidFill>
+                </a:rPr>
+                <a:t>struct cgroup_taskset </a:t>
+              </a:r>
+              <a:endParaRPr lang="zh-CN" altLang="en-US" sz="1200" b="1">
+                <a:solidFill>
+                  <a:srgbClr val="2C3E50"/>
+                </a:solidFill>
+              </a:endParaRPr>
+            </a:p>
+          </p:txBody>
+        </p:sp>
+        <p:sp>
+          <p:nvSpPr>
+            <p:cNvPr id="27" name="矩形 26"/>
+            <p:cNvSpPr/>
+            <p:nvPr/>
+          </p:nvSpPr>
+          <p:spPr>
+            <a:xfrm>
+              <a:off x="6508" y="8868"/>
+              <a:ext cx="2869" cy="380"/>
+            </a:xfrm>
+            <a:prstGeom prst="rect">
+              <a:avLst/>
+            </a:prstGeom>
+            <a:noFill/>
+            <a:ln w="19050">
+              <a:solidFill>
+                <a:srgbClr val="2C3E50"/>
+              </a:solidFill>
+            </a:ln>
+            <a:extLst>
+              <a:ext uri="{909E8E84-426E-40DD-AFC4-6F175D3DCCD1}">
+                <a14:hiddenFill xmlns:a14="http://schemas.microsoft.com/office/drawing/2010/main">
+                  <a:solidFill>
+                    <a:schemeClr val="accent1"/>
+                  </a:solidFill>
+                </a14:hiddenFill>
+              </a:ext>
+            </a:extLst>
+          </p:spPr>
+          <p:style>
+            <a:lnRef idx="2">
+              <a:schemeClr val="accent1">
+                <a:shade val="50000"/>
+              </a:schemeClr>
+            </a:lnRef>
+            <a:fillRef idx="1">
+              <a:schemeClr val="accent1"/>
+            </a:fillRef>
+            <a:effectRef idx="0">
+              <a:schemeClr val="accent1"/>
+            </a:effectRef>
+            <a:fontRef idx="minor">
+              <a:schemeClr val="lt1"/>
+            </a:fontRef>
+          </p:style>
+          <p:txBody>
+            <a:bodyPr rtlCol="0" anchor="ctr" anchorCtr="false"/>
+            <a:p>
+              <a:pPr algn="ctr"/>
+              <a:r>
+                <a:rPr lang="zh-CN" altLang="en-US" sz="800" b="1">
+                  <a:solidFill>
+                    <a:srgbClr val="2C3E50"/>
+                  </a:solidFill>
+                </a:rPr>
+                <a:t>struct task_struct</a:t>
+              </a:r>
+              <a:r>
+                <a:rPr lang="en-US" altLang="zh-CN" sz="800" b="1">
+                  <a:solidFill>
+                    <a:srgbClr val="2C3E50"/>
+                  </a:solidFill>
+                </a:rPr>
+                <a:t> </a:t>
+              </a:r>
+              <a:r>
+                <a:rPr lang="zh-CN" altLang="en-US" sz="800" b="1">
+                  <a:solidFill>
+                    <a:srgbClr val="2C3E50"/>
+                  </a:solidFill>
+                </a:rPr>
+                <a:t>*cur_task;</a:t>
+              </a:r>
+              <a:endParaRPr lang="zh-CN" altLang="en-US" sz="800" b="1">
+                <a:solidFill>
+                  <a:srgbClr val="2C3E50"/>
+                </a:solidFill>
+              </a:endParaRPr>
+            </a:p>
+          </p:txBody>
+        </p:sp>
+      </p:grpSp>
     </p:spTree>
   </p:cSld>
   <p:clrMapOvr>
